--- a/Error log.pptx
+++ b/Error log.pptx
@@ -1,26 +1,26 @@
 
 <file path=ppt/presentation.xml><?xml version="1.0" encoding="utf-8"?>
-<p:presentation xmlns:a="http://schemas.openxmlformats.org/drawingml/2006/main" xmlns:r="http://schemas.openxmlformats.org/officeDocument/2006/relationships" xmlns:p="http://schemas.openxmlformats.org/presentationml/2006/main" showSpecialPlsOnTitleSld="0" saveSubsetFonts="1">
+<p:presentation xmlns:a="http://schemas.openxmlformats.org/drawingml/2006/main" xmlns:r="http://schemas.openxmlformats.org/officeDocument/2006/relationships" xmlns:p="http://schemas.openxmlformats.org/presentationml/2006/main" showSpecialPlsOnTitleSld="0">
   <p:sldMasterIdLst>
-    <p:sldMasterId id="2147483660" r:id="rId1"/>
+    <p:sldMasterId id="2147483648" r:id="rId1"/>
   </p:sldMasterIdLst>
   <p:notesMasterIdLst>
-    <p:notesMasterId r:id="rId12"/>
+    <p:notesMasterId r:id="rId4"/>
   </p:notesMasterIdLst>
   <p:handoutMasterIdLst>
-    <p:handoutMasterId r:id="rId13"/>
+    <p:handoutMasterId r:id="rId14"/>
   </p:handoutMasterIdLst>
   <p:sldIdLst>
-    <p:sldId id="256" r:id="rId2"/>
-    <p:sldId id="439" r:id="rId3"/>
-    <p:sldId id="440" r:id="rId4"/>
-    <p:sldId id="441" r:id="rId5"/>
-    <p:sldId id="442" r:id="rId6"/>
-    <p:sldId id="443" r:id="rId7"/>
-    <p:sldId id="432" r:id="rId8"/>
-    <p:sldId id="433" r:id="rId9"/>
-    <p:sldId id="444" r:id="rId10"/>
-    <p:sldId id="430" r:id="rId11"/>
+    <p:sldId id="256" r:id="rId3"/>
+    <p:sldId id="439" r:id="rId5"/>
+    <p:sldId id="440" r:id="rId6"/>
+    <p:sldId id="441" r:id="rId7"/>
+    <p:sldId id="442" r:id="rId8"/>
+    <p:sldId id="443" r:id="rId9"/>
+    <p:sldId id="432" r:id="rId10"/>
+    <p:sldId id="433" r:id="rId11"/>
+    <p:sldId id="444" r:id="rId12"/>
+    <p:sldId id="430" r:id="rId13"/>
   </p:sldIdLst>
   <p:sldSz cx="9144000" cy="5715000" type="screen16x10"/>
   <p:notesSz cx="6858000" cy="9144000"/>
@@ -119,34 +119,12 @@
       </a:defRPr>
     </a:lvl9pPr>
   </p:defaultTextStyle>
-  <p:extLst>
-    <p:ext uri="{EFAFB233-063F-42B5-8137-9DF3F51BA10A}">
-      <p15:sldGuideLst xmlns:p15="http://schemas.microsoft.com/office/powerpoint/2012/main">
-        <p15:guide id="1" orient="horz" pos="1800">
-          <p15:clr>
-            <a:srgbClr val="A4A3A4"/>
-          </p15:clr>
-        </p15:guide>
-        <p15:guide id="2" pos="2880">
-          <p15:clr>
-            <a:srgbClr val="A4A3A4"/>
-          </p15:clr>
-        </p15:guide>
-      </p15:sldGuideLst>
-    </p:ext>
-  </p:extLst>
 </p:presentation>
 </file>
 
 <file path=ppt/commentAuthors.xml><?xml version="1.0" encoding="utf-8"?>
 <p:cmAuthorLst xmlns:a="http://schemas.openxmlformats.org/drawingml/2006/main" xmlns:r="http://schemas.openxmlformats.org/officeDocument/2006/relationships" xmlns:p="http://schemas.openxmlformats.org/presentationml/2006/main">
-  <p:cmAuthor id="1" name="Nnamdi Umeh" initials="NU" lastIdx="1" clrIdx="0">
-    <p:extLst>
-      <p:ext uri="{19B8F6BF-5375-455C-9EA6-DF929625EA0E}">
-        <p15:presenceInfo xmlns:p15="http://schemas.microsoft.com/office/powerpoint/2012/main" userId="Nnamdi Umeh" providerId="None"/>
-      </p:ext>
-    </p:extLst>
-  </p:cmAuthor>
+  <p:cmAuthor id="1" name="Nnamdi Umeh" initials="NU" lastIdx="1" clrIdx="0"/>
 </p:cmAuthorLst>
 </file>
 
@@ -236,7 +214,6 @@
           <a:p>
             <a:fld id="{41981460-4B9A-4DB8-B37E-B441AB95802B}" type="datetimeFigureOut">
               <a:rPr lang="en-US" smtClean="0"/>
-              <a:t>8/13/2020</a:t>
             </a:fld>
             <a:endParaRPr lang="en-US"/>
           </a:p>
@@ -302,18 +279,12 @@
           <a:p>
             <a:fld id="{6ADBA872-4FEB-4FE0-9606-F5CD1A8E2B6D}" type="slidenum">
               <a:rPr lang="en-US" smtClean="0"/>
-              <a:t>‹#›</a:t>
             </a:fld>
             <a:endParaRPr lang="en-US"/>
           </a:p>
         </p:txBody>
       </p:sp>
     </p:spTree>
-    <p:extLst>
-      <p:ext uri="{BB962C8B-B14F-4D97-AF65-F5344CB8AC3E}">
-        <p14:creationId xmlns:p14="http://schemas.microsoft.com/office/powerpoint/2010/main" val="3685992329"/>
-      </p:ext>
-    </p:extLst>
   </p:cSld>
   <p:clrMap bg1="lt1" tx1="dk1" bg2="lt2" tx2="dk2" accent1="accent1" accent2="accent2" accent3="accent3" accent4="accent4" accent5="accent5" accent6="accent6" hlink="hlink" folHlink="folHlink"/>
   <p:hf sldNum="0" hdr="0" ftr="0" dt="0"/>
@@ -406,7 +377,6 @@
           <a:p>
             <a:fld id="{9CB703BA-35EA-5F41-9BC1-076C13C308D7}" type="datetimeFigureOut">
               <a:rPr lang="en-US" smtClean="0"/>
-              <a:t>8/13/2020</a:t>
             </a:fld>
             <a:endParaRPr lang="en-US"/>
           </a:p>
@@ -473,6 +443,7 @@
               <a:rPr lang="en-US" smtClean="0"/>
               <a:t>Click to edit Master text styles</a:t>
             </a:r>
+            <a:endParaRPr lang="en-US" smtClean="0"/>
           </a:p>
           <a:p>
             <a:pPr lvl="1"/>
@@ -480,6 +451,7 @@
               <a:rPr lang="en-US" smtClean="0"/>
               <a:t>Second level</a:t>
             </a:r>
+            <a:endParaRPr lang="en-US" smtClean="0"/>
           </a:p>
           <a:p>
             <a:pPr lvl="2"/>
@@ -487,6 +459,7 @@
               <a:rPr lang="en-US" smtClean="0"/>
               <a:t>Third level</a:t>
             </a:r>
+            <a:endParaRPr lang="en-US" smtClean="0"/>
           </a:p>
           <a:p>
             <a:pPr lvl="3"/>
@@ -494,6 +467,7 @@
               <a:rPr lang="en-US" smtClean="0"/>
               <a:t>Fourth level</a:t>
             </a:r>
+            <a:endParaRPr lang="en-US" smtClean="0"/>
           </a:p>
           <a:p>
             <a:pPr lvl="4"/>
@@ -565,18 +539,12 @@
           <a:p>
             <a:fld id="{7655BAE0-802C-8442-BE31-0798F193E57A}" type="slidenum">
               <a:rPr lang="en-US" smtClean="0"/>
-              <a:t>‹#›</a:t>
             </a:fld>
             <a:endParaRPr lang="en-US"/>
           </a:p>
         </p:txBody>
       </p:sp>
     </p:spTree>
-    <p:extLst>
-      <p:ext uri="{BB962C8B-B14F-4D97-AF65-F5344CB8AC3E}">
-        <p14:creationId xmlns:p14="http://schemas.microsoft.com/office/powerpoint/2010/main" val="544678984"/>
-      </p:ext>
-    </p:extLst>
   </p:cSld>
   <p:clrMap bg1="lt1" tx1="dk1" bg2="lt2" tx2="dk2" accent1="accent1" accent2="accent2" accent3="accent3" accent4="accent4" accent5="accent5" accent6="accent6" hlink="hlink" folHlink="folHlink"/>
   <p:hf sldNum="0" hdr="0" ftr="0" dt="0"/>
@@ -724,11 +692,6 @@
         </p:txBody>
       </p:sp>
     </p:spTree>
-    <p:extLst>
-      <p:ext uri="{BB962C8B-B14F-4D97-AF65-F5344CB8AC3E}">
-        <p14:creationId xmlns:p14="http://schemas.microsoft.com/office/powerpoint/2010/main" val="3976875840"/>
-      </p:ext>
-    </p:extLst>
   </p:cSld>
   <p:clrMapOvr>
     <a:masterClrMapping/>
@@ -785,11 +748,6 @@
         </p:txBody>
       </p:sp>
     </p:spTree>
-    <p:extLst>
-      <p:ext uri="{BB962C8B-B14F-4D97-AF65-F5344CB8AC3E}">
-        <p14:creationId xmlns:p14="http://schemas.microsoft.com/office/powerpoint/2010/main" val="756026891"/>
-      </p:ext>
-    </p:extLst>
   </p:cSld>
   <p:clrMapOvr>
     <a:masterClrMapping/>
@@ -846,11 +804,6 @@
         </p:txBody>
       </p:sp>
     </p:spTree>
-    <p:extLst>
-      <p:ext uri="{BB962C8B-B14F-4D97-AF65-F5344CB8AC3E}">
-        <p14:creationId xmlns:p14="http://schemas.microsoft.com/office/powerpoint/2010/main" val="3264889351"/>
-      </p:ext>
-    </p:extLst>
   </p:cSld>
   <p:clrMapOvr>
     <a:masterClrMapping/>
@@ -907,11 +860,6 @@
         </p:txBody>
       </p:sp>
     </p:spTree>
-    <p:extLst>
-      <p:ext uri="{BB962C8B-B14F-4D97-AF65-F5344CB8AC3E}">
-        <p14:creationId xmlns:p14="http://schemas.microsoft.com/office/powerpoint/2010/main" val="2608583390"/>
-      </p:ext>
-    </p:extLst>
   </p:cSld>
   <p:clrMapOvr>
     <a:masterClrMapping/>
@@ -1050,7 +998,6 @@
           <a:p>
             <a:fld id="{2FCC1DB3-0413-4A5F-BE82-02384DD2066C}" type="datetime1">
               <a:rPr lang="en-US" smtClean="0"/>
-              <a:t>8/13/2020</a:t>
             </a:fld>
             <a:endParaRPr lang="en-US"/>
           </a:p>
@@ -1104,31 +1051,24 @@
               <a:t>Page </a:t>
             </a:r>
             <a:fld id="{9A173270-0D9D-4CEB-B8EB-3520A381829E}" type="slidenum">
-              <a:rPr lang="en-US" smtClean="0"/>
-              <a:pPr/>
-              <a:t>‹#›</a:t>
+              <a:rPr lang="en-US" dirty="0" smtClean="0"/>
             </a:fld>
             <a:endParaRPr lang="en-US" dirty="0"/>
           </a:p>
         </p:txBody>
       </p:sp>
     </p:spTree>
-    <p:extLst>
-      <p:ext uri="{BB962C8B-B14F-4D97-AF65-F5344CB8AC3E}">
-        <p14:creationId xmlns:p14="http://schemas.microsoft.com/office/powerpoint/2010/main" val="1699169094"/>
-      </p:ext>
-    </p:extLst>
   </p:cSld>
   <p:clrMapOvr>
     <a:masterClrMapping/>
   </p:clrMapOvr>
-  <mc:AlternateContent xmlns:mc="http://schemas.openxmlformats.org/markup-compatibility/2006" xmlns:p14="http://schemas.microsoft.com/office/powerpoint/2010/main">
-    <mc:Choice Requires="p14">
+  <mc:AlternateContent xmlns:mc="http://schemas.openxmlformats.org/markup-compatibility/2006">
+    <mc:Choice xmlns:p14="http://schemas.microsoft.com/office/powerpoint/2010/main" Requires="p14">
       <p:transition spd="slow" p14:dur="2000">
         <p14:prism isContent="1"/>
       </p:transition>
     </mc:Choice>
-    <mc:Fallback xmlns="">
+    <mc:Fallback>
       <p:transition spd="slow">
         <p:fade/>
       </p:transition>
@@ -1197,6 +1137,7 @@
               <a:rPr lang="en-US" smtClean="0"/>
               <a:t>Click to edit Master text styles</a:t>
             </a:r>
+            <a:endParaRPr lang="en-US" smtClean="0"/>
           </a:p>
           <a:p>
             <a:pPr lvl="1"/>
@@ -1204,6 +1145,7 @@
               <a:rPr lang="en-US" smtClean="0"/>
               <a:t>Second level</a:t>
             </a:r>
+            <a:endParaRPr lang="en-US" smtClean="0"/>
           </a:p>
           <a:p>
             <a:pPr lvl="2"/>
@@ -1211,6 +1153,7 @@
               <a:rPr lang="en-US" smtClean="0"/>
               <a:t>Third level</a:t>
             </a:r>
+            <a:endParaRPr lang="en-US" smtClean="0"/>
           </a:p>
           <a:p>
             <a:pPr lvl="3"/>
@@ -1218,6 +1161,7 @@
               <a:rPr lang="en-US" smtClean="0"/>
               <a:t>Fourth level</a:t>
             </a:r>
+            <a:endParaRPr lang="en-US" smtClean="0"/>
           </a:p>
           <a:p>
             <a:pPr lvl="4"/>
@@ -1246,7 +1190,6 @@
           <a:p>
             <a:fld id="{D3D071A4-FE09-4BF2-8C28-98CA57896A32}" type="datetime1">
               <a:rPr lang="en-US" smtClean="0"/>
-              <a:t>8/13/2020</a:t>
             </a:fld>
             <a:endParaRPr lang="en-US"/>
           </a:p>
@@ -1288,29 +1231,23 @@
           <a:p>
             <a:fld id="{9A173270-0D9D-4CEB-B8EB-3520A381829E}" type="slidenum">
               <a:rPr lang="en-US" smtClean="0"/>
-              <a:t>‹#›</a:t>
             </a:fld>
             <a:endParaRPr lang="en-US"/>
           </a:p>
         </p:txBody>
       </p:sp>
     </p:spTree>
-    <p:extLst>
-      <p:ext uri="{BB962C8B-B14F-4D97-AF65-F5344CB8AC3E}">
-        <p14:creationId xmlns:p14="http://schemas.microsoft.com/office/powerpoint/2010/main" val="2705805338"/>
-      </p:ext>
-    </p:extLst>
   </p:cSld>
   <p:clrMapOvr>
     <a:masterClrMapping/>
   </p:clrMapOvr>
-  <mc:AlternateContent xmlns:mc="http://schemas.openxmlformats.org/markup-compatibility/2006" xmlns:p14="http://schemas.microsoft.com/office/powerpoint/2010/main">
-    <mc:Choice Requires="p14">
+  <mc:AlternateContent xmlns:mc="http://schemas.openxmlformats.org/markup-compatibility/2006">
+    <mc:Choice xmlns:p14="http://schemas.microsoft.com/office/powerpoint/2010/main" Requires="p14">
       <p:transition spd="slow" p14:dur="2000">
         <p14:prism isContent="1"/>
       </p:transition>
     </mc:Choice>
-    <mc:Fallback xmlns="">
+    <mc:Fallback>
       <p:transition spd="slow">
         <p:fade/>
       </p:transition>
@@ -1389,6 +1326,7 @@
               <a:rPr lang="en-US" smtClean="0"/>
               <a:t>Click to edit Master text styles</a:t>
             </a:r>
+            <a:endParaRPr lang="en-US" smtClean="0"/>
           </a:p>
           <a:p>
             <a:pPr lvl="1"/>
@@ -1396,6 +1334,7 @@
               <a:rPr lang="en-US" smtClean="0"/>
               <a:t>Second level</a:t>
             </a:r>
+            <a:endParaRPr lang="en-US" smtClean="0"/>
           </a:p>
           <a:p>
             <a:pPr lvl="2"/>
@@ -1403,6 +1342,7 @@
               <a:rPr lang="en-US" smtClean="0"/>
               <a:t>Third level</a:t>
             </a:r>
+            <a:endParaRPr lang="en-US" smtClean="0"/>
           </a:p>
           <a:p>
             <a:pPr lvl="3"/>
@@ -1410,6 +1350,7 @@
               <a:rPr lang="en-US" smtClean="0"/>
               <a:t>Fourth level</a:t>
             </a:r>
+            <a:endParaRPr lang="en-US" smtClean="0"/>
           </a:p>
           <a:p>
             <a:pPr lvl="4"/>
@@ -1438,7 +1379,6 @@
           <a:p>
             <a:fld id="{CCDAAC33-1487-4FF4-BBDE-22EF777E2C2B}" type="datetime1">
               <a:rPr lang="en-US" smtClean="0"/>
-              <a:t>8/13/2020</a:t>
             </a:fld>
             <a:endParaRPr lang="en-US"/>
           </a:p>
@@ -1480,29 +1420,23 @@
           <a:p>
             <a:fld id="{9A173270-0D9D-4CEB-B8EB-3520A381829E}" type="slidenum">
               <a:rPr lang="en-US" smtClean="0"/>
-              <a:t>‹#›</a:t>
             </a:fld>
             <a:endParaRPr lang="en-US"/>
           </a:p>
         </p:txBody>
       </p:sp>
     </p:spTree>
-    <p:extLst>
-      <p:ext uri="{BB962C8B-B14F-4D97-AF65-F5344CB8AC3E}">
-        <p14:creationId xmlns:p14="http://schemas.microsoft.com/office/powerpoint/2010/main" val="1666755897"/>
-      </p:ext>
-    </p:extLst>
   </p:cSld>
   <p:clrMapOvr>
     <a:masterClrMapping/>
   </p:clrMapOvr>
-  <mc:AlternateContent xmlns:mc="http://schemas.openxmlformats.org/markup-compatibility/2006" xmlns:p14="http://schemas.microsoft.com/office/powerpoint/2010/main">
-    <mc:Choice Requires="p14">
+  <mc:AlternateContent xmlns:mc="http://schemas.openxmlformats.org/markup-compatibility/2006">
+    <mc:Choice xmlns:p14="http://schemas.microsoft.com/office/powerpoint/2010/main" Requires="p14">
       <p:transition spd="slow" p14:dur="2000">
         <p14:prism isContent="1"/>
       </p:transition>
     </mc:Choice>
-    <mc:Fallback xmlns="">
+    <mc:Fallback>
       <p:transition spd="slow">
         <p:fade/>
       </p:transition>
@@ -1571,6 +1505,7 @@
               <a:rPr lang="en-US" smtClean="0"/>
               <a:t>Click to edit Master text styles</a:t>
             </a:r>
+            <a:endParaRPr lang="en-US" smtClean="0"/>
           </a:p>
           <a:p>
             <a:pPr lvl="1"/>
@@ -1578,6 +1513,7 @@
               <a:rPr lang="en-US" smtClean="0"/>
               <a:t>Second level</a:t>
             </a:r>
+            <a:endParaRPr lang="en-US" smtClean="0"/>
           </a:p>
           <a:p>
             <a:pPr lvl="2"/>
@@ -1585,6 +1521,7 @@
               <a:rPr lang="en-US" smtClean="0"/>
               <a:t>Third level</a:t>
             </a:r>
+            <a:endParaRPr lang="en-US" smtClean="0"/>
           </a:p>
           <a:p>
             <a:pPr lvl="3"/>
@@ -1592,6 +1529,7 @@
               <a:rPr lang="en-US" smtClean="0"/>
               <a:t>Fourth level</a:t>
             </a:r>
+            <a:endParaRPr lang="en-US" smtClean="0"/>
           </a:p>
           <a:p>
             <a:pPr lvl="4"/>
@@ -1620,7 +1558,6 @@
           <a:p>
             <a:fld id="{EA551DB1-037E-44D4-883A-47CAAC61724A}" type="datetime1">
               <a:rPr lang="en-US" smtClean="0"/>
-              <a:t>8/13/2020</a:t>
             </a:fld>
             <a:endParaRPr lang="en-US"/>
           </a:p>
@@ -1674,31 +1611,24 @@
               <a:t>Page </a:t>
             </a:r>
             <a:fld id="{9A173270-0D9D-4CEB-B8EB-3520A381829E}" type="slidenum">
-              <a:rPr lang="en-US" smtClean="0"/>
-              <a:pPr/>
-              <a:t>‹#›</a:t>
+              <a:rPr lang="en-US" dirty="0" smtClean="0"/>
             </a:fld>
             <a:endParaRPr lang="en-US" dirty="0"/>
           </a:p>
         </p:txBody>
       </p:sp>
     </p:spTree>
-    <p:extLst>
-      <p:ext uri="{BB962C8B-B14F-4D97-AF65-F5344CB8AC3E}">
-        <p14:creationId xmlns:p14="http://schemas.microsoft.com/office/powerpoint/2010/main" val="3850383935"/>
-      </p:ext>
-    </p:extLst>
   </p:cSld>
   <p:clrMapOvr>
     <a:masterClrMapping/>
   </p:clrMapOvr>
-  <mc:AlternateContent xmlns:mc="http://schemas.openxmlformats.org/markup-compatibility/2006" xmlns:p14="http://schemas.microsoft.com/office/powerpoint/2010/main">
-    <mc:Choice Requires="p14">
+  <mc:AlternateContent xmlns:mc="http://schemas.openxmlformats.org/markup-compatibility/2006">
+    <mc:Choice xmlns:p14="http://schemas.microsoft.com/office/powerpoint/2010/main" Requires="p14">
       <p:transition spd="slow" p14:dur="2000">
         <p14:prism isContent="1"/>
       </p:transition>
     </mc:Choice>
-    <mc:Fallback xmlns="">
+    <mc:Fallback>
       <p:transition spd="slow">
         <p:fade/>
       </p:transition>
@@ -1872,6 +1802,7 @@
               <a:rPr lang="en-US" smtClean="0"/>
               <a:t>Click to edit Master text styles</a:t>
             </a:r>
+            <a:endParaRPr lang="en-US" smtClean="0"/>
           </a:p>
         </p:txBody>
       </p:sp>
@@ -1892,7 +1823,6 @@
           <a:p>
             <a:fld id="{7FD53A1D-89A6-4EC7-80CE-69591F71D5D4}" type="datetime1">
               <a:rPr lang="en-US" smtClean="0"/>
-              <a:t>8/13/2020</a:t>
             </a:fld>
             <a:endParaRPr lang="en-US"/>
           </a:p>
@@ -1946,31 +1876,24 @@
               <a:t>Page </a:t>
             </a:r>
             <a:fld id="{9A173270-0D9D-4CEB-B8EB-3520A381829E}" type="slidenum">
-              <a:rPr lang="en-US" smtClean="0"/>
-              <a:pPr/>
-              <a:t>‹#›</a:t>
+              <a:rPr lang="en-US" dirty="0" smtClean="0"/>
             </a:fld>
             <a:endParaRPr lang="en-US" dirty="0"/>
           </a:p>
         </p:txBody>
       </p:sp>
     </p:spTree>
-    <p:extLst>
-      <p:ext uri="{BB962C8B-B14F-4D97-AF65-F5344CB8AC3E}">
-        <p14:creationId xmlns:p14="http://schemas.microsoft.com/office/powerpoint/2010/main" val="3292723828"/>
-      </p:ext>
-    </p:extLst>
   </p:cSld>
   <p:clrMapOvr>
     <a:masterClrMapping/>
   </p:clrMapOvr>
-  <mc:AlternateContent xmlns:mc="http://schemas.openxmlformats.org/markup-compatibility/2006" xmlns:p14="http://schemas.microsoft.com/office/powerpoint/2010/main">
-    <mc:Choice Requires="p14">
+  <mc:AlternateContent xmlns:mc="http://schemas.openxmlformats.org/markup-compatibility/2006">
+    <mc:Choice xmlns:p14="http://schemas.microsoft.com/office/powerpoint/2010/main" Requires="p14">
       <p:transition spd="slow" p14:dur="2000">
         <p14:prism isContent="1"/>
       </p:transition>
     </mc:Choice>
-    <mc:Fallback xmlns="">
+    <mc:Fallback>
       <p:transition spd="slow">
         <p:fade/>
       </p:transition>
@@ -2044,6 +1967,7 @@
               <a:rPr lang="en-US" smtClean="0"/>
               <a:t>Click to edit Master text styles</a:t>
             </a:r>
+            <a:endParaRPr lang="en-US" smtClean="0"/>
           </a:p>
           <a:p>
             <a:pPr lvl="1"/>
@@ -2051,6 +1975,7 @@
               <a:rPr lang="en-US" smtClean="0"/>
               <a:t>Second level</a:t>
             </a:r>
+            <a:endParaRPr lang="en-US" smtClean="0"/>
           </a:p>
           <a:p>
             <a:pPr lvl="2"/>
@@ -2058,6 +1983,7 @@
               <a:rPr lang="en-US" smtClean="0"/>
               <a:t>Third level</a:t>
             </a:r>
+            <a:endParaRPr lang="en-US" smtClean="0"/>
           </a:p>
           <a:p>
             <a:pPr lvl="3"/>
@@ -2065,6 +1991,7 @@
               <a:rPr lang="en-US" smtClean="0"/>
               <a:t>Fourth level</a:t>
             </a:r>
+            <a:endParaRPr lang="en-US" smtClean="0"/>
           </a:p>
           <a:p>
             <a:pPr lvl="4"/>
@@ -2101,6 +2028,7 @@
               <a:rPr lang="en-US" smtClean="0"/>
               <a:t>Click to edit Master text styles</a:t>
             </a:r>
+            <a:endParaRPr lang="en-US" smtClean="0"/>
           </a:p>
           <a:p>
             <a:pPr lvl="1"/>
@@ -2108,6 +2036,7 @@
               <a:rPr lang="en-US" smtClean="0"/>
               <a:t>Second level</a:t>
             </a:r>
+            <a:endParaRPr lang="en-US" smtClean="0"/>
           </a:p>
           <a:p>
             <a:pPr lvl="2"/>
@@ -2115,6 +2044,7 @@
               <a:rPr lang="en-US" smtClean="0"/>
               <a:t>Third level</a:t>
             </a:r>
+            <a:endParaRPr lang="en-US" smtClean="0"/>
           </a:p>
           <a:p>
             <a:pPr lvl="3"/>
@@ -2122,6 +2052,7 @@
               <a:rPr lang="en-US" smtClean="0"/>
               <a:t>Fourth level</a:t>
             </a:r>
+            <a:endParaRPr lang="en-US" smtClean="0"/>
           </a:p>
           <a:p>
             <a:pPr lvl="4"/>
@@ -2150,7 +2081,6 @@
           <a:p>
             <a:fld id="{CA1F90A8-3809-4C0F-A245-0F2BD6991AAC}" type="datetime1">
               <a:rPr lang="en-US" smtClean="0"/>
-              <a:t>8/13/2020</a:t>
             </a:fld>
             <a:endParaRPr lang="en-US"/>
           </a:p>
@@ -2192,29 +2122,23 @@
           <a:p>
             <a:fld id="{9A173270-0D9D-4CEB-B8EB-3520A381829E}" type="slidenum">
               <a:rPr lang="en-US" smtClean="0"/>
-              <a:t>‹#›</a:t>
             </a:fld>
             <a:endParaRPr lang="en-US"/>
           </a:p>
         </p:txBody>
       </p:sp>
     </p:spTree>
-    <p:extLst>
-      <p:ext uri="{BB962C8B-B14F-4D97-AF65-F5344CB8AC3E}">
-        <p14:creationId xmlns:p14="http://schemas.microsoft.com/office/powerpoint/2010/main" val="1320345240"/>
-      </p:ext>
-    </p:extLst>
   </p:cSld>
   <p:clrMapOvr>
     <a:masterClrMapping/>
   </p:clrMapOvr>
-  <mc:AlternateContent xmlns:mc="http://schemas.openxmlformats.org/markup-compatibility/2006" xmlns:p14="http://schemas.microsoft.com/office/powerpoint/2010/main">
-    <mc:Choice Requires="p14">
+  <mc:AlternateContent xmlns:mc="http://schemas.openxmlformats.org/markup-compatibility/2006">
+    <mc:Choice xmlns:p14="http://schemas.microsoft.com/office/powerpoint/2010/main" Requires="p14">
       <p:transition spd="slow" p14:dur="2000">
         <p14:prism isContent="1"/>
       </p:transition>
     </mc:Choice>
-    <mc:Fallback xmlns="">
+    <mc:Fallback>
       <p:transition spd="slow">
         <p:fade/>
       </p:transition>
@@ -2330,6 +2254,7 @@
               <a:rPr lang="en-US" smtClean="0"/>
               <a:t>Click to edit Master text styles</a:t>
             </a:r>
+            <a:endParaRPr lang="en-US" smtClean="0"/>
           </a:p>
         </p:txBody>
       </p:sp>
@@ -2358,6 +2283,7 @@
               <a:rPr lang="en-US" smtClean="0"/>
               <a:t>Click to edit Master text styles</a:t>
             </a:r>
+            <a:endParaRPr lang="en-US" smtClean="0"/>
           </a:p>
           <a:p>
             <a:pPr lvl="1"/>
@@ -2365,6 +2291,7 @@
               <a:rPr lang="en-US" smtClean="0"/>
               <a:t>Second level</a:t>
             </a:r>
+            <a:endParaRPr lang="en-US" smtClean="0"/>
           </a:p>
           <a:p>
             <a:pPr lvl="2"/>
@@ -2372,6 +2299,7 @@
               <a:rPr lang="en-US" smtClean="0"/>
               <a:t>Third level</a:t>
             </a:r>
+            <a:endParaRPr lang="en-US" smtClean="0"/>
           </a:p>
           <a:p>
             <a:pPr lvl="3"/>
@@ -2379,6 +2307,7 @@
               <a:rPr lang="en-US" smtClean="0"/>
               <a:t>Fourth level</a:t>
             </a:r>
+            <a:endParaRPr lang="en-US" smtClean="0"/>
           </a:p>
           <a:p>
             <a:pPr lvl="4"/>
@@ -2452,6 +2381,7 @@
               <a:rPr lang="en-US" smtClean="0"/>
               <a:t>Click to edit Master text styles</a:t>
             </a:r>
+            <a:endParaRPr lang="en-US" smtClean="0"/>
           </a:p>
         </p:txBody>
       </p:sp>
@@ -2480,6 +2410,7 @@
               <a:rPr lang="en-US" smtClean="0"/>
               <a:t>Click to edit Master text styles</a:t>
             </a:r>
+            <a:endParaRPr lang="en-US" smtClean="0"/>
           </a:p>
           <a:p>
             <a:pPr lvl="1"/>
@@ -2487,6 +2418,7 @@
               <a:rPr lang="en-US" smtClean="0"/>
               <a:t>Second level</a:t>
             </a:r>
+            <a:endParaRPr lang="en-US" smtClean="0"/>
           </a:p>
           <a:p>
             <a:pPr lvl="2"/>
@@ -2494,6 +2426,7 @@
               <a:rPr lang="en-US" smtClean="0"/>
               <a:t>Third level</a:t>
             </a:r>
+            <a:endParaRPr lang="en-US" smtClean="0"/>
           </a:p>
           <a:p>
             <a:pPr lvl="3"/>
@@ -2501,6 +2434,7 @@
               <a:rPr lang="en-US" smtClean="0"/>
               <a:t>Fourth level</a:t>
             </a:r>
+            <a:endParaRPr lang="en-US" smtClean="0"/>
           </a:p>
           <a:p>
             <a:pPr lvl="4"/>
@@ -2529,7 +2463,6 @@
           <a:p>
             <a:fld id="{E961B085-A5EE-41B7-981F-1993EEEFE82B}" type="datetime1">
               <a:rPr lang="en-US" smtClean="0"/>
-              <a:t>8/13/2020</a:t>
             </a:fld>
             <a:endParaRPr lang="en-US"/>
           </a:p>
@@ -2571,29 +2504,23 @@
           <a:p>
             <a:fld id="{9A173270-0D9D-4CEB-B8EB-3520A381829E}" type="slidenum">
               <a:rPr lang="en-US" smtClean="0"/>
-              <a:t>‹#›</a:t>
             </a:fld>
             <a:endParaRPr lang="en-US"/>
           </a:p>
         </p:txBody>
       </p:sp>
     </p:spTree>
-    <p:extLst>
-      <p:ext uri="{BB962C8B-B14F-4D97-AF65-F5344CB8AC3E}">
-        <p14:creationId xmlns:p14="http://schemas.microsoft.com/office/powerpoint/2010/main" val="3689253873"/>
-      </p:ext>
-    </p:extLst>
   </p:cSld>
   <p:clrMapOvr>
     <a:masterClrMapping/>
   </p:clrMapOvr>
-  <mc:AlternateContent xmlns:mc="http://schemas.openxmlformats.org/markup-compatibility/2006" xmlns:p14="http://schemas.microsoft.com/office/powerpoint/2010/main">
-    <mc:Choice Requires="p14">
+  <mc:AlternateContent xmlns:mc="http://schemas.openxmlformats.org/markup-compatibility/2006">
+    <mc:Choice xmlns:p14="http://schemas.microsoft.com/office/powerpoint/2010/main" Requires="p14">
       <p:transition spd="slow" p14:dur="2000">
         <p14:prism isContent="1"/>
       </p:transition>
     </mc:Choice>
-    <mc:Fallback xmlns="">
+    <mc:Fallback>
       <p:transition spd="slow">
         <p:fade/>
       </p:transition>
@@ -2659,7 +2586,6 @@
           <a:p>
             <a:fld id="{945CF548-C78D-4E11-8E22-537D972AF9CC}" type="datetime1">
               <a:rPr lang="en-US" smtClean="0"/>
-              <a:t>8/13/2020</a:t>
             </a:fld>
             <a:endParaRPr lang="en-US"/>
           </a:p>
@@ -2701,29 +2627,23 @@
           <a:p>
             <a:fld id="{9A173270-0D9D-4CEB-B8EB-3520A381829E}" type="slidenum">
               <a:rPr lang="en-US" smtClean="0"/>
-              <a:t>‹#›</a:t>
             </a:fld>
             <a:endParaRPr lang="en-US"/>
           </a:p>
         </p:txBody>
       </p:sp>
     </p:spTree>
-    <p:extLst>
-      <p:ext uri="{BB962C8B-B14F-4D97-AF65-F5344CB8AC3E}">
-        <p14:creationId xmlns:p14="http://schemas.microsoft.com/office/powerpoint/2010/main" val="1996059689"/>
-      </p:ext>
-    </p:extLst>
   </p:cSld>
   <p:clrMapOvr>
     <a:masterClrMapping/>
   </p:clrMapOvr>
-  <mc:AlternateContent xmlns:mc="http://schemas.openxmlformats.org/markup-compatibility/2006" xmlns:p14="http://schemas.microsoft.com/office/powerpoint/2010/main">
-    <mc:Choice Requires="p14">
+  <mc:AlternateContent xmlns:mc="http://schemas.openxmlformats.org/markup-compatibility/2006">
+    <mc:Choice xmlns:p14="http://schemas.microsoft.com/office/powerpoint/2010/main" Requires="p14">
       <p:transition spd="slow" p14:dur="2000">
         <p14:prism isContent="1"/>
       </p:transition>
     </mc:Choice>
-    <mc:Fallback xmlns="">
+    <mc:Fallback>
       <p:transition spd="slow">
         <p:fade/>
       </p:transition>
@@ -2766,7 +2686,6 @@
           <a:p>
             <a:fld id="{96F56240-FD03-4825-86B7-D0C7257361C2}" type="datetime1">
               <a:rPr lang="en-US" smtClean="0"/>
-              <a:t>8/13/2020</a:t>
             </a:fld>
             <a:endParaRPr lang="en-US"/>
           </a:p>
@@ -2808,29 +2727,23 @@
           <a:p>
             <a:fld id="{9A173270-0D9D-4CEB-B8EB-3520A381829E}" type="slidenum">
               <a:rPr lang="en-US" smtClean="0"/>
-              <a:t>‹#›</a:t>
             </a:fld>
             <a:endParaRPr lang="en-US"/>
           </a:p>
         </p:txBody>
       </p:sp>
     </p:spTree>
-    <p:extLst>
-      <p:ext uri="{BB962C8B-B14F-4D97-AF65-F5344CB8AC3E}">
-        <p14:creationId xmlns:p14="http://schemas.microsoft.com/office/powerpoint/2010/main" val="1671541412"/>
-      </p:ext>
-    </p:extLst>
   </p:cSld>
   <p:clrMapOvr>
     <a:masterClrMapping/>
   </p:clrMapOvr>
-  <mc:AlternateContent xmlns:mc="http://schemas.openxmlformats.org/markup-compatibility/2006" xmlns:p14="http://schemas.microsoft.com/office/powerpoint/2010/main">
-    <mc:Choice Requires="p14">
+  <mc:AlternateContent xmlns:mc="http://schemas.openxmlformats.org/markup-compatibility/2006">
+    <mc:Choice xmlns:p14="http://schemas.microsoft.com/office/powerpoint/2010/main" Requires="p14">
       <p:transition spd="slow" p14:dur="2000">
         <p14:prism isContent="1"/>
       </p:transition>
     </mc:Choice>
-    <mc:Fallback xmlns="">
+    <mc:Fallback>
       <p:transition spd="slow">
         <p:fade/>
       </p:transition>
@@ -2941,6 +2854,7 @@
               <a:rPr lang="en-US" smtClean="0"/>
               <a:t>Click to edit Master text styles</a:t>
             </a:r>
+            <a:endParaRPr lang="en-US" smtClean="0"/>
           </a:p>
           <a:p>
             <a:pPr lvl="1"/>
@@ -2948,6 +2862,7 @@
               <a:rPr lang="en-US" smtClean="0"/>
               <a:t>Second level</a:t>
             </a:r>
+            <a:endParaRPr lang="en-US" smtClean="0"/>
           </a:p>
           <a:p>
             <a:pPr lvl="2"/>
@@ -2955,6 +2870,7 @@
               <a:rPr lang="en-US" smtClean="0"/>
               <a:t>Third level</a:t>
             </a:r>
+            <a:endParaRPr lang="en-US" smtClean="0"/>
           </a:p>
           <a:p>
             <a:pPr lvl="3"/>
@@ -2962,6 +2878,7 @@
               <a:rPr lang="en-US" smtClean="0"/>
               <a:t>Fourth level</a:t>
             </a:r>
+            <a:endParaRPr lang="en-US" smtClean="0"/>
           </a:p>
           <a:p>
             <a:pPr lvl="4"/>
@@ -3035,6 +2952,7 @@
               <a:rPr lang="en-US" smtClean="0"/>
               <a:t>Click to edit Master text styles</a:t>
             </a:r>
+            <a:endParaRPr lang="en-US" smtClean="0"/>
           </a:p>
         </p:txBody>
       </p:sp>
@@ -3055,7 +2973,6 @@
           <a:p>
             <a:fld id="{16813915-7172-4E55-A5D6-E35BB94DA9BE}" type="datetime1">
               <a:rPr lang="en-US" smtClean="0"/>
-              <a:t>8/13/2020</a:t>
             </a:fld>
             <a:endParaRPr lang="en-US"/>
           </a:p>
@@ -3097,29 +3014,23 @@
           <a:p>
             <a:fld id="{9A173270-0D9D-4CEB-B8EB-3520A381829E}" type="slidenum">
               <a:rPr lang="en-US" smtClean="0"/>
-              <a:t>‹#›</a:t>
             </a:fld>
             <a:endParaRPr lang="en-US"/>
           </a:p>
         </p:txBody>
       </p:sp>
     </p:spTree>
-    <p:extLst>
-      <p:ext uri="{BB962C8B-B14F-4D97-AF65-F5344CB8AC3E}">
-        <p14:creationId xmlns:p14="http://schemas.microsoft.com/office/powerpoint/2010/main" val="988751423"/>
-      </p:ext>
-    </p:extLst>
   </p:cSld>
   <p:clrMapOvr>
     <a:masterClrMapping/>
   </p:clrMapOvr>
-  <mc:AlternateContent xmlns:mc="http://schemas.openxmlformats.org/markup-compatibility/2006" xmlns:p14="http://schemas.microsoft.com/office/powerpoint/2010/main">
-    <mc:Choice Requires="p14">
+  <mc:AlternateContent xmlns:mc="http://schemas.openxmlformats.org/markup-compatibility/2006">
+    <mc:Choice xmlns:p14="http://schemas.microsoft.com/office/powerpoint/2010/main" Requires="p14">
       <p:transition spd="slow" p14:dur="2000">
         <p14:prism isContent="1"/>
       </p:transition>
     </mc:Choice>
-    <mc:Fallback xmlns="">
+    <mc:Fallback>
       <p:transition spd="slow">
         <p:fade/>
       </p:transition>
@@ -3300,6 +3211,7 @@
               <a:rPr lang="en-US" smtClean="0"/>
               <a:t>Click to edit Master text styles</a:t>
             </a:r>
+            <a:endParaRPr lang="en-US" smtClean="0"/>
           </a:p>
         </p:txBody>
       </p:sp>
@@ -3320,7 +3232,6 @@
           <a:p>
             <a:fld id="{2B884BD8-8C31-49AA-A6E0-B21AA6C0E5C0}" type="datetime1">
               <a:rPr lang="en-US" smtClean="0"/>
-              <a:t>8/13/2020</a:t>
             </a:fld>
             <a:endParaRPr lang="en-US"/>
           </a:p>
@@ -3362,29 +3273,23 @@
           <a:p>
             <a:fld id="{9A173270-0D9D-4CEB-B8EB-3520A381829E}" type="slidenum">
               <a:rPr lang="en-US" smtClean="0"/>
-              <a:t>‹#›</a:t>
             </a:fld>
             <a:endParaRPr lang="en-US"/>
           </a:p>
         </p:txBody>
       </p:sp>
     </p:spTree>
-    <p:extLst>
-      <p:ext uri="{BB962C8B-B14F-4D97-AF65-F5344CB8AC3E}">
-        <p14:creationId xmlns:p14="http://schemas.microsoft.com/office/powerpoint/2010/main" val="2294747837"/>
-      </p:ext>
-    </p:extLst>
   </p:cSld>
   <p:clrMapOvr>
     <a:masterClrMapping/>
   </p:clrMapOvr>
-  <mc:AlternateContent xmlns:mc="http://schemas.openxmlformats.org/markup-compatibility/2006" xmlns:p14="http://schemas.microsoft.com/office/powerpoint/2010/main">
-    <mc:Choice Requires="p14">
+  <mc:AlternateContent xmlns:mc="http://schemas.openxmlformats.org/markup-compatibility/2006">
+    <mc:Choice xmlns:p14="http://schemas.microsoft.com/office/powerpoint/2010/main" Requires="p14">
       <p:transition spd="slow" p14:dur="2000">
         <p14:prism isContent="1"/>
       </p:transition>
     </mc:Choice>
-    <mc:Fallback xmlns="">
+    <mc:Fallback>
       <p:transition spd="slow">
         <p:fade/>
       </p:transition>
@@ -3478,6 +3383,7 @@
               <a:rPr lang="en-US" smtClean="0"/>
               <a:t>Click to edit Master text styles</a:t>
             </a:r>
+            <a:endParaRPr lang="en-US" smtClean="0"/>
           </a:p>
           <a:p>
             <a:pPr lvl="1"/>
@@ -3485,6 +3391,7 @@
               <a:rPr lang="en-US" smtClean="0"/>
               <a:t>Second level</a:t>
             </a:r>
+            <a:endParaRPr lang="en-US" smtClean="0"/>
           </a:p>
           <a:p>
             <a:pPr lvl="2"/>
@@ -3492,6 +3399,7 @@
               <a:rPr lang="en-US" smtClean="0"/>
               <a:t>Third level</a:t>
             </a:r>
+            <a:endParaRPr lang="en-US" smtClean="0"/>
           </a:p>
           <a:p>
             <a:pPr lvl="3"/>
@@ -3499,6 +3407,7 @@
               <a:rPr lang="en-US" smtClean="0"/>
               <a:t>Fourth level</a:t>
             </a:r>
+            <a:endParaRPr lang="en-US" smtClean="0"/>
           </a:p>
           <a:p>
             <a:pPr lvl="4"/>
@@ -3545,7 +3454,6 @@
           <a:p>
             <a:fld id="{DF9FD385-D16A-4792-9A1E-C2C5982E5171}" type="datetime1">
               <a:rPr lang="en-US" smtClean="0"/>
-              <a:t>8/13/2020</a:t>
             </a:fld>
             <a:endParaRPr lang="en-US"/>
           </a:p>
@@ -3623,40 +3531,34 @@
           <a:p>
             <a:fld id="{9A173270-0D9D-4CEB-B8EB-3520A381829E}" type="slidenum">
               <a:rPr lang="en-US" smtClean="0"/>
-              <a:t>‹#›</a:t>
             </a:fld>
             <a:endParaRPr lang="en-US"/>
           </a:p>
         </p:txBody>
       </p:sp>
     </p:spTree>
-    <p:extLst>
-      <p:ext uri="{BB962C8B-B14F-4D97-AF65-F5344CB8AC3E}">
-        <p14:creationId xmlns:p14="http://schemas.microsoft.com/office/powerpoint/2010/main" val="679359802"/>
-      </p:ext>
-    </p:extLst>
   </p:cSld>
   <p:clrMap bg1="lt1" tx1="dk1" bg2="lt2" tx2="dk2" accent1="accent1" accent2="accent2" accent3="accent3" accent4="accent4" accent5="accent5" accent6="accent6" hlink="hlink" folHlink="folHlink"/>
   <p:sldLayoutIdLst>
-    <p:sldLayoutId id="2147483661" r:id="rId1"/>
-    <p:sldLayoutId id="2147483662" r:id="rId2"/>
-    <p:sldLayoutId id="2147483663" r:id="rId3"/>
-    <p:sldLayoutId id="2147483664" r:id="rId4"/>
-    <p:sldLayoutId id="2147483665" r:id="rId5"/>
-    <p:sldLayoutId id="2147483666" r:id="rId6"/>
-    <p:sldLayoutId id="2147483667" r:id="rId7"/>
-    <p:sldLayoutId id="2147483668" r:id="rId8"/>
-    <p:sldLayoutId id="2147483669" r:id="rId9"/>
-    <p:sldLayoutId id="2147483670" r:id="rId10"/>
-    <p:sldLayoutId id="2147483671" r:id="rId11"/>
+    <p:sldLayoutId id="2147483649" r:id="rId1"/>
+    <p:sldLayoutId id="2147483650" r:id="rId2"/>
+    <p:sldLayoutId id="2147483651" r:id="rId3"/>
+    <p:sldLayoutId id="2147483652" r:id="rId4"/>
+    <p:sldLayoutId id="2147483653" r:id="rId5"/>
+    <p:sldLayoutId id="2147483654" r:id="rId6"/>
+    <p:sldLayoutId id="2147483655" r:id="rId7"/>
+    <p:sldLayoutId id="2147483656" r:id="rId8"/>
+    <p:sldLayoutId id="2147483657" r:id="rId9"/>
+    <p:sldLayoutId id="2147483658" r:id="rId10"/>
+    <p:sldLayoutId id="2147483659" r:id="rId11"/>
   </p:sldLayoutIdLst>
-  <mc:AlternateContent xmlns:mc="http://schemas.openxmlformats.org/markup-compatibility/2006" xmlns:p14="http://schemas.microsoft.com/office/powerpoint/2010/main">
-    <mc:Choice Requires="p14">
+  <mc:AlternateContent xmlns:mc="http://schemas.openxmlformats.org/markup-compatibility/2006">
+    <mc:Choice xmlns:p14="http://schemas.microsoft.com/office/powerpoint/2010/main" Requires="p14">
       <p:transition spd="slow" p14:dur="2000">
         <p14:prism isContent="1"/>
       </p:transition>
     </mc:Choice>
-    <mc:Fallback xmlns="">
+    <mc:Fallback>
       <p:transition spd="slow">
         <p:fade/>
       </p:transition>
@@ -3952,7 +3854,7 @@
     <p:bg>
       <p:bgPr>
         <a:blipFill dpi="0" rotWithShape="1">
-          <a:blip r:embed="rId3">
+          <a:blip r:embed="rId1">
             <a:lum/>
           </a:blip>
           <a:srcRect/>
@@ -4019,9 +3921,7 @@
       <p:sp>
         <p:nvSpPr>
           <p:cNvPr id="6" name="Title 1"/>
-          <p:cNvSpPr txBox="1">
-            <a:spLocks/>
-          </p:cNvSpPr>
+          <p:cNvSpPr txBox="1"/>
           <p:nvPr/>
         </p:nvSpPr>
         <p:spPr>
@@ -4078,22 +3978,17 @@
         </p:txBody>
       </p:sp>
     </p:spTree>
-    <p:extLst>
-      <p:ext uri="{BB962C8B-B14F-4D97-AF65-F5344CB8AC3E}">
-        <p14:creationId xmlns:p14="http://schemas.microsoft.com/office/powerpoint/2010/main" val="3118236767"/>
-      </p:ext>
-    </p:extLst>
   </p:cSld>
   <p:clrMapOvr>
     <a:masterClrMapping/>
   </p:clrMapOvr>
-  <mc:AlternateContent xmlns:mc="http://schemas.openxmlformats.org/markup-compatibility/2006" xmlns:p14="http://schemas.microsoft.com/office/powerpoint/2010/main">
-    <mc:Choice Requires="p14">
+  <mc:AlternateContent xmlns:mc="http://schemas.openxmlformats.org/markup-compatibility/2006">
+    <mc:Choice xmlns:p14="http://schemas.microsoft.com/office/powerpoint/2010/main" Requires="p14">
       <p:transition spd="slow" p14:dur="2000">
         <p14:prism isContent="1"/>
       </p:transition>
     </mc:Choice>
-    <mc:Fallback xmlns="">
+    <mc:Fallback>
       <p:transition spd="slow">
         <p:fade/>
       </p:transition>
@@ -4115,7 +4010,7 @@
     <p:bg>
       <p:bgPr>
         <a:blipFill dpi="0" rotWithShape="1">
-          <a:blip r:embed="rId3">
+          <a:blip r:embed="rId1">
             <a:lum/>
           </a:blip>
           <a:srcRect/>
@@ -4157,7 +4052,6 @@
           <a:p>
             <a:fld id="{9A173270-0D9D-4CEB-B8EB-3520A381829E}" type="slidenum">
               <a:rPr lang="en-US" smtClean="0"/>
-              <a:t>10</a:t>
             </a:fld>
             <a:endParaRPr lang="en-US"/>
           </a:p>
@@ -4172,7 +4066,7 @@
           <p:nvPr/>
         </p:nvPicPr>
         <p:blipFill>
-          <a:blip r:embed="rId4">
+          <a:blip r:embed="rId2">
             <a:extLst>
               <a:ext uri="{28A0092B-C50C-407E-A947-70E740481C1C}">
                 <a14:useLocalDpi xmlns:a14="http://schemas.microsoft.com/office/drawing/2010/main" val="0"/>
@@ -4194,22 +4088,17 @@
         </p:spPr>
       </p:pic>
     </p:spTree>
-    <p:extLst>
-      <p:ext uri="{BB962C8B-B14F-4D97-AF65-F5344CB8AC3E}">
-        <p14:creationId xmlns:p14="http://schemas.microsoft.com/office/powerpoint/2010/main" val="1175756608"/>
-      </p:ext>
-    </p:extLst>
   </p:cSld>
   <p:clrMapOvr>
     <a:masterClrMapping/>
   </p:clrMapOvr>
-  <mc:AlternateContent xmlns:mc="http://schemas.openxmlformats.org/markup-compatibility/2006" xmlns:p14="http://schemas.microsoft.com/office/powerpoint/2010/main">
-    <mc:Choice Requires="p14">
+  <mc:AlternateContent xmlns:mc="http://schemas.openxmlformats.org/markup-compatibility/2006">
+    <mc:Choice xmlns:p14="http://schemas.microsoft.com/office/powerpoint/2010/main" Requires="p14">
       <p:transition spd="slow" p14:dur="2000">
         <p14:prism isContent="1"/>
       </p:transition>
     </mc:Choice>
-    <mc:Fallback xmlns="">
+    <mc:Fallback>
       <p:transition spd="slow">
         <p:fade/>
       </p:transition>
@@ -4244,13 +4133,7 @@
       </p:grpSpPr>
       <p:grpSp>
         <p:nvGrpSpPr>
-          <p:cNvPr id="50" name="Group 49">
-            <a:extLst>
-              <a:ext uri="{FF2B5EF4-FFF2-40B4-BE49-F238E27FC236}">
-                <a16:creationId xmlns:a16="http://schemas.microsoft.com/office/drawing/2014/main" id="{066ACF4C-6F8C-46FC-8362-2E05C90EEAFA}"/>
-              </a:ext>
-            </a:extLst>
-          </p:cNvPr>
+          <p:cNvPr id="50" name="Group 49"/>
           <p:cNvGrpSpPr/>
           <p:nvPr/>
         </p:nvGrpSpPr>
@@ -4264,13 +4147,7 @@
         </p:grpSpPr>
         <p:sp>
           <p:nvSpPr>
-            <p:cNvPr id="51" name="Rectangle 50">
-              <a:extLst>
-                <a:ext uri="{FF2B5EF4-FFF2-40B4-BE49-F238E27FC236}">
-                  <a16:creationId xmlns:a16="http://schemas.microsoft.com/office/drawing/2014/main" id="{4F373113-18F1-4443-9A8E-5EF06C1D2FEA}"/>
-                </a:ext>
-              </a:extLst>
-            </p:cNvPr>
+            <p:cNvPr id="51" name="Rectangle 50"/>
             <p:cNvSpPr/>
             <p:nvPr/>
           </p:nvSpPr>
@@ -4325,13 +4202,7 @@
         </p:sp>
         <p:sp>
           <p:nvSpPr>
-            <p:cNvPr id="52" name="Freeform: Shape 51">
-              <a:extLst>
-                <a:ext uri="{FF2B5EF4-FFF2-40B4-BE49-F238E27FC236}">
-                  <a16:creationId xmlns:a16="http://schemas.microsoft.com/office/drawing/2014/main" id="{8F99D053-FB83-41F1-B2CB-C10918BC99BC}"/>
-                </a:ext>
-              </a:extLst>
-            </p:cNvPr>
+            <p:cNvPr id="52" name="Freeform: Shape 51"/>
             <p:cNvSpPr/>
             <p:nvPr/>
           </p:nvSpPr>
@@ -4432,13 +4303,7 @@
         </p:sp>
         <p:sp>
           <p:nvSpPr>
-            <p:cNvPr id="53" name="TextBox 52">
-              <a:extLst>
-                <a:ext uri="{FF2B5EF4-FFF2-40B4-BE49-F238E27FC236}">
-                  <a16:creationId xmlns:a16="http://schemas.microsoft.com/office/drawing/2014/main" id="{7F4373C1-3934-47C3-8F36-E2FB2615CA87}"/>
-                </a:ext>
-              </a:extLst>
-            </p:cNvPr>
+            <p:cNvPr id="53" name="TextBox 52"/>
             <p:cNvSpPr txBox="1"/>
             <p:nvPr/>
           </p:nvSpPr>
@@ -4467,6 +4332,11 @@
                 </a:rPr>
                 <a:t>Training Out comes</a:t>
               </a:r>
+              <a:endParaRPr lang="en-GB" sz="2400" b="1" dirty="0">
+                <a:solidFill>
+                  <a:schemeClr val="bg1"/>
+                </a:solidFill>
+              </a:endParaRPr>
             </a:p>
             <a:p>
               <a:pPr algn="ctr"/>
@@ -4481,20 +4351,14 @@
         </p:sp>
         <p:pic>
           <p:nvPicPr>
-            <p:cNvPr id="54" name="Picture 53">
-              <a:extLst>
-                <a:ext uri="{FF2B5EF4-FFF2-40B4-BE49-F238E27FC236}">
-                  <a16:creationId xmlns:a16="http://schemas.microsoft.com/office/drawing/2014/main" id="{5A5E18E8-5A3E-4F1D-8254-6193AA55C07B}"/>
-                </a:ext>
-              </a:extLst>
-            </p:cNvPr>
+            <p:cNvPr id="54" name="Picture 53"/>
             <p:cNvPicPr>
               <a:picLocks noChangeAspect="1"/>
             </p:cNvPicPr>
             <p:nvPr/>
           </p:nvPicPr>
           <p:blipFill>
-            <a:blip r:embed="rId2" cstate="print">
+            <a:blip r:embed="rId1" cstate="print">
               <a:extLst>
                 <a:ext uri="{28A0092B-C50C-407E-A947-70E740481C1C}">
                   <a14:useLocalDpi xmlns:a14="http://schemas.microsoft.com/office/drawing/2010/main" val="0"/>
@@ -4518,13 +4382,7 @@
       </p:grpSp>
       <p:grpSp>
         <p:nvGrpSpPr>
-          <p:cNvPr id="55" name="Group 54">
-            <a:extLst>
-              <a:ext uri="{FF2B5EF4-FFF2-40B4-BE49-F238E27FC236}">
-                <a16:creationId xmlns:a16="http://schemas.microsoft.com/office/drawing/2014/main" id="{150C247F-7990-4945-869D-5E2A900F477F}"/>
-              </a:ext>
-            </a:extLst>
-          </p:cNvPr>
+          <p:cNvPr id="55" name="Group 54"/>
           <p:cNvGrpSpPr/>
           <p:nvPr/>
         </p:nvGrpSpPr>
@@ -4538,13 +4396,7 @@
         </p:grpSpPr>
         <p:sp>
           <p:nvSpPr>
-            <p:cNvPr id="56" name="Rectangle 55">
-              <a:extLst>
-                <a:ext uri="{FF2B5EF4-FFF2-40B4-BE49-F238E27FC236}">
-                  <a16:creationId xmlns:a16="http://schemas.microsoft.com/office/drawing/2014/main" id="{6D2C93AC-EBE3-4E67-A867-76D5D6BEDB10}"/>
-                </a:ext>
-              </a:extLst>
-            </p:cNvPr>
+            <p:cNvPr id="56" name="Rectangle 55"/>
             <p:cNvSpPr/>
             <p:nvPr/>
           </p:nvSpPr>
@@ -4599,13 +4451,7 @@
         </p:sp>
         <p:sp>
           <p:nvSpPr>
-            <p:cNvPr id="57" name="Freeform: Shape 56">
-              <a:extLst>
-                <a:ext uri="{FF2B5EF4-FFF2-40B4-BE49-F238E27FC236}">
-                  <a16:creationId xmlns:a16="http://schemas.microsoft.com/office/drawing/2014/main" id="{35DBD2B9-E73C-4AE9-91C9-698379867E98}"/>
-                </a:ext>
-              </a:extLst>
-            </p:cNvPr>
+            <p:cNvPr id="57" name="Freeform: Shape 56"/>
             <p:cNvSpPr/>
             <p:nvPr/>
           </p:nvSpPr>
@@ -4706,13 +4552,7 @@
         </p:sp>
         <p:sp>
           <p:nvSpPr>
-            <p:cNvPr id="58" name="TextBox 57">
-              <a:extLst>
-                <a:ext uri="{FF2B5EF4-FFF2-40B4-BE49-F238E27FC236}">
-                  <a16:creationId xmlns:a16="http://schemas.microsoft.com/office/drawing/2014/main" id="{CD6BDC4B-8313-4203-9F42-C28AC214EB64}"/>
-                </a:ext>
-              </a:extLst>
-            </p:cNvPr>
+            <p:cNvPr id="58" name="TextBox 57"/>
             <p:cNvSpPr txBox="1"/>
             <p:nvPr/>
           </p:nvSpPr>
@@ -4753,20 +4593,14 @@
         </p:sp>
         <p:pic>
           <p:nvPicPr>
-            <p:cNvPr id="59" name="Picture 58">
-              <a:extLst>
-                <a:ext uri="{FF2B5EF4-FFF2-40B4-BE49-F238E27FC236}">
-                  <a16:creationId xmlns:a16="http://schemas.microsoft.com/office/drawing/2014/main" id="{44037FC5-8E34-4772-9A87-813F2AD5E4D7}"/>
-                </a:ext>
-              </a:extLst>
-            </p:cNvPr>
+            <p:cNvPr id="59" name="Picture 58"/>
             <p:cNvPicPr>
               <a:picLocks noChangeAspect="1"/>
             </p:cNvPicPr>
             <p:nvPr/>
           </p:nvPicPr>
           <p:blipFill>
-            <a:blip r:embed="rId2" cstate="print">
+            <a:blip r:embed="rId1" cstate="print">
               <a:extLst>
                 <a:ext uri="{28A0092B-C50C-407E-A947-70E740481C1C}">
                   <a14:useLocalDpi xmlns:a14="http://schemas.microsoft.com/office/drawing/2010/main" val="0"/>
@@ -4790,13 +4624,7 @@
       </p:grpSp>
       <p:grpSp>
         <p:nvGrpSpPr>
-          <p:cNvPr id="60" name="Group 59">
-            <a:extLst>
-              <a:ext uri="{FF2B5EF4-FFF2-40B4-BE49-F238E27FC236}">
-                <a16:creationId xmlns:a16="http://schemas.microsoft.com/office/drawing/2014/main" id="{BC916508-F80D-434E-B066-812949E5DB94}"/>
-              </a:ext>
-            </a:extLst>
-          </p:cNvPr>
+          <p:cNvPr id="60" name="Group 59"/>
           <p:cNvGrpSpPr/>
           <p:nvPr/>
         </p:nvGrpSpPr>
@@ -4810,13 +4638,7 @@
         </p:grpSpPr>
         <p:sp>
           <p:nvSpPr>
-            <p:cNvPr id="61" name="Rectangle 60">
-              <a:extLst>
-                <a:ext uri="{FF2B5EF4-FFF2-40B4-BE49-F238E27FC236}">
-                  <a16:creationId xmlns:a16="http://schemas.microsoft.com/office/drawing/2014/main" id="{CE9E3B68-B936-49FB-94D8-7AC0076CF488}"/>
-                </a:ext>
-              </a:extLst>
-            </p:cNvPr>
+            <p:cNvPr id="61" name="Rectangle 60"/>
             <p:cNvSpPr/>
             <p:nvPr/>
           </p:nvSpPr>
@@ -4871,13 +4693,7 @@
         </p:sp>
         <p:sp>
           <p:nvSpPr>
-            <p:cNvPr id="62" name="Freeform: Shape 61">
-              <a:extLst>
-                <a:ext uri="{FF2B5EF4-FFF2-40B4-BE49-F238E27FC236}">
-                  <a16:creationId xmlns:a16="http://schemas.microsoft.com/office/drawing/2014/main" id="{0D3F9516-66C4-44E6-9877-6C0374B5112C}"/>
-                </a:ext>
-              </a:extLst>
-            </p:cNvPr>
+            <p:cNvPr id="62" name="Freeform: Shape 61"/>
             <p:cNvSpPr/>
             <p:nvPr/>
           </p:nvSpPr>
@@ -4978,13 +4794,7 @@
         </p:sp>
         <p:sp>
           <p:nvSpPr>
-            <p:cNvPr id="63" name="TextBox 62">
-              <a:extLst>
-                <a:ext uri="{FF2B5EF4-FFF2-40B4-BE49-F238E27FC236}">
-                  <a16:creationId xmlns:a16="http://schemas.microsoft.com/office/drawing/2014/main" id="{32DF4D80-460D-4455-B80A-3BC0C6A12DA2}"/>
-                </a:ext>
-              </a:extLst>
-            </p:cNvPr>
+            <p:cNvPr id="63" name="TextBox 62"/>
             <p:cNvSpPr txBox="1"/>
             <p:nvPr/>
           </p:nvSpPr>
@@ -5014,6 +4824,12 @@
                 </a:rPr>
                 <a:t>Data Quality Assurance</a:t>
               </a:r>
+              <a:endParaRPr lang="en-US" sz="2000" b="1" dirty="0">
+                <a:solidFill>
+                  <a:srgbClr val="F0EEF0"/>
+                </a:solidFill>
+                <a:latin typeface="Tw Cen MT" panose="020B0602020104020603" pitchFamily="34" charset="0"/>
+              </a:endParaRPr>
             </a:p>
             <a:p>
               <a:pPr algn="ctr"/>
@@ -5037,20 +4853,14 @@
         </p:sp>
         <p:pic>
           <p:nvPicPr>
-            <p:cNvPr id="64" name="Picture 63">
-              <a:extLst>
-                <a:ext uri="{FF2B5EF4-FFF2-40B4-BE49-F238E27FC236}">
-                  <a16:creationId xmlns:a16="http://schemas.microsoft.com/office/drawing/2014/main" id="{7AB39DAF-3109-4CEA-BD1D-C123179FF81F}"/>
-                </a:ext>
-              </a:extLst>
-            </p:cNvPr>
+            <p:cNvPr id="64" name="Picture 63"/>
             <p:cNvPicPr>
               <a:picLocks noChangeAspect="1"/>
             </p:cNvPicPr>
             <p:nvPr/>
           </p:nvPicPr>
           <p:blipFill>
-            <a:blip r:embed="rId2" cstate="print">
+            <a:blip r:embed="rId1" cstate="print">
               <a:extLst>
                 <a:ext uri="{28A0092B-C50C-407E-A947-70E740481C1C}">
                   <a14:useLocalDpi xmlns:a14="http://schemas.microsoft.com/office/drawing/2010/main" val="0"/>
@@ -5074,13 +4884,7 @@
       </p:grpSp>
       <p:grpSp>
         <p:nvGrpSpPr>
-          <p:cNvPr id="65" name="Group 64">
-            <a:extLst>
-              <a:ext uri="{FF2B5EF4-FFF2-40B4-BE49-F238E27FC236}">
-                <a16:creationId xmlns:a16="http://schemas.microsoft.com/office/drawing/2014/main" id="{92B7020D-701A-4EE7-BDA2-CD171993C203}"/>
-              </a:ext>
-            </a:extLst>
-          </p:cNvPr>
+          <p:cNvPr id="65" name="Group 64"/>
           <p:cNvGrpSpPr/>
           <p:nvPr/>
         </p:nvGrpSpPr>
@@ -5094,13 +4898,7 @@
         </p:grpSpPr>
         <p:sp>
           <p:nvSpPr>
-            <p:cNvPr id="66" name="Rectangle 65">
-              <a:extLst>
-                <a:ext uri="{FF2B5EF4-FFF2-40B4-BE49-F238E27FC236}">
-                  <a16:creationId xmlns:a16="http://schemas.microsoft.com/office/drawing/2014/main" id="{3B77930A-0489-40A5-B3D7-053D64BD29C4}"/>
-                </a:ext>
-              </a:extLst>
-            </p:cNvPr>
+            <p:cNvPr id="66" name="Rectangle 65"/>
             <p:cNvSpPr/>
             <p:nvPr/>
           </p:nvSpPr>
@@ -5155,13 +4953,7 @@
         </p:sp>
         <p:sp>
           <p:nvSpPr>
-            <p:cNvPr id="67" name="Freeform: Shape 66">
-              <a:extLst>
-                <a:ext uri="{FF2B5EF4-FFF2-40B4-BE49-F238E27FC236}">
-                  <a16:creationId xmlns:a16="http://schemas.microsoft.com/office/drawing/2014/main" id="{3ED749F6-F5EB-48BD-A697-16D473CCCFE8}"/>
-                </a:ext>
-              </a:extLst>
-            </p:cNvPr>
+            <p:cNvPr id="67" name="Freeform: Shape 66"/>
             <p:cNvSpPr/>
             <p:nvPr/>
           </p:nvSpPr>
@@ -5262,13 +5054,7 @@
         </p:sp>
         <p:sp>
           <p:nvSpPr>
-            <p:cNvPr id="68" name="TextBox 67">
-              <a:extLst>
-                <a:ext uri="{FF2B5EF4-FFF2-40B4-BE49-F238E27FC236}">
-                  <a16:creationId xmlns:a16="http://schemas.microsoft.com/office/drawing/2014/main" id="{8070AD46-78F1-4169-9AE3-EDECC43BD39B}"/>
-                </a:ext>
-              </a:extLst>
-            </p:cNvPr>
+            <p:cNvPr id="68" name="TextBox 67"/>
             <p:cNvSpPr txBox="1"/>
             <p:nvPr/>
           </p:nvSpPr>
@@ -5309,20 +5095,14 @@
         </p:sp>
         <p:pic>
           <p:nvPicPr>
-            <p:cNvPr id="69" name="Picture 68">
-              <a:extLst>
-                <a:ext uri="{FF2B5EF4-FFF2-40B4-BE49-F238E27FC236}">
-                  <a16:creationId xmlns:a16="http://schemas.microsoft.com/office/drawing/2014/main" id="{22B026A5-B1AC-46D4-AE84-DF77E5A294CF}"/>
-                </a:ext>
-              </a:extLst>
-            </p:cNvPr>
+            <p:cNvPr id="69" name="Picture 68"/>
             <p:cNvPicPr>
               <a:picLocks noChangeAspect="1"/>
             </p:cNvPicPr>
             <p:nvPr/>
           </p:nvPicPr>
           <p:blipFill>
-            <a:blip r:embed="rId2" cstate="print">
+            <a:blip r:embed="rId1" cstate="print">
               <a:extLst>
                 <a:ext uri="{28A0092B-C50C-407E-A947-70E740481C1C}">
                   <a14:useLocalDpi xmlns:a14="http://schemas.microsoft.com/office/drawing/2010/main" val="0"/>
@@ -5346,13 +5126,7 @@
       </p:grpSp>
       <p:sp>
         <p:nvSpPr>
-          <p:cNvPr id="70" name="Rectangle 69">
-            <a:extLst>
-              <a:ext uri="{FF2B5EF4-FFF2-40B4-BE49-F238E27FC236}">
-                <a16:creationId xmlns:a16="http://schemas.microsoft.com/office/drawing/2014/main" id="{371C6EE2-CCA6-4F94-870B-CB9D61CEBE17}"/>
-              </a:ext>
-            </a:extLst>
-          </p:cNvPr>
+          <p:cNvPr id="70" name="Rectangle 69"/>
           <p:cNvSpPr/>
           <p:nvPr/>
         </p:nvSpPr>
@@ -5407,13 +5181,7 @@
       </p:sp>
       <p:grpSp>
         <p:nvGrpSpPr>
-          <p:cNvPr id="71" name="Group 70">
-            <a:extLst>
-              <a:ext uri="{FF2B5EF4-FFF2-40B4-BE49-F238E27FC236}">
-                <a16:creationId xmlns:a16="http://schemas.microsoft.com/office/drawing/2014/main" id="{20422D8F-B19E-425C-93A8-F750F60A06A7}"/>
-              </a:ext>
-            </a:extLst>
-          </p:cNvPr>
+          <p:cNvPr id="71" name="Group 70"/>
           <p:cNvGrpSpPr/>
           <p:nvPr/>
         </p:nvGrpSpPr>
@@ -5427,13 +5195,7 @@
         </p:grpSpPr>
         <p:sp>
           <p:nvSpPr>
-            <p:cNvPr id="72" name="Rectangle 71">
-              <a:extLst>
-                <a:ext uri="{FF2B5EF4-FFF2-40B4-BE49-F238E27FC236}">
-                  <a16:creationId xmlns:a16="http://schemas.microsoft.com/office/drawing/2014/main" id="{3278AF09-2D0C-4E81-816C-BC1D04E40DC2}"/>
-                </a:ext>
-              </a:extLst>
-            </p:cNvPr>
+            <p:cNvPr id="72" name="Rectangle 71"/>
             <p:cNvSpPr/>
             <p:nvPr/>
           </p:nvSpPr>
@@ -5488,13 +5250,7 @@
         </p:sp>
         <p:sp>
           <p:nvSpPr>
-            <p:cNvPr id="73" name="Freeform: Shape 72">
-              <a:extLst>
-                <a:ext uri="{FF2B5EF4-FFF2-40B4-BE49-F238E27FC236}">
-                  <a16:creationId xmlns:a16="http://schemas.microsoft.com/office/drawing/2014/main" id="{AC2E1C67-7A8F-4EB5-AB00-3C754858084E}"/>
-                </a:ext>
-              </a:extLst>
-            </p:cNvPr>
+            <p:cNvPr id="73" name="Freeform: Shape 72"/>
             <p:cNvSpPr/>
             <p:nvPr/>
           </p:nvSpPr>
@@ -5595,13 +5351,7 @@
         </p:sp>
         <p:sp>
           <p:nvSpPr>
-            <p:cNvPr id="74" name="TextBox 73">
-              <a:extLst>
-                <a:ext uri="{FF2B5EF4-FFF2-40B4-BE49-F238E27FC236}">
-                  <a16:creationId xmlns:a16="http://schemas.microsoft.com/office/drawing/2014/main" id="{67795C74-0308-4781-BEE6-B62AE6D17152}"/>
-                </a:ext>
-              </a:extLst>
-            </p:cNvPr>
+            <p:cNvPr id="74" name="TextBox 73"/>
             <p:cNvSpPr txBox="1"/>
             <p:nvPr/>
           </p:nvSpPr>
@@ -5631,6 +5381,12 @@
                 </a:rPr>
                 <a:t>Extracting Error Log from NDR</a:t>
               </a:r>
+              <a:endParaRPr lang="en-GB" sz="1600" b="1" dirty="0">
+                <a:solidFill>
+                  <a:srgbClr val="F0EEF0"/>
+                </a:solidFill>
+                <a:latin typeface="Tw Cen MT" panose="020B0602020104020603" pitchFamily="34" charset="0"/>
+              </a:endParaRPr>
             </a:p>
             <a:p>
               <a:pPr algn="ctr"/>
@@ -5654,20 +5410,14 @@
         </p:sp>
         <p:pic>
           <p:nvPicPr>
-            <p:cNvPr id="75" name="Picture 74">
-              <a:extLst>
-                <a:ext uri="{FF2B5EF4-FFF2-40B4-BE49-F238E27FC236}">
-                  <a16:creationId xmlns:a16="http://schemas.microsoft.com/office/drawing/2014/main" id="{45C46027-B464-4ADA-A3B8-14FF4471BA1E}"/>
-                </a:ext>
-              </a:extLst>
-            </p:cNvPr>
+            <p:cNvPr id="75" name="Picture 74"/>
             <p:cNvPicPr>
               <a:picLocks noChangeAspect="1"/>
             </p:cNvPicPr>
             <p:nvPr/>
           </p:nvPicPr>
           <p:blipFill>
-            <a:blip r:embed="rId2" cstate="print">
+            <a:blip r:embed="rId1" cstate="print">
               <a:extLst>
                 <a:ext uri="{28A0092B-C50C-407E-A947-70E740481C1C}">
                   <a14:useLocalDpi xmlns:a14="http://schemas.microsoft.com/office/drawing/2010/main" val="0"/>
@@ -5691,13 +5441,7 @@
       </p:grpSp>
       <p:grpSp>
         <p:nvGrpSpPr>
-          <p:cNvPr id="76" name="Group 75">
-            <a:extLst>
-              <a:ext uri="{FF2B5EF4-FFF2-40B4-BE49-F238E27FC236}">
-                <a16:creationId xmlns:a16="http://schemas.microsoft.com/office/drawing/2014/main" id="{C1D48DDF-B760-4AB3-A520-29238CC2C408}"/>
-              </a:ext>
-            </a:extLst>
-          </p:cNvPr>
+          <p:cNvPr id="76" name="Group 75"/>
           <p:cNvGrpSpPr/>
           <p:nvPr/>
         </p:nvGrpSpPr>
@@ -5711,13 +5455,7 @@
         </p:grpSpPr>
         <p:sp>
           <p:nvSpPr>
-            <p:cNvPr id="77" name="Rectangle 76">
-              <a:extLst>
-                <a:ext uri="{FF2B5EF4-FFF2-40B4-BE49-F238E27FC236}">
-                  <a16:creationId xmlns:a16="http://schemas.microsoft.com/office/drawing/2014/main" id="{FA696B4D-5BCF-47C3-8B8C-BE87154A63B4}"/>
-                </a:ext>
-              </a:extLst>
-            </p:cNvPr>
+            <p:cNvPr id="77" name="Rectangle 76"/>
             <p:cNvSpPr/>
             <p:nvPr/>
           </p:nvSpPr>
@@ -5772,13 +5510,7 @@
         </p:sp>
         <p:sp>
           <p:nvSpPr>
-            <p:cNvPr id="78" name="Freeform: Shape 77">
-              <a:extLst>
-                <a:ext uri="{FF2B5EF4-FFF2-40B4-BE49-F238E27FC236}">
-                  <a16:creationId xmlns:a16="http://schemas.microsoft.com/office/drawing/2014/main" id="{BAAA7B45-7DAF-4C4D-A930-ABA45AC955DD}"/>
-                </a:ext>
-              </a:extLst>
-            </p:cNvPr>
+            <p:cNvPr id="78" name="Freeform: Shape 77"/>
             <p:cNvSpPr/>
             <p:nvPr/>
           </p:nvSpPr>
@@ -5879,13 +5611,7 @@
         </p:sp>
         <p:sp>
           <p:nvSpPr>
-            <p:cNvPr id="79" name="TextBox 78">
-              <a:extLst>
-                <a:ext uri="{FF2B5EF4-FFF2-40B4-BE49-F238E27FC236}">
-                  <a16:creationId xmlns:a16="http://schemas.microsoft.com/office/drawing/2014/main" id="{701F5CFD-7EE1-475C-A36F-330184D5C6EC}"/>
-                </a:ext>
-              </a:extLst>
-            </p:cNvPr>
+            <p:cNvPr id="79" name="TextBox 78"/>
             <p:cNvSpPr txBox="1"/>
             <p:nvPr/>
           </p:nvSpPr>
@@ -5926,20 +5652,14 @@
         </p:sp>
         <p:pic>
           <p:nvPicPr>
-            <p:cNvPr id="80" name="Picture 79">
-              <a:extLst>
-                <a:ext uri="{FF2B5EF4-FFF2-40B4-BE49-F238E27FC236}">
-                  <a16:creationId xmlns:a16="http://schemas.microsoft.com/office/drawing/2014/main" id="{B9F42291-FBD0-4239-8D69-22035DCB4AE6}"/>
-                </a:ext>
-              </a:extLst>
-            </p:cNvPr>
+            <p:cNvPr id="80" name="Picture 79"/>
             <p:cNvPicPr>
               <a:picLocks noChangeAspect="1"/>
             </p:cNvPicPr>
             <p:nvPr/>
           </p:nvPicPr>
           <p:blipFill>
-            <a:blip r:embed="rId2" cstate="print">
+            <a:blip r:embed="rId1" cstate="print">
               <a:extLst>
                 <a:ext uri="{28A0092B-C50C-407E-A947-70E740481C1C}">
                   <a14:useLocalDpi xmlns:a14="http://schemas.microsoft.com/office/drawing/2010/main" val="0"/>
@@ -5963,13 +5683,7 @@
       </p:grpSp>
       <p:grpSp>
         <p:nvGrpSpPr>
-          <p:cNvPr id="104" name="Group 103">
-            <a:extLst>
-              <a:ext uri="{FF2B5EF4-FFF2-40B4-BE49-F238E27FC236}">
-                <a16:creationId xmlns:a16="http://schemas.microsoft.com/office/drawing/2014/main" id="{11FBA8A3-D6EF-42EC-AEC1-86283EED452E}"/>
-              </a:ext>
-            </a:extLst>
-          </p:cNvPr>
+          <p:cNvPr id="104" name="Group 103"/>
           <p:cNvGrpSpPr/>
           <p:nvPr/>
         </p:nvGrpSpPr>
@@ -5983,13 +5697,7 @@
         </p:grpSpPr>
         <p:sp>
           <p:nvSpPr>
-            <p:cNvPr id="105" name="Oval 104">
-              <a:extLst>
-                <a:ext uri="{FF2B5EF4-FFF2-40B4-BE49-F238E27FC236}">
-                  <a16:creationId xmlns:a16="http://schemas.microsoft.com/office/drawing/2014/main" id="{40F3CBE7-0B7F-4BBC-932B-F8A1336F5066}"/>
-                </a:ext>
-              </a:extLst>
-            </p:cNvPr>
+            <p:cNvPr id="105" name="Oval 104"/>
             <p:cNvSpPr/>
             <p:nvPr/>
           </p:nvSpPr>
@@ -6035,20 +5743,14 @@
         </p:sp>
         <p:pic>
           <p:nvPicPr>
-            <p:cNvPr id="106" name="Picture 105">
-              <a:extLst>
-                <a:ext uri="{FF2B5EF4-FFF2-40B4-BE49-F238E27FC236}">
-                  <a16:creationId xmlns:a16="http://schemas.microsoft.com/office/drawing/2014/main" id="{1F468DAE-4AE6-45BB-86E9-605BB3D413B8}"/>
-                </a:ext>
-              </a:extLst>
-            </p:cNvPr>
+            <p:cNvPr id="106" name="Picture 105"/>
             <p:cNvPicPr>
               <a:picLocks noChangeAspect="1"/>
             </p:cNvPicPr>
             <p:nvPr/>
           </p:nvPicPr>
           <p:blipFill>
-            <a:blip r:embed="rId3" cstate="print">
+            <a:blip r:embed="rId2" cstate="print">
               <a:extLst>
                 <a:ext uri="{28A0092B-C50C-407E-A947-70E740481C1C}">
                   <a14:useLocalDpi xmlns:a14="http://schemas.microsoft.com/office/drawing/2010/main" val="0"/>
@@ -6071,13 +5773,7 @@
         </p:pic>
         <p:sp>
           <p:nvSpPr>
-            <p:cNvPr id="107" name="TextBox 106">
-              <a:extLst>
-                <a:ext uri="{FF2B5EF4-FFF2-40B4-BE49-F238E27FC236}">
-                  <a16:creationId xmlns:a16="http://schemas.microsoft.com/office/drawing/2014/main" id="{A5766AE2-8191-4DD7-9F8B-FB3901844BFC}"/>
-                </a:ext>
-              </a:extLst>
-            </p:cNvPr>
+            <p:cNvPr id="107" name="TextBox 106"/>
             <p:cNvSpPr txBox="1"/>
             <p:nvPr/>
           </p:nvSpPr>
@@ -6123,13 +5819,7 @@
         </p:sp>
         <p:sp>
           <p:nvSpPr>
-            <p:cNvPr id="108" name="TextBox 107">
-              <a:extLst>
-                <a:ext uri="{FF2B5EF4-FFF2-40B4-BE49-F238E27FC236}">
-                  <a16:creationId xmlns:a16="http://schemas.microsoft.com/office/drawing/2014/main" id="{ED76257E-DD5D-4C31-B2AC-F76DC9199544}"/>
-                </a:ext>
-              </a:extLst>
-            </p:cNvPr>
+            <p:cNvPr id="108" name="TextBox 107"/>
             <p:cNvSpPr txBox="1"/>
             <p:nvPr/>
           </p:nvSpPr>
@@ -6172,13 +5862,7 @@
       </p:grpSp>
       <p:grpSp>
         <p:nvGrpSpPr>
-          <p:cNvPr id="109" name="Group 108">
-            <a:extLst>
-              <a:ext uri="{FF2B5EF4-FFF2-40B4-BE49-F238E27FC236}">
-                <a16:creationId xmlns:a16="http://schemas.microsoft.com/office/drawing/2014/main" id="{9C5CB2E8-B3A7-4DE0-B2CC-736365263446}"/>
-              </a:ext>
-            </a:extLst>
-          </p:cNvPr>
+          <p:cNvPr id="109" name="Group 108"/>
           <p:cNvGrpSpPr/>
           <p:nvPr/>
         </p:nvGrpSpPr>
@@ -6192,13 +5876,7 @@
         </p:grpSpPr>
         <p:sp>
           <p:nvSpPr>
-            <p:cNvPr id="110" name="Oval 109">
-              <a:extLst>
-                <a:ext uri="{FF2B5EF4-FFF2-40B4-BE49-F238E27FC236}">
-                  <a16:creationId xmlns:a16="http://schemas.microsoft.com/office/drawing/2014/main" id="{4CD8841C-D453-44E7-9CE2-70317BC917D2}"/>
-                </a:ext>
-              </a:extLst>
-            </p:cNvPr>
+            <p:cNvPr id="110" name="Oval 109"/>
             <p:cNvSpPr/>
             <p:nvPr/>
           </p:nvSpPr>
@@ -6244,13 +5922,7 @@
         </p:sp>
         <p:sp>
           <p:nvSpPr>
-            <p:cNvPr id="111" name="TextBox 110">
-              <a:extLst>
-                <a:ext uri="{FF2B5EF4-FFF2-40B4-BE49-F238E27FC236}">
-                  <a16:creationId xmlns:a16="http://schemas.microsoft.com/office/drawing/2014/main" id="{FF4D948F-8670-4F67-B5BD-4AC06968C522}"/>
-                </a:ext>
-              </a:extLst>
-            </p:cNvPr>
+            <p:cNvPr id="111" name="TextBox 110"/>
             <p:cNvSpPr txBox="1"/>
             <p:nvPr/>
           </p:nvSpPr>
@@ -6296,13 +5968,7 @@
         </p:sp>
         <p:sp>
           <p:nvSpPr>
-            <p:cNvPr id="112" name="TextBox 111">
-              <a:extLst>
-                <a:ext uri="{FF2B5EF4-FFF2-40B4-BE49-F238E27FC236}">
-                  <a16:creationId xmlns:a16="http://schemas.microsoft.com/office/drawing/2014/main" id="{A120E0D6-EFA2-4A08-BFE2-DD70F47E6C48}"/>
-                </a:ext>
-              </a:extLst>
-            </p:cNvPr>
+            <p:cNvPr id="112" name="TextBox 111"/>
             <p:cNvSpPr txBox="1"/>
             <p:nvPr/>
           </p:nvSpPr>
@@ -6348,20 +6014,14 @@
         </p:sp>
         <p:pic>
           <p:nvPicPr>
-            <p:cNvPr id="113" name="Picture 112">
-              <a:extLst>
-                <a:ext uri="{FF2B5EF4-FFF2-40B4-BE49-F238E27FC236}">
-                  <a16:creationId xmlns:a16="http://schemas.microsoft.com/office/drawing/2014/main" id="{CC4EB96D-DFD9-40AE-890E-7DA16AF16701}"/>
-                </a:ext>
-              </a:extLst>
-            </p:cNvPr>
+            <p:cNvPr id="113" name="Picture 112"/>
             <p:cNvPicPr>
               <a:picLocks noChangeAspect="1"/>
             </p:cNvPicPr>
             <p:nvPr/>
           </p:nvPicPr>
           <p:blipFill>
-            <a:blip r:embed="rId4" cstate="print">
+            <a:blip r:embed="rId3" cstate="print">
               <a:extLst>
                 <a:ext uri="{28A0092B-C50C-407E-A947-70E740481C1C}">
                   <a14:useLocalDpi xmlns:a14="http://schemas.microsoft.com/office/drawing/2010/main" val="0"/>
@@ -6385,13 +6045,7 @@
       </p:grpSp>
       <p:grpSp>
         <p:nvGrpSpPr>
-          <p:cNvPr id="114" name="Group 113">
-            <a:extLst>
-              <a:ext uri="{FF2B5EF4-FFF2-40B4-BE49-F238E27FC236}">
-                <a16:creationId xmlns:a16="http://schemas.microsoft.com/office/drawing/2014/main" id="{FAF9A856-B862-439D-AB2D-28527B3BC76B}"/>
-              </a:ext>
-            </a:extLst>
-          </p:cNvPr>
+          <p:cNvPr id="114" name="Group 113"/>
           <p:cNvGrpSpPr/>
           <p:nvPr/>
         </p:nvGrpSpPr>
@@ -6405,13 +6059,7 @@
         </p:grpSpPr>
         <p:sp>
           <p:nvSpPr>
-            <p:cNvPr id="115" name="Oval 114">
-              <a:extLst>
-                <a:ext uri="{FF2B5EF4-FFF2-40B4-BE49-F238E27FC236}">
-                  <a16:creationId xmlns:a16="http://schemas.microsoft.com/office/drawing/2014/main" id="{6B8AFB94-C2E3-487E-AE72-2D519C605F72}"/>
-                </a:ext>
-              </a:extLst>
-            </p:cNvPr>
+            <p:cNvPr id="115" name="Oval 114"/>
             <p:cNvSpPr/>
             <p:nvPr/>
           </p:nvSpPr>
@@ -6457,13 +6105,7 @@
         </p:sp>
         <p:sp>
           <p:nvSpPr>
-            <p:cNvPr id="116" name="TextBox 115">
-              <a:extLst>
-                <a:ext uri="{FF2B5EF4-FFF2-40B4-BE49-F238E27FC236}">
-                  <a16:creationId xmlns:a16="http://schemas.microsoft.com/office/drawing/2014/main" id="{04E1E449-1505-4788-9575-E71478300712}"/>
-                </a:ext>
-              </a:extLst>
-            </p:cNvPr>
+            <p:cNvPr id="116" name="TextBox 115"/>
             <p:cNvSpPr txBox="1"/>
             <p:nvPr/>
           </p:nvSpPr>
@@ -6509,13 +6151,7 @@
         </p:sp>
         <p:sp>
           <p:nvSpPr>
-            <p:cNvPr id="117" name="TextBox 116">
-              <a:extLst>
-                <a:ext uri="{FF2B5EF4-FFF2-40B4-BE49-F238E27FC236}">
-                  <a16:creationId xmlns:a16="http://schemas.microsoft.com/office/drawing/2014/main" id="{7EAC8E37-8B3C-4F8F-AC92-FAC65925ACC6}"/>
-                </a:ext>
-              </a:extLst>
-            </p:cNvPr>
+            <p:cNvPr id="117" name="TextBox 116"/>
             <p:cNvSpPr txBox="1"/>
             <p:nvPr/>
           </p:nvSpPr>
@@ -6561,20 +6197,14 @@
         </p:sp>
         <p:pic>
           <p:nvPicPr>
-            <p:cNvPr id="118" name="Picture 117">
-              <a:extLst>
-                <a:ext uri="{FF2B5EF4-FFF2-40B4-BE49-F238E27FC236}">
-                  <a16:creationId xmlns:a16="http://schemas.microsoft.com/office/drawing/2014/main" id="{8A5A61FB-CA64-4580-801C-AD3884078BF0}"/>
-                </a:ext>
-              </a:extLst>
-            </p:cNvPr>
+            <p:cNvPr id="118" name="Picture 117"/>
             <p:cNvPicPr>
               <a:picLocks noChangeAspect="1"/>
             </p:cNvPicPr>
             <p:nvPr/>
           </p:nvPicPr>
           <p:blipFill>
-            <a:blip r:embed="rId5" cstate="print">
+            <a:blip r:embed="rId4" cstate="print">
               <a:extLst>
                 <a:ext uri="{28A0092B-C50C-407E-A947-70E740481C1C}">
                   <a14:useLocalDpi xmlns:a14="http://schemas.microsoft.com/office/drawing/2010/main" val="0"/>
@@ -6598,13 +6228,7 @@
       </p:grpSp>
       <p:grpSp>
         <p:nvGrpSpPr>
-          <p:cNvPr id="119" name="Group 118">
-            <a:extLst>
-              <a:ext uri="{FF2B5EF4-FFF2-40B4-BE49-F238E27FC236}">
-                <a16:creationId xmlns:a16="http://schemas.microsoft.com/office/drawing/2014/main" id="{743BC266-D040-419D-B713-FBC99952FADF}"/>
-              </a:ext>
-            </a:extLst>
-          </p:cNvPr>
+          <p:cNvPr id="119" name="Group 118"/>
           <p:cNvGrpSpPr/>
           <p:nvPr/>
         </p:nvGrpSpPr>
@@ -6618,13 +6242,7 @@
         </p:grpSpPr>
         <p:sp>
           <p:nvSpPr>
-            <p:cNvPr id="120" name="Oval 119">
-              <a:extLst>
-                <a:ext uri="{FF2B5EF4-FFF2-40B4-BE49-F238E27FC236}">
-                  <a16:creationId xmlns:a16="http://schemas.microsoft.com/office/drawing/2014/main" id="{1F70E9A6-B0EA-49B3-9490-7C7B09ACEE67}"/>
-                </a:ext>
-              </a:extLst>
-            </p:cNvPr>
+            <p:cNvPr id="120" name="Oval 119"/>
             <p:cNvSpPr/>
             <p:nvPr/>
           </p:nvSpPr>
@@ -6670,13 +6288,7 @@
         </p:sp>
         <p:sp>
           <p:nvSpPr>
-            <p:cNvPr id="121" name="TextBox 120">
-              <a:extLst>
-                <a:ext uri="{FF2B5EF4-FFF2-40B4-BE49-F238E27FC236}">
-                  <a16:creationId xmlns:a16="http://schemas.microsoft.com/office/drawing/2014/main" id="{C1C9AE74-6ECE-4642-85A1-879B902A0C00}"/>
-                </a:ext>
-              </a:extLst>
-            </p:cNvPr>
+            <p:cNvPr id="121" name="TextBox 120"/>
             <p:cNvSpPr txBox="1"/>
             <p:nvPr/>
           </p:nvSpPr>
@@ -6722,13 +6334,7 @@
         </p:sp>
         <p:sp>
           <p:nvSpPr>
-            <p:cNvPr id="122" name="TextBox 121">
-              <a:extLst>
-                <a:ext uri="{FF2B5EF4-FFF2-40B4-BE49-F238E27FC236}">
-                  <a16:creationId xmlns:a16="http://schemas.microsoft.com/office/drawing/2014/main" id="{F00EE840-57C5-45A8-AB89-BA57CE453AA8}"/>
-                </a:ext>
-              </a:extLst>
-            </p:cNvPr>
+            <p:cNvPr id="122" name="TextBox 121"/>
             <p:cNvSpPr txBox="1"/>
             <p:nvPr/>
           </p:nvSpPr>
@@ -6774,20 +6380,14 @@
         </p:sp>
         <p:pic>
           <p:nvPicPr>
-            <p:cNvPr id="123" name="Picture 122">
-              <a:extLst>
-                <a:ext uri="{FF2B5EF4-FFF2-40B4-BE49-F238E27FC236}">
-                  <a16:creationId xmlns:a16="http://schemas.microsoft.com/office/drawing/2014/main" id="{28C55931-7730-4132-AB43-DEC401084661}"/>
-                </a:ext>
-              </a:extLst>
-            </p:cNvPr>
+            <p:cNvPr id="123" name="Picture 122"/>
             <p:cNvPicPr>
               <a:picLocks noChangeAspect="1"/>
             </p:cNvPicPr>
             <p:nvPr/>
           </p:nvPicPr>
           <p:blipFill>
-            <a:blip r:embed="rId6" cstate="print">
+            <a:blip r:embed="rId5" cstate="print">
               <a:extLst>
                 <a:ext uri="{28A0092B-C50C-407E-A947-70E740481C1C}">
                   <a14:useLocalDpi xmlns:a14="http://schemas.microsoft.com/office/drawing/2010/main" val="0"/>
@@ -6811,13 +6411,7 @@
       </p:grpSp>
       <p:grpSp>
         <p:nvGrpSpPr>
-          <p:cNvPr id="124" name="Group 123">
-            <a:extLst>
-              <a:ext uri="{FF2B5EF4-FFF2-40B4-BE49-F238E27FC236}">
-                <a16:creationId xmlns:a16="http://schemas.microsoft.com/office/drawing/2014/main" id="{F0E3BF0A-B04D-4316-B447-549B31994A65}"/>
-              </a:ext>
-            </a:extLst>
-          </p:cNvPr>
+          <p:cNvPr id="124" name="Group 123"/>
           <p:cNvGrpSpPr/>
           <p:nvPr/>
         </p:nvGrpSpPr>
@@ -6831,13 +6425,7 @@
         </p:grpSpPr>
         <p:sp>
           <p:nvSpPr>
-            <p:cNvPr id="125" name="Oval 124">
-              <a:extLst>
-                <a:ext uri="{FF2B5EF4-FFF2-40B4-BE49-F238E27FC236}">
-                  <a16:creationId xmlns:a16="http://schemas.microsoft.com/office/drawing/2014/main" id="{21B892CB-2087-4B4E-9D9A-135A090D8BBA}"/>
-                </a:ext>
-              </a:extLst>
-            </p:cNvPr>
+            <p:cNvPr id="125" name="Oval 124"/>
             <p:cNvSpPr/>
             <p:nvPr/>
           </p:nvSpPr>
@@ -6883,13 +6471,7 @@
         </p:sp>
         <p:sp>
           <p:nvSpPr>
-            <p:cNvPr id="126" name="TextBox 125">
-              <a:extLst>
-                <a:ext uri="{FF2B5EF4-FFF2-40B4-BE49-F238E27FC236}">
-                  <a16:creationId xmlns:a16="http://schemas.microsoft.com/office/drawing/2014/main" id="{2F1E812C-21E1-4AE8-8492-7C26987E24F5}"/>
-                </a:ext>
-              </a:extLst>
-            </p:cNvPr>
+            <p:cNvPr id="126" name="TextBox 125"/>
             <p:cNvSpPr txBox="1"/>
             <p:nvPr/>
           </p:nvSpPr>
@@ -6935,13 +6517,7 @@
         </p:sp>
         <p:sp>
           <p:nvSpPr>
-            <p:cNvPr id="127" name="TextBox 126">
-              <a:extLst>
-                <a:ext uri="{FF2B5EF4-FFF2-40B4-BE49-F238E27FC236}">
-                  <a16:creationId xmlns:a16="http://schemas.microsoft.com/office/drawing/2014/main" id="{39E48791-F83A-43C2-91A4-5459684E27A3}"/>
-                </a:ext>
-              </a:extLst>
-            </p:cNvPr>
+            <p:cNvPr id="127" name="TextBox 126"/>
             <p:cNvSpPr txBox="1"/>
             <p:nvPr/>
           </p:nvSpPr>
@@ -6987,20 +6563,14 @@
         </p:sp>
         <p:pic>
           <p:nvPicPr>
-            <p:cNvPr id="128" name="Picture 127">
-              <a:extLst>
-                <a:ext uri="{FF2B5EF4-FFF2-40B4-BE49-F238E27FC236}">
-                  <a16:creationId xmlns:a16="http://schemas.microsoft.com/office/drawing/2014/main" id="{3998D37B-EE23-4400-B3FB-AE622C2B469D}"/>
-                </a:ext>
-              </a:extLst>
-            </p:cNvPr>
+            <p:cNvPr id="128" name="Picture 127"/>
             <p:cNvPicPr>
               <a:picLocks noChangeAspect="1"/>
             </p:cNvPicPr>
             <p:nvPr/>
           </p:nvPicPr>
           <p:blipFill>
-            <a:blip r:embed="rId7" cstate="print">
+            <a:blip r:embed="rId6" cstate="print">
               <a:extLst>
                 <a:ext uri="{28A0092B-C50C-407E-A947-70E740481C1C}">
                   <a14:useLocalDpi xmlns:a14="http://schemas.microsoft.com/office/drawing/2010/main" val="0"/>
@@ -7024,13 +6594,7 @@
       </p:grpSp>
       <p:sp>
         <p:nvSpPr>
-          <p:cNvPr id="130" name="Oval 129">
-            <a:extLst>
-              <a:ext uri="{FF2B5EF4-FFF2-40B4-BE49-F238E27FC236}">
-                <a16:creationId xmlns:a16="http://schemas.microsoft.com/office/drawing/2014/main" id="{4B44027A-8946-45E7-8F11-28B2EA7E8E3E}"/>
-              </a:ext>
-            </a:extLst>
-          </p:cNvPr>
+          <p:cNvPr id="130" name="Oval 129"/>
           <p:cNvSpPr/>
           <p:nvPr/>
         </p:nvSpPr>
@@ -7076,13 +6640,7 @@
       </p:sp>
       <p:sp>
         <p:nvSpPr>
-          <p:cNvPr id="131" name="TextBox 130">
-            <a:extLst>
-              <a:ext uri="{FF2B5EF4-FFF2-40B4-BE49-F238E27FC236}">
-                <a16:creationId xmlns:a16="http://schemas.microsoft.com/office/drawing/2014/main" id="{64EED872-529B-476D-A042-AF8799EED2BA}"/>
-              </a:ext>
-            </a:extLst>
-          </p:cNvPr>
+          <p:cNvPr id="131" name="TextBox 130"/>
           <p:cNvSpPr txBox="1"/>
           <p:nvPr/>
         </p:nvSpPr>
@@ -7128,13 +6686,7 @@
       </p:sp>
       <p:sp>
         <p:nvSpPr>
-          <p:cNvPr id="132" name="TextBox 131">
-            <a:extLst>
-              <a:ext uri="{FF2B5EF4-FFF2-40B4-BE49-F238E27FC236}">
-                <a16:creationId xmlns:a16="http://schemas.microsoft.com/office/drawing/2014/main" id="{46E35B1E-3A73-441C-8AB0-F2D52796F64F}"/>
-              </a:ext>
-            </a:extLst>
-          </p:cNvPr>
+          <p:cNvPr id="132" name="TextBox 131"/>
           <p:cNvSpPr txBox="1"/>
           <p:nvPr/>
         </p:nvSpPr>
@@ -7166,6 +6718,15 @@
               </a:rPr>
               <a:t>We will see how to generate error</a:t>
             </a:r>
+            <a:endParaRPr lang="en-US" sz="1200" dirty="0" smtClean="0">
+              <a:solidFill>
+                <a:schemeClr val="tx1">
+                  <a:lumMod val="75000"/>
+                  <a:lumOff val="25000"/>
+                </a:schemeClr>
+              </a:solidFill>
+              <a:latin typeface="Tw Cen MT" panose="020B0602020104020603" pitchFamily="34" charset="0"/>
+            </a:endParaRPr>
           </a:p>
           <a:p>
             <a:r>
@@ -7194,20 +6755,14 @@
       </p:sp>
       <p:pic>
         <p:nvPicPr>
-          <p:cNvPr id="134" name="Picture 133">
-            <a:extLst>
-              <a:ext uri="{FF2B5EF4-FFF2-40B4-BE49-F238E27FC236}">
-                <a16:creationId xmlns:a16="http://schemas.microsoft.com/office/drawing/2014/main" id="{CC4EB96D-DFD9-40AE-890E-7DA16AF16701}"/>
-              </a:ext>
-            </a:extLst>
-          </p:cNvPr>
+          <p:cNvPr id="134" name="Picture 133"/>
           <p:cNvPicPr>
             <a:picLocks noChangeAspect="1"/>
           </p:cNvPicPr>
           <p:nvPr/>
         </p:nvPicPr>
         <p:blipFill>
-          <a:blip r:embed="rId4" cstate="print">
+          <a:blip r:embed="rId3" cstate="print">
             <a:extLst>
               <a:ext uri="{28A0092B-C50C-407E-A947-70E740481C1C}">
                 <a14:useLocalDpi xmlns:a14="http://schemas.microsoft.com/office/drawing/2010/main" val="0"/>
@@ -7229,22 +6784,17 @@
         </p:spPr>
       </p:pic>
     </p:spTree>
-    <p:extLst>
-      <p:ext uri="{BB962C8B-B14F-4D97-AF65-F5344CB8AC3E}">
-        <p14:creationId xmlns:p14="http://schemas.microsoft.com/office/powerpoint/2010/main" val="1962599267"/>
-      </p:ext>
-    </p:extLst>
   </p:cSld>
   <p:clrMapOvr>
     <a:masterClrMapping/>
   </p:clrMapOvr>
   <mc:AlternateContent xmlns:mc="http://schemas.openxmlformats.org/markup-compatibility/2006" xmlns:p159="http://schemas.microsoft.com/office/powerpoint/2015/09/main">
     <mc:Choice Requires="p159">
-      <p:transition spd="med">
+      <p:transition xmlns:p14="http://schemas.microsoft.com/office/powerpoint/2010/main" spd="med">
         <p159:morph option="byObject"/>
       </p:transition>
     </mc:Choice>
-    <mc:Fallback xmlns="">
+    <mc:Fallback>
       <p:transition spd="med">
         <p:fade/>
       </p:transition>
@@ -7279,13 +6829,7 @@
       </p:grpSpPr>
       <p:grpSp>
         <p:nvGrpSpPr>
-          <p:cNvPr id="33" name="Group 32">
-            <a:extLst>
-              <a:ext uri="{FF2B5EF4-FFF2-40B4-BE49-F238E27FC236}">
-                <a16:creationId xmlns:a16="http://schemas.microsoft.com/office/drawing/2014/main" id="{BC3001EC-9F33-4C39-B780-199714C83EA2}"/>
-              </a:ext>
-            </a:extLst>
-          </p:cNvPr>
+          <p:cNvPr id="33" name="Group 32"/>
           <p:cNvGrpSpPr/>
           <p:nvPr/>
         </p:nvGrpSpPr>
@@ -7299,13 +6843,7 @@
         </p:grpSpPr>
         <p:sp>
           <p:nvSpPr>
-            <p:cNvPr id="34" name="Rectangle 33">
-              <a:extLst>
-                <a:ext uri="{FF2B5EF4-FFF2-40B4-BE49-F238E27FC236}">
-                  <a16:creationId xmlns:a16="http://schemas.microsoft.com/office/drawing/2014/main" id="{129B5C97-F627-4A85-B003-5396A9D964D5}"/>
-                </a:ext>
-              </a:extLst>
-            </p:cNvPr>
+            <p:cNvPr id="34" name="Rectangle 33"/>
             <p:cNvSpPr/>
             <p:nvPr/>
           </p:nvSpPr>
@@ -7360,13 +6898,7 @@
         </p:sp>
         <p:sp>
           <p:nvSpPr>
-            <p:cNvPr id="35" name="Freeform: Shape 34">
-              <a:extLst>
-                <a:ext uri="{FF2B5EF4-FFF2-40B4-BE49-F238E27FC236}">
-                  <a16:creationId xmlns:a16="http://schemas.microsoft.com/office/drawing/2014/main" id="{A97C14D5-0388-44F5-AD76-F8BBAF179CD6}"/>
-                </a:ext>
-              </a:extLst>
-            </p:cNvPr>
+            <p:cNvPr id="35" name="Freeform: Shape 34"/>
             <p:cNvSpPr/>
             <p:nvPr/>
           </p:nvSpPr>
@@ -7467,13 +6999,7 @@
         </p:sp>
         <p:sp>
           <p:nvSpPr>
-            <p:cNvPr id="36" name="TextBox 35">
-              <a:extLst>
-                <a:ext uri="{FF2B5EF4-FFF2-40B4-BE49-F238E27FC236}">
-                  <a16:creationId xmlns:a16="http://schemas.microsoft.com/office/drawing/2014/main" id="{2151F346-69C6-4F86-BC1F-C57BA2384CC6}"/>
-                </a:ext>
-              </a:extLst>
-            </p:cNvPr>
+            <p:cNvPr id="36" name="TextBox 35"/>
             <p:cNvSpPr txBox="1"/>
             <p:nvPr/>
           </p:nvSpPr>
@@ -7502,6 +7028,11 @@
                 </a:rPr>
                 <a:t>Training Out comes</a:t>
               </a:r>
+              <a:endParaRPr lang="en-GB" sz="2400" b="1" dirty="0">
+                <a:solidFill>
+                  <a:schemeClr val="bg1"/>
+                </a:solidFill>
+              </a:endParaRPr>
             </a:p>
             <a:p>
               <a:pPr algn="ctr"/>
@@ -7525,20 +7056,14 @@
         </p:sp>
         <p:pic>
           <p:nvPicPr>
-            <p:cNvPr id="37" name="Picture 36">
-              <a:extLst>
-                <a:ext uri="{FF2B5EF4-FFF2-40B4-BE49-F238E27FC236}">
-                  <a16:creationId xmlns:a16="http://schemas.microsoft.com/office/drawing/2014/main" id="{52B367FE-8530-4052-AD96-2D6FBE490F66}"/>
-                </a:ext>
-              </a:extLst>
-            </p:cNvPr>
+            <p:cNvPr id="37" name="Picture 36"/>
             <p:cNvPicPr>
               <a:picLocks noChangeAspect="1"/>
             </p:cNvPicPr>
             <p:nvPr/>
           </p:nvPicPr>
           <p:blipFill>
-            <a:blip r:embed="rId2" cstate="print">
+            <a:blip r:embed="rId1" cstate="print">
               <a:extLst>
                 <a:ext uri="{28A0092B-C50C-407E-A947-70E740481C1C}">
                   <a14:useLocalDpi xmlns:a14="http://schemas.microsoft.com/office/drawing/2010/main" val="0"/>
@@ -7562,13 +7087,7 @@
       </p:grpSp>
       <p:grpSp>
         <p:nvGrpSpPr>
-          <p:cNvPr id="38" name="Group 37">
-            <a:extLst>
-              <a:ext uri="{FF2B5EF4-FFF2-40B4-BE49-F238E27FC236}">
-                <a16:creationId xmlns:a16="http://schemas.microsoft.com/office/drawing/2014/main" id="{63E93C38-ECA5-4094-81E9-196A3BD19EBD}"/>
-              </a:ext>
-            </a:extLst>
-          </p:cNvPr>
+          <p:cNvPr id="38" name="Group 37"/>
           <p:cNvGrpSpPr/>
           <p:nvPr/>
         </p:nvGrpSpPr>
@@ -7582,13 +7101,7 @@
         </p:grpSpPr>
         <p:sp>
           <p:nvSpPr>
-            <p:cNvPr id="39" name="Rectangle 38">
-              <a:extLst>
-                <a:ext uri="{FF2B5EF4-FFF2-40B4-BE49-F238E27FC236}">
-                  <a16:creationId xmlns:a16="http://schemas.microsoft.com/office/drawing/2014/main" id="{5C85080E-7B66-43F0-AB4D-3A69B13C005A}"/>
-                </a:ext>
-              </a:extLst>
-            </p:cNvPr>
+            <p:cNvPr id="39" name="Rectangle 38"/>
             <p:cNvSpPr/>
             <p:nvPr/>
           </p:nvSpPr>
@@ -7643,13 +7156,7 @@
         </p:sp>
         <p:sp>
           <p:nvSpPr>
-            <p:cNvPr id="40" name="Freeform: Shape 39">
-              <a:extLst>
-                <a:ext uri="{FF2B5EF4-FFF2-40B4-BE49-F238E27FC236}">
-                  <a16:creationId xmlns:a16="http://schemas.microsoft.com/office/drawing/2014/main" id="{405DAC1A-9BF8-460E-8D8B-77BFB6B27FF9}"/>
-                </a:ext>
-              </a:extLst>
-            </p:cNvPr>
+            <p:cNvPr id="40" name="Freeform: Shape 39"/>
             <p:cNvSpPr/>
             <p:nvPr/>
           </p:nvSpPr>
@@ -7750,13 +7257,7 @@
         </p:sp>
         <p:sp>
           <p:nvSpPr>
-            <p:cNvPr id="41" name="TextBox 40">
-              <a:extLst>
-                <a:ext uri="{FF2B5EF4-FFF2-40B4-BE49-F238E27FC236}">
-                  <a16:creationId xmlns:a16="http://schemas.microsoft.com/office/drawing/2014/main" id="{90DCA374-CD21-448B-8791-8A04A9A9A552}"/>
-                </a:ext>
-              </a:extLst>
-            </p:cNvPr>
+            <p:cNvPr id="41" name="TextBox 40"/>
             <p:cNvSpPr txBox="1"/>
             <p:nvPr/>
           </p:nvSpPr>
@@ -7797,20 +7298,14 @@
         </p:sp>
         <p:pic>
           <p:nvPicPr>
-            <p:cNvPr id="42" name="Picture 41">
-              <a:extLst>
-                <a:ext uri="{FF2B5EF4-FFF2-40B4-BE49-F238E27FC236}">
-                  <a16:creationId xmlns:a16="http://schemas.microsoft.com/office/drawing/2014/main" id="{83A620A7-5483-4447-9670-0F8D67F3627A}"/>
-                </a:ext>
-              </a:extLst>
-            </p:cNvPr>
+            <p:cNvPr id="42" name="Picture 41"/>
             <p:cNvPicPr>
               <a:picLocks noChangeAspect="1"/>
             </p:cNvPicPr>
             <p:nvPr/>
           </p:nvPicPr>
           <p:blipFill>
-            <a:blip r:embed="rId2" cstate="print">
+            <a:blip r:embed="rId1" cstate="print">
               <a:extLst>
                 <a:ext uri="{28A0092B-C50C-407E-A947-70E740481C1C}">
                   <a14:useLocalDpi xmlns:a14="http://schemas.microsoft.com/office/drawing/2010/main" val="0"/>
@@ -7834,13 +7329,7 @@
       </p:grpSp>
       <p:grpSp>
         <p:nvGrpSpPr>
-          <p:cNvPr id="43" name="Group 42">
-            <a:extLst>
-              <a:ext uri="{FF2B5EF4-FFF2-40B4-BE49-F238E27FC236}">
-                <a16:creationId xmlns:a16="http://schemas.microsoft.com/office/drawing/2014/main" id="{B02914A7-C65F-4EFB-8FF4-9BB283DC3935}"/>
-              </a:ext>
-            </a:extLst>
-          </p:cNvPr>
+          <p:cNvPr id="43" name="Group 42"/>
           <p:cNvGrpSpPr/>
           <p:nvPr/>
         </p:nvGrpSpPr>
@@ -7854,13 +7343,7 @@
         </p:grpSpPr>
         <p:sp>
           <p:nvSpPr>
-            <p:cNvPr id="44" name="Rectangle 43">
-              <a:extLst>
-                <a:ext uri="{FF2B5EF4-FFF2-40B4-BE49-F238E27FC236}">
-                  <a16:creationId xmlns:a16="http://schemas.microsoft.com/office/drawing/2014/main" id="{99DA66B2-8A11-4397-B997-59A37787FEF8}"/>
-                </a:ext>
-              </a:extLst>
-            </p:cNvPr>
+            <p:cNvPr id="44" name="Rectangle 43"/>
             <p:cNvSpPr/>
             <p:nvPr/>
           </p:nvSpPr>
@@ -7915,13 +7398,7 @@
         </p:sp>
         <p:sp>
           <p:nvSpPr>
-            <p:cNvPr id="45" name="Freeform: Shape 44">
-              <a:extLst>
-                <a:ext uri="{FF2B5EF4-FFF2-40B4-BE49-F238E27FC236}">
-                  <a16:creationId xmlns:a16="http://schemas.microsoft.com/office/drawing/2014/main" id="{71A8923D-952E-459F-92C0-CCE4C5E45F88}"/>
-                </a:ext>
-              </a:extLst>
-            </p:cNvPr>
+            <p:cNvPr id="45" name="Freeform: Shape 44"/>
             <p:cNvSpPr/>
             <p:nvPr/>
           </p:nvSpPr>
@@ -8022,13 +7499,7 @@
         </p:sp>
         <p:sp>
           <p:nvSpPr>
-            <p:cNvPr id="46" name="TextBox 45">
-              <a:extLst>
-                <a:ext uri="{FF2B5EF4-FFF2-40B4-BE49-F238E27FC236}">
-                  <a16:creationId xmlns:a16="http://schemas.microsoft.com/office/drawing/2014/main" id="{DD73F442-B2F9-477E-B4DE-956CBA09D9C3}"/>
-                </a:ext>
-              </a:extLst>
-            </p:cNvPr>
+            <p:cNvPr id="46" name="TextBox 45"/>
             <p:cNvSpPr txBox="1"/>
             <p:nvPr/>
           </p:nvSpPr>
@@ -8058,6 +7529,12 @@
                 </a:rPr>
                 <a:t>Data Quality Assurance</a:t>
               </a:r>
+              <a:endParaRPr lang="en-US" sz="2700" b="1" dirty="0">
+                <a:solidFill>
+                  <a:srgbClr val="F0EEF0"/>
+                </a:solidFill>
+                <a:latin typeface="Tw Cen MT" panose="020B0602020104020603" pitchFamily="34" charset="0"/>
+              </a:endParaRPr>
             </a:p>
             <a:p>
               <a:pPr algn="ctr"/>
@@ -8072,20 +7549,14 @@
         </p:sp>
         <p:pic>
           <p:nvPicPr>
-            <p:cNvPr id="47" name="Picture 46">
-              <a:extLst>
-                <a:ext uri="{FF2B5EF4-FFF2-40B4-BE49-F238E27FC236}">
-                  <a16:creationId xmlns:a16="http://schemas.microsoft.com/office/drawing/2014/main" id="{7654DCD4-7920-4D83-8D7F-6D3A71A169A5}"/>
-                </a:ext>
-              </a:extLst>
-            </p:cNvPr>
+            <p:cNvPr id="47" name="Picture 46"/>
             <p:cNvPicPr>
               <a:picLocks noChangeAspect="1"/>
             </p:cNvPicPr>
             <p:nvPr/>
           </p:nvPicPr>
           <p:blipFill>
-            <a:blip r:embed="rId2" cstate="print">
+            <a:blip r:embed="rId1" cstate="print">
               <a:extLst>
                 <a:ext uri="{28A0092B-C50C-407E-A947-70E740481C1C}">
                   <a14:useLocalDpi xmlns:a14="http://schemas.microsoft.com/office/drawing/2010/main" val="0"/>
@@ -8109,13 +7580,7 @@
       </p:grpSp>
       <p:grpSp>
         <p:nvGrpSpPr>
-          <p:cNvPr id="48" name="Group 47">
-            <a:extLst>
-              <a:ext uri="{FF2B5EF4-FFF2-40B4-BE49-F238E27FC236}">
-                <a16:creationId xmlns:a16="http://schemas.microsoft.com/office/drawing/2014/main" id="{7A67CF96-B24C-4BAD-8466-B32ECC2753A1}"/>
-              </a:ext>
-            </a:extLst>
-          </p:cNvPr>
+          <p:cNvPr id="48" name="Group 47"/>
           <p:cNvGrpSpPr/>
           <p:nvPr/>
         </p:nvGrpSpPr>
@@ -8129,13 +7594,7 @@
         </p:grpSpPr>
         <p:sp>
           <p:nvSpPr>
-            <p:cNvPr id="49" name="Rectangle 48">
-              <a:extLst>
-                <a:ext uri="{FF2B5EF4-FFF2-40B4-BE49-F238E27FC236}">
-                  <a16:creationId xmlns:a16="http://schemas.microsoft.com/office/drawing/2014/main" id="{8B7B7434-49BE-47D6-BAE6-9B9134F0EC8C}"/>
-                </a:ext>
-              </a:extLst>
-            </p:cNvPr>
+            <p:cNvPr id="49" name="Rectangle 48"/>
             <p:cNvSpPr/>
             <p:nvPr/>
           </p:nvSpPr>
@@ -8190,13 +7649,7 @@
         </p:sp>
         <p:sp>
           <p:nvSpPr>
-            <p:cNvPr id="81" name="Freeform: Shape 80">
-              <a:extLst>
-                <a:ext uri="{FF2B5EF4-FFF2-40B4-BE49-F238E27FC236}">
-                  <a16:creationId xmlns:a16="http://schemas.microsoft.com/office/drawing/2014/main" id="{080296C0-D397-432D-B5A1-CA7DA186EB14}"/>
-                </a:ext>
-              </a:extLst>
-            </p:cNvPr>
+            <p:cNvPr id="81" name="Freeform: Shape 80"/>
             <p:cNvSpPr/>
             <p:nvPr/>
           </p:nvSpPr>
@@ -8297,13 +7750,7 @@
         </p:sp>
         <p:sp>
           <p:nvSpPr>
-            <p:cNvPr id="82" name="TextBox 81">
-              <a:extLst>
-                <a:ext uri="{FF2B5EF4-FFF2-40B4-BE49-F238E27FC236}">
-                  <a16:creationId xmlns:a16="http://schemas.microsoft.com/office/drawing/2014/main" id="{73DE47E8-526D-4A96-A671-69E14D20D1EB}"/>
-                </a:ext>
-              </a:extLst>
-            </p:cNvPr>
+            <p:cNvPr id="82" name="TextBox 81"/>
             <p:cNvSpPr txBox="1"/>
             <p:nvPr/>
           </p:nvSpPr>
@@ -8344,20 +7791,14 @@
         </p:sp>
         <p:pic>
           <p:nvPicPr>
-            <p:cNvPr id="83" name="Picture 82">
-              <a:extLst>
-                <a:ext uri="{FF2B5EF4-FFF2-40B4-BE49-F238E27FC236}">
-                  <a16:creationId xmlns:a16="http://schemas.microsoft.com/office/drawing/2014/main" id="{7FD4AAEC-83E5-4832-BEA2-517A195B2A78}"/>
-                </a:ext>
-              </a:extLst>
-            </p:cNvPr>
+            <p:cNvPr id="83" name="Picture 82"/>
             <p:cNvPicPr>
               <a:picLocks noChangeAspect="1"/>
             </p:cNvPicPr>
             <p:nvPr/>
           </p:nvPicPr>
           <p:blipFill>
-            <a:blip r:embed="rId2" cstate="print">
+            <a:blip r:embed="rId1" cstate="print">
               <a:extLst>
                 <a:ext uri="{28A0092B-C50C-407E-A947-70E740481C1C}">
                   <a14:useLocalDpi xmlns:a14="http://schemas.microsoft.com/office/drawing/2010/main" val="0"/>
@@ -8381,13 +7822,7 @@
       </p:grpSp>
       <p:sp>
         <p:nvSpPr>
-          <p:cNvPr id="84" name="Rectangle 83">
-            <a:extLst>
-              <a:ext uri="{FF2B5EF4-FFF2-40B4-BE49-F238E27FC236}">
-                <a16:creationId xmlns:a16="http://schemas.microsoft.com/office/drawing/2014/main" id="{3C6BBB46-3AAE-49B1-8F56-3535CC357FEB}"/>
-              </a:ext>
-            </a:extLst>
-          </p:cNvPr>
+          <p:cNvPr id="84" name="Rectangle 83"/>
           <p:cNvSpPr/>
           <p:nvPr/>
         </p:nvSpPr>
@@ -8442,13 +7877,7 @@
       </p:sp>
       <p:grpSp>
         <p:nvGrpSpPr>
-          <p:cNvPr id="85" name="Group 84">
-            <a:extLst>
-              <a:ext uri="{FF2B5EF4-FFF2-40B4-BE49-F238E27FC236}">
-                <a16:creationId xmlns:a16="http://schemas.microsoft.com/office/drawing/2014/main" id="{FA452EB0-3109-45BB-9389-19F84818FE30}"/>
-              </a:ext>
-            </a:extLst>
-          </p:cNvPr>
+          <p:cNvPr id="85" name="Group 84"/>
           <p:cNvGrpSpPr/>
           <p:nvPr/>
         </p:nvGrpSpPr>
@@ -8462,13 +7891,7 @@
         </p:grpSpPr>
         <p:sp>
           <p:nvSpPr>
-            <p:cNvPr id="86" name="Rectangle 85">
-              <a:extLst>
-                <a:ext uri="{FF2B5EF4-FFF2-40B4-BE49-F238E27FC236}">
-                  <a16:creationId xmlns:a16="http://schemas.microsoft.com/office/drawing/2014/main" id="{DF941D0C-24DA-4E77-BE08-34D6F94BD6FB}"/>
-                </a:ext>
-              </a:extLst>
-            </p:cNvPr>
+            <p:cNvPr id="86" name="Rectangle 85"/>
             <p:cNvSpPr/>
             <p:nvPr/>
           </p:nvSpPr>
@@ -8523,13 +7946,7 @@
         </p:sp>
         <p:sp>
           <p:nvSpPr>
-            <p:cNvPr id="87" name="Freeform: Shape 86">
-              <a:extLst>
-                <a:ext uri="{FF2B5EF4-FFF2-40B4-BE49-F238E27FC236}">
-                  <a16:creationId xmlns:a16="http://schemas.microsoft.com/office/drawing/2014/main" id="{09747D82-077A-45F5-8822-6A7F978E7845}"/>
-                </a:ext>
-              </a:extLst>
-            </p:cNvPr>
+            <p:cNvPr id="87" name="Freeform: Shape 86"/>
             <p:cNvSpPr/>
             <p:nvPr/>
           </p:nvSpPr>
@@ -8630,13 +8047,7 @@
         </p:sp>
         <p:sp>
           <p:nvSpPr>
-            <p:cNvPr id="88" name="TextBox 87">
-              <a:extLst>
-                <a:ext uri="{FF2B5EF4-FFF2-40B4-BE49-F238E27FC236}">
-                  <a16:creationId xmlns:a16="http://schemas.microsoft.com/office/drawing/2014/main" id="{D0B26FA9-EA76-44C1-BA33-E4EBB060AC7E}"/>
-                </a:ext>
-              </a:extLst>
-            </p:cNvPr>
+            <p:cNvPr id="88" name="TextBox 87"/>
             <p:cNvSpPr txBox="1"/>
             <p:nvPr/>
           </p:nvSpPr>
@@ -8666,6 +8077,12 @@
                 </a:rPr>
                 <a:t>Extracting Error Log from NDR</a:t>
               </a:r>
+              <a:endParaRPr lang="en-GB" sz="2000" b="1" dirty="0">
+                <a:solidFill>
+                  <a:srgbClr val="F0EEF0"/>
+                </a:solidFill>
+                <a:latin typeface="Tw Cen MT" panose="020B0602020104020603" pitchFamily="34" charset="0"/>
+              </a:endParaRPr>
             </a:p>
             <a:p>
               <a:pPr algn="ctr"/>
@@ -8680,20 +8097,14 @@
         </p:sp>
         <p:pic>
           <p:nvPicPr>
-            <p:cNvPr id="89" name="Picture 88">
-              <a:extLst>
-                <a:ext uri="{FF2B5EF4-FFF2-40B4-BE49-F238E27FC236}">
-                  <a16:creationId xmlns:a16="http://schemas.microsoft.com/office/drawing/2014/main" id="{EF138C1A-5B68-42BE-B6B8-0EE1F4738562}"/>
-                </a:ext>
-              </a:extLst>
-            </p:cNvPr>
+            <p:cNvPr id="89" name="Picture 88"/>
             <p:cNvPicPr>
               <a:picLocks noChangeAspect="1"/>
             </p:cNvPicPr>
             <p:nvPr/>
           </p:nvPicPr>
           <p:blipFill>
-            <a:blip r:embed="rId2" cstate="print">
+            <a:blip r:embed="rId1" cstate="print">
               <a:extLst>
                 <a:ext uri="{28A0092B-C50C-407E-A947-70E740481C1C}">
                   <a14:useLocalDpi xmlns:a14="http://schemas.microsoft.com/office/drawing/2010/main" val="0"/>
@@ -8717,13 +8128,7 @@
       </p:grpSp>
       <p:grpSp>
         <p:nvGrpSpPr>
-          <p:cNvPr id="90" name="Group 89">
-            <a:extLst>
-              <a:ext uri="{FF2B5EF4-FFF2-40B4-BE49-F238E27FC236}">
-                <a16:creationId xmlns:a16="http://schemas.microsoft.com/office/drawing/2014/main" id="{2C48F6F2-7791-4D91-ADEC-77FE8FA739E3}"/>
-              </a:ext>
-            </a:extLst>
-          </p:cNvPr>
+          <p:cNvPr id="90" name="Group 89"/>
           <p:cNvGrpSpPr/>
           <p:nvPr/>
         </p:nvGrpSpPr>
@@ -8737,13 +8142,7 @@
         </p:grpSpPr>
         <p:sp>
           <p:nvSpPr>
-            <p:cNvPr id="92" name="Freeform: Shape 91">
-              <a:extLst>
-                <a:ext uri="{FF2B5EF4-FFF2-40B4-BE49-F238E27FC236}">
-                  <a16:creationId xmlns:a16="http://schemas.microsoft.com/office/drawing/2014/main" id="{F2E020DE-B46A-4F47-97AB-BB6C9038FA2E}"/>
-                </a:ext>
-              </a:extLst>
-            </p:cNvPr>
+            <p:cNvPr id="92" name="Freeform: Shape 91"/>
             <p:cNvSpPr/>
             <p:nvPr/>
           </p:nvSpPr>
@@ -8844,13 +8243,7 @@
         </p:sp>
         <p:sp>
           <p:nvSpPr>
-            <p:cNvPr id="93" name="TextBox 92">
-              <a:extLst>
-                <a:ext uri="{FF2B5EF4-FFF2-40B4-BE49-F238E27FC236}">
-                  <a16:creationId xmlns:a16="http://schemas.microsoft.com/office/drawing/2014/main" id="{7CF05B7C-3B2D-4CAB-9132-7B756B442063}"/>
-                </a:ext>
-              </a:extLst>
-            </p:cNvPr>
+            <p:cNvPr id="93" name="TextBox 92"/>
             <p:cNvSpPr txBox="1"/>
             <p:nvPr/>
           </p:nvSpPr>
@@ -8880,6 +8273,12 @@
                 </a:rPr>
                 <a:t>Ensuring Correctness on NDR</a:t>
               </a:r>
+              <a:endParaRPr lang="en-US" sz="1600" b="1" dirty="0">
+                <a:solidFill>
+                  <a:srgbClr val="F0EEF0"/>
+                </a:solidFill>
+                <a:latin typeface="Tw Cen MT" panose="020B0602020104020603" pitchFamily="34" charset="0"/>
+              </a:endParaRPr>
             </a:p>
             <a:p>
               <a:pPr algn="ctr"/>
@@ -8894,20 +8293,14 @@
         </p:sp>
         <p:pic>
           <p:nvPicPr>
-            <p:cNvPr id="94" name="Picture 93">
-              <a:extLst>
-                <a:ext uri="{FF2B5EF4-FFF2-40B4-BE49-F238E27FC236}">
-                  <a16:creationId xmlns:a16="http://schemas.microsoft.com/office/drawing/2014/main" id="{A04E2F48-2025-4003-B590-1DD957710632}"/>
-                </a:ext>
-              </a:extLst>
-            </p:cNvPr>
+            <p:cNvPr id="94" name="Picture 93"/>
             <p:cNvPicPr>
               <a:picLocks noChangeAspect="1"/>
             </p:cNvPicPr>
             <p:nvPr/>
           </p:nvPicPr>
           <p:blipFill>
-            <a:blip r:embed="rId2" cstate="print">
+            <a:blip r:embed="rId1" cstate="print">
               <a:extLst>
                 <a:ext uri="{28A0092B-C50C-407E-A947-70E740481C1C}">
                   <a14:useLocalDpi xmlns:a14="http://schemas.microsoft.com/office/drawing/2010/main" val="0"/>
@@ -8932,9 +8325,7 @@
       <p:sp>
         <p:nvSpPr>
           <p:cNvPr id="60" name="Content Placeholder 2"/>
-          <p:cNvSpPr txBox="1">
-            <a:spLocks/>
-          </p:cNvSpPr>
+          <p:cNvSpPr txBox="1"/>
           <p:nvPr/>
         </p:nvSpPr>
         <p:spPr>
@@ -9132,6 +8523,11 @@
               </a:rPr>
               <a:t>adequately represents the program’s activities. </a:t>
             </a:r>
+            <a:endParaRPr lang="en-US" altLang="en-US" sz="1800" b="1" dirty="0" smtClean="0">
+              <a:solidFill>
+                <a:srgbClr val="006600"/>
+              </a:solidFill>
+            </a:endParaRPr>
           </a:p>
           <a:p>
             <a:pPr indent="0">
@@ -9153,8 +8549,29 @@
                   <a:srgbClr val="006600"/>
                 </a:solidFill>
               </a:rPr>
-              <a:t>means that the information is accurate and reliable.</a:t>
+              <a:t>means that the information is accurate and reliable</a:t>
             </a:r>
+            <a:r>
+              <a:rPr lang="en-GB" altLang="en-US" sz="1800" b="1" i="1" dirty="0" smtClean="0">
+                <a:solidFill>
+                  <a:srgbClr val="006600"/>
+                </a:solidFill>
+              </a:rPr>
+              <a:t>s</a:t>
+            </a:r>
+            <a:r>
+              <a:rPr lang="en-US" altLang="en-US" sz="1800" b="1" i="1" dirty="0" smtClean="0">
+                <a:solidFill>
+                  <a:srgbClr val="006600"/>
+                </a:solidFill>
+              </a:rPr>
+              <a:t>.</a:t>
+            </a:r>
+            <a:endParaRPr lang="en-US" altLang="en-US" sz="1800" b="1" i="1" dirty="0" smtClean="0">
+              <a:solidFill>
+                <a:srgbClr val="006600"/>
+              </a:solidFill>
+            </a:endParaRPr>
           </a:p>
           <a:p>
             <a:pPr>
@@ -9200,7 +8617,7 @@
           <p:nvPr/>
         </p:nvPicPr>
         <p:blipFill>
-          <a:blip r:embed="rId3">
+          <a:blip r:embed="rId2">
             <a:extLst>
               <a:ext uri="{28A0092B-C50C-407E-A947-70E740481C1C}">
                 <a14:useLocalDpi xmlns:a14="http://schemas.microsoft.com/office/drawing/2010/main" val="0"/>
@@ -9222,22 +8639,17 @@
         </p:spPr>
       </p:pic>
     </p:spTree>
-    <p:extLst>
-      <p:ext uri="{BB962C8B-B14F-4D97-AF65-F5344CB8AC3E}">
-        <p14:creationId xmlns:p14="http://schemas.microsoft.com/office/powerpoint/2010/main" val="3349582807"/>
-      </p:ext>
-    </p:extLst>
   </p:cSld>
   <p:clrMapOvr>
     <a:masterClrMapping/>
   </p:clrMapOvr>
   <mc:AlternateContent xmlns:mc="http://schemas.openxmlformats.org/markup-compatibility/2006" xmlns:p159="http://schemas.microsoft.com/office/powerpoint/2015/09/main">
     <mc:Choice Requires="p159">
-      <p:transition spd="med">
+      <p:transition xmlns:p14="http://schemas.microsoft.com/office/powerpoint/2010/main" spd="med">
         <p159:morph option="byObject"/>
       </p:transition>
     </mc:Choice>
-    <mc:Fallback xmlns="">
+    <mc:Fallback>
       <p:transition spd="med">
         <p:fade/>
       </p:transition>
@@ -9272,13 +8684,7 @@
       </p:grpSpPr>
       <p:grpSp>
         <p:nvGrpSpPr>
-          <p:cNvPr id="50" name="Group 49">
-            <a:extLst>
-              <a:ext uri="{FF2B5EF4-FFF2-40B4-BE49-F238E27FC236}">
-                <a16:creationId xmlns:a16="http://schemas.microsoft.com/office/drawing/2014/main" id="{038E6734-F7ED-4197-AE1C-DE222063D26D}"/>
-              </a:ext>
-            </a:extLst>
-          </p:cNvPr>
+          <p:cNvPr id="50" name="Group 49"/>
           <p:cNvGrpSpPr/>
           <p:nvPr/>
         </p:nvGrpSpPr>
@@ -9292,13 +8698,7 @@
         </p:grpSpPr>
         <p:sp>
           <p:nvSpPr>
-            <p:cNvPr id="51" name="Rectangle 50">
-              <a:extLst>
-                <a:ext uri="{FF2B5EF4-FFF2-40B4-BE49-F238E27FC236}">
-                  <a16:creationId xmlns:a16="http://schemas.microsoft.com/office/drawing/2014/main" id="{B7FF06C6-EDB2-4E2A-B33F-9667DAB48738}"/>
-                </a:ext>
-              </a:extLst>
-            </p:cNvPr>
+            <p:cNvPr id="51" name="Rectangle 50"/>
             <p:cNvSpPr/>
             <p:nvPr/>
           </p:nvSpPr>
@@ -9353,13 +8753,7 @@
         </p:sp>
         <p:sp>
           <p:nvSpPr>
-            <p:cNvPr id="52" name="Freeform: Shape 51">
-              <a:extLst>
-                <a:ext uri="{FF2B5EF4-FFF2-40B4-BE49-F238E27FC236}">
-                  <a16:creationId xmlns:a16="http://schemas.microsoft.com/office/drawing/2014/main" id="{DD389168-73D4-4CCF-B806-15F4C9CFBC65}"/>
-                </a:ext>
-              </a:extLst>
-            </p:cNvPr>
+            <p:cNvPr id="52" name="Freeform: Shape 51"/>
             <p:cNvSpPr/>
             <p:nvPr/>
           </p:nvSpPr>
@@ -9460,13 +8854,7 @@
         </p:sp>
         <p:sp>
           <p:nvSpPr>
-            <p:cNvPr id="53" name="TextBox 52">
-              <a:extLst>
-                <a:ext uri="{FF2B5EF4-FFF2-40B4-BE49-F238E27FC236}">
-                  <a16:creationId xmlns:a16="http://schemas.microsoft.com/office/drawing/2014/main" id="{FD36EBE0-2C84-494E-9C0B-54A6EFA86DA6}"/>
-                </a:ext>
-              </a:extLst>
-            </p:cNvPr>
+            <p:cNvPr id="53" name="TextBox 52"/>
             <p:cNvSpPr txBox="1"/>
             <p:nvPr/>
           </p:nvSpPr>
@@ -9514,20 +8902,14 @@
         </p:sp>
         <p:pic>
           <p:nvPicPr>
-            <p:cNvPr id="54" name="Picture 53">
-              <a:extLst>
-                <a:ext uri="{FF2B5EF4-FFF2-40B4-BE49-F238E27FC236}">
-                  <a16:creationId xmlns:a16="http://schemas.microsoft.com/office/drawing/2014/main" id="{FE3F6E56-804E-434E-AD42-D62A42CB3068}"/>
-                </a:ext>
-              </a:extLst>
-            </p:cNvPr>
+            <p:cNvPr id="54" name="Picture 53"/>
             <p:cNvPicPr>
               <a:picLocks noChangeAspect="1"/>
             </p:cNvPicPr>
             <p:nvPr/>
           </p:nvPicPr>
           <p:blipFill>
-            <a:blip r:embed="rId2" cstate="print">
+            <a:blip r:embed="rId1" cstate="print">
               <a:extLst>
                 <a:ext uri="{28A0092B-C50C-407E-A947-70E740481C1C}">
                   <a14:useLocalDpi xmlns:a14="http://schemas.microsoft.com/office/drawing/2010/main" val="0"/>
@@ -9551,13 +8933,7 @@
       </p:grpSp>
       <p:grpSp>
         <p:nvGrpSpPr>
-          <p:cNvPr id="55" name="Group 54">
-            <a:extLst>
-              <a:ext uri="{FF2B5EF4-FFF2-40B4-BE49-F238E27FC236}">
-                <a16:creationId xmlns:a16="http://schemas.microsoft.com/office/drawing/2014/main" id="{208D727C-49D3-4C59-91D3-816C0DD22E21}"/>
-              </a:ext>
-            </a:extLst>
-          </p:cNvPr>
+          <p:cNvPr id="55" name="Group 54"/>
           <p:cNvGrpSpPr/>
           <p:nvPr/>
         </p:nvGrpSpPr>
@@ -9571,13 +8947,7 @@
         </p:grpSpPr>
         <p:sp>
           <p:nvSpPr>
-            <p:cNvPr id="56" name="Rectangle 55">
-              <a:extLst>
-                <a:ext uri="{FF2B5EF4-FFF2-40B4-BE49-F238E27FC236}">
-                  <a16:creationId xmlns:a16="http://schemas.microsoft.com/office/drawing/2014/main" id="{A369AF8C-7DC3-4D77-B3F1-5B8A444D2822}"/>
-                </a:ext>
-              </a:extLst>
-            </p:cNvPr>
+            <p:cNvPr id="56" name="Rectangle 55"/>
             <p:cNvSpPr/>
             <p:nvPr/>
           </p:nvSpPr>
@@ -9632,13 +9002,7 @@
         </p:sp>
         <p:sp>
           <p:nvSpPr>
-            <p:cNvPr id="57" name="Freeform: Shape 56">
-              <a:extLst>
-                <a:ext uri="{FF2B5EF4-FFF2-40B4-BE49-F238E27FC236}">
-                  <a16:creationId xmlns:a16="http://schemas.microsoft.com/office/drawing/2014/main" id="{6A173B44-EE6F-4236-9AB2-49524EA553D7}"/>
-                </a:ext>
-              </a:extLst>
-            </p:cNvPr>
+            <p:cNvPr id="57" name="Freeform: Shape 56"/>
             <p:cNvSpPr/>
             <p:nvPr/>
           </p:nvSpPr>
@@ -9739,13 +9103,7 @@
         </p:sp>
         <p:sp>
           <p:nvSpPr>
-            <p:cNvPr id="58" name="TextBox 57">
-              <a:extLst>
-                <a:ext uri="{FF2B5EF4-FFF2-40B4-BE49-F238E27FC236}">
-                  <a16:creationId xmlns:a16="http://schemas.microsoft.com/office/drawing/2014/main" id="{B40A12D7-9F13-43EC-95DE-B85ADBCAA6B6}"/>
-                </a:ext>
-              </a:extLst>
-            </p:cNvPr>
+            <p:cNvPr id="58" name="TextBox 57"/>
             <p:cNvSpPr txBox="1"/>
             <p:nvPr/>
           </p:nvSpPr>
@@ -9786,20 +9144,14 @@
         </p:sp>
         <p:pic>
           <p:nvPicPr>
-            <p:cNvPr id="59" name="Picture 58">
-              <a:extLst>
-                <a:ext uri="{FF2B5EF4-FFF2-40B4-BE49-F238E27FC236}">
-                  <a16:creationId xmlns:a16="http://schemas.microsoft.com/office/drawing/2014/main" id="{BA271034-9DEF-432C-A1F3-B6470D255509}"/>
-                </a:ext>
-              </a:extLst>
-            </p:cNvPr>
+            <p:cNvPr id="59" name="Picture 58"/>
             <p:cNvPicPr>
               <a:picLocks noChangeAspect="1"/>
             </p:cNvPicPr>
             <p:nvPr/>
           </p:nvPicPr>
           <p:blipFill>
-            <a:blip r:embed="rId2" cstate="print">
+            <a:blip r:embed="rId1" cstate="print">
               <a:extLst>
                 <a:ext uri="{28A0092B-C50C-407E-A947-70E740481C1C}">
                   <a14:useLocalDpi xmlns:a14="http://schemas.microsoft.com/office/drawing/2010/main" val="0"/>
@@ -9823,13 +9175,7 @@
       </p:grpSp>
       <p:grpSp>
         <p:nvGrpSpPr>
-          <p:cNvPr id="60" name="Group 59">
-            <a:extLst>
-              <a:ext uri="{FF2B5EF4-FFF2-40B4-BE49-F238E27FC236}">
-                <a16:creationId xmlns:a16="http://schemas.microsoft.com/office/drawing/2014/main" id="{7728BA24-99D1-4E44-98AC-50745A94AD6C}"/>
-              </a:ext>
-            </a:extLst>
-          </p:cNvPr>
+          <p:cNvPr id="60" name="Group 59"/>
           <p:cNvGrpSpPr/>
           <p:nvPr/>
         </p:nvGrpSpPr>
@@ -9843,13 +9189,7 @@
         </p:grpSpPr>
         <p:sp>
           <p:nvSpPr>
-            <p:cNvPr id="61" name="Rectangle 60">
-              <a:extLst>
-                <a:ext uri="{FF2B5EF4-FFF2-40B4-BE49-F238E27FC236}">
-                  <a16:creationId xmlns:a16="http://schemas.microsoft.com/office/drawing/2014/main" id="{1079FD4E-778D-428A-B08F-1B97893971C7}"/>
-                </a:ext>
-              </a:extLst>
-            </p:cNvPr>
+            <p:cNvPr id="61" name="Rectangle 60"/>
             <p:cNvSpPr/>
             <p:nvPr/>
           </p:nvSpPr>
@@ -9904,13 +9244,7 @@
         </p:sp>
         <p:sp>
           <p:nvSpPr>
-            <p:cNvPr id="62" name="Freeform: Shape 61">
-              <a:extLst>
-                <a:ext uri="{FF2B5EF4-FFF2-40B4-BE49-F238E27FC236}">
-                  <a16:creationId xmlns:a16="http://schemas.microsoft.com/office/drawing/2014/main" id="{67DB4514-65BA-420D-BBB3-CCF0A5B397CB}"/>
-                </a:ext>
-              </a:extLst>
-            </p:cNvPr>
+            <p:cNvPr id="62" name="Freeform: Shape 61"/>
             <p:cNvSpPr/>
             <p:nvPr/>
           </p:nvSpPr>
@@ -10011,13 +9345,7 @@
         </p:sp>
         <p:sp>
           <p:nvSpPr>
-            <p:cNvPr id="63" name="TextBox 62">
-              <a:extLst>
-                <a:ext uri="{FF2B5EF4-FFF2-40B4-BE49-F238E27FC236}">
-                  <a16:creationId xmlns:a16="http://schemas.microsoft.com/office/drawing/2014/main" id="{F86CE46E-7143-4535-BF09-36D36B082851}"/>
-                </a:ext>
-              </a:extLst>
-            </p:cNvPr>
+            <p:cNvPr id="63" name="TextBox 62"/>
             <p:cNvSpPr txBox="1"/>
             <p:nvPr/>
           </p:nvSpPr>
@@ -10067,20 +9395,14 @@
         </p:sp>
         <p:pic>
           <p:nvPicPr>
-            <p:cNvPr id="64" name="Picture 63">
-              <a:extLst>
-                <a:ext uri="{FF2B5EF4-FFF2-40B4-BE49-F238E27FC236}">
-                  <a16:creationId xmlns:a16="http://schemas.microsoft.com/office/drawing/2014/main" id="{4E9D2CC3-AE8C-4CF7-AC14-0BF3748D6313}"/>
-                </a:ext>
-              </a:extLst>
-            </p:cNvPr>
+            <p:cNvPr id="64" name="Picture 63"/>
             <p:cNvPicPr>
               <a:picLocks noChangeAspect="1"/>
             </p:cNvPicPr>
             <p:nvPr/>
           </p:nvPicPr>
           <p:blipFill>
-            <a:blip r:embed="rId2" cstate="print">
+            <a:blip r:embed="rId1" cstate="print">
               <a:extLst>
                 <a:ext uri="{28A0092B-C50C-407E-A947-70E740481C1C}">
                   <a14:useLocalDpi xmlns:a14="http://schemas.microsoft.com/office/drawing/2010/main" val="0"/>
@@ -10104,13 +9426,7 @@
       </p:grpSp>
       <p:grpSp>
         <p:nvGrpSpPr>
-          <p:cNvPr id="65" name="Group 64">
-            <a:extLst>
-              <a:ext uri="{FF2B5EF4-FFF2-40B4-BE49-F238E27FC236}">
-                <a16:creationId xmlns:a16="http://schemas.microsoft.com/office/drawing/2014/main" id="{2704DBF9-F2DF-4744-9CBE-8384BF790E0F}"/>
-              </a:ext>
-            </a:extLst>
-          </p:cNvPr>
+          <p:cNvPr id="65" name="Group 64"/>
           <p:cNvGrpSpPr/>
           <p:nvPr/>
         </p:nvGrpSpPr>
@@ -10124,13 +9440,7 @@
         </p:grpSpPr>
         <p:sp>
           <p:nvSpPr>
-            <p:cNvPr id="66" name="Rectangle 65">
-              <a:extLst>
-                <a:ext uri="{FF2B5EF4-FFF2-40B4-BE49-F238E27FC236}">
-                  <a16:creationId xmlns:a16="http://schemas.microsoft.com/office/drawing/2014/main" id="{D409FCBC-490E-4134-BE82-9429CE5AB00A}"/>
-                </a:ext>
-              </a:extLst>
-            </p:cNvPr>
+            <p:cNvPr id="66" name="Rectangle 65"/>
             <p:cNvSpPr/>
             <p:nvPr/>
           </p:nvSpPr>
@@ -10185,13 +9495,7 @@
         </p:sp>
         <p:sp>
           <p:nvSpPr>
-            <p:cNvPr id="67" name="Freeform: Shape 66">
-              <a:extLst>
-                <a:ext uri="{FF2B5EF4-FFF2-40B4-BE49-F238E27FC236}">
-                  <a16:creationId xmlns:a16="http://schemas.microsoft.com/office/drawing/2014/main" id="{484E2370-4D03-4FD0-B29C-F763767296D4}"/>
-                </a:ext>
-              </a:extLst>
-            </p:cNvPr>
+            <p:cNvPr id="67" name="Freeform: Shape 66"/>
             <p:cNvSpPr/>
             <p:nvPr/>
           </p:nvSpPr>
@@ -10292,13 +9596,7 @@
         </p:sp>
         <p:sp>
           <p:nvSpPr>
-            <p:cNvPr id="68" name="TextBox 67">
-              <a:extLst>
-                <a:ext uri="{FF2B5EF4-FFF2-40B4-BE49-F238E27FC236}">
-                  <a16:creationId xmlns:a16="http://schemas.microsoft.com/office/drawing/2014/main" id="{CE5F8F51-D3FD-42A1-8372-1B4B1B7C336A}"/>
-                </a:ext>
-              </a:extLst>
-            </p:cNvPr>
+            <p:cNvPr id="68" name="TextBox 67"/>
             <p:cNvSpPr txBox="1"/>
             <p:nvPr/>
           </p:nvSpPr>
@@ -10339,20 +9637,14 @@
         </p:sp>
         <p:pic>
           <p:nvPicPr>
-            <p:cNvPr id="69" name="Picture 68">
-              <a:extLst>
-                <a:ext uri="{FF2B5EF4-FFF2-40B4-BE49-F238E27FC236}">
-                  <a16:creationId xmlns:a16="http://schemas.microsoft.com/office/drawing/2014/main" id="{05E43CA3-886C-4010-B3E2-837CCC6F5160}"/>
-                </a:ext>
-              </a:extLst>
-            </p:cNvPr>
+            <p:cNvPr id="69" name="Picture 68"/>
             <p:cNvPicPr>
               <a:picLocks noChangeAspect="1"/>
             </p:cNvPicPr>
             <p:nvPr/>
           </p:nvPicPr>
           <p:blipFill>
-            <a:blip r:embed="rId2" cstate="print">
+            <a:blip r:embed="rId1" cstate="print">
               <a:extLst>
                 <a:ext uri="{28A0092B-C50C-407E-A947-70E740481C1C}">
                   <a14:useLocalDpi xmlns:a14="http://schemas.microsoft.com/office/drawing/2010/main" val="0"/>
@@ -10376,13 +9668,7 @@
       </p:grpSp>
       <p:sp>
         <p:nvSpPr>
-          <p:cNvPr id="70" name="Rectangle 69">
-            <a:extLst>
-              <a:ext uri="{FF2B5EF4-FFF2-40B4-BE49-F238E27FC236}">
-                <a16:creationId xmlns:a16="http://schemas.microsoft.com/office/drawing/2014/main" id="{87E322DA-3D39-4A36-A521-33E75DDBFF71}"/>
-              </a:ext>
-            </a:extLst>
-          </p:cNvPr>
+          <p:cNvPr id="70" name="Rectangle 69"/>
           <p:cNvSpPr/>
           <p:nvPr/>
         </p:nvSpPr>
@@ -10437,13 +9723,7 @@
       </p:sp>
       <p:grpSp>
         <p:nvGrpSpPr>
-          <p:cNvPr id="71" name="Group 70">
-            <a:extLst>
-              <a:ext uri="{FF2B5EF4-FFF2-40B4-BE49-F238E27FC236}">
-                <a16:creationId xmlns:a16="http://schemas.microsoft.com/office/drawing/2014/main" id="{831F8BD9-F71B-4D2D-8A60-61BABDC384BB}"/>
-              </a:ext>
-            </a:extLst>
-          </p:cNvPr>
+          <p:cNvPr id="71" name="Group 70"/>
           <p:cNvGrpSpPr/>
           <p:nvPr/>
         </p:nvGrpSpPr>
@@ -10457,13 +9737,7 @@
         </p:grpSpPr>
         <p:sp>
           <p:nvSpPr>
-            <p:cNvPr id="72" name="Rectangle 71">
-              <a:extLst>
-                <a:ext uri="{FF2B5EF4-FFF2-40B4-BE49-F238E27FC236}">
-                  <a16:creationId xmlns:a16="http://schemas.microsoft.com/office/drawing/2014/main" id="{B470067C-2D0B-4A65-B940-C052473E9422}"/>
-                </a:ext>
-              </a:extLst>
-            </p:cNvPr>
+            <p:cNvPr id="72" name="Rectangle 71"/>
             <p:cNvSpPr/>
             <p:nvPr/>
           </p:nvSpPr>
@@ -10518,13 +9792,7 @@
         </p:sp>
         <p:sp>
           <p:nvSpPr>
-            <p:cNvPr id="73" name="Freeform: Shape 72">
-              <a:extLst>
-                <a:ext uri="{FF2B5EF4-FFF2-40B4-BE49-F238E27FC236}">
-                  <a16:creationId xmlns:a16="http://schemas.microsoft.com/office/drawing/2014/main" id="{66B5D93C-8112-48DA-975B-9DDD27DEADD9}"/>
-                </a:ext>
-              </a:extLst>
-            </p:cNvPr>
+            <p:cNvPr id="73" name="Freeform: Shape 72"/>
             <p:cNvSpPr/>
             <p:nvPr/>
           </p:nvSpPr>
@@ -10625,13 +9893,7 @@
         </p:sp>
         <p:sp>
           <p:nvSpPr>
-            <p:cNvPr id="74" name="TextBox 73">
-              <a:extLst>
-                <a:ext uri="{FF2B5EF4-FFF2-40B4-BE49-F238E27FC236}">
-                  <a16:creationId xmlns:a16="http://schemas.microsoft.com/office/drawing/2014/main" id="{6D3577A8-E9FC-43B7-B3E2-76EDDA51C160}"/>
-                </a:ext>
-              </a:extLst>
-            </p:cNvPr>
+            <p:cNvPr id="74" name="TextBox 73"/>
             <p:cNvSpPr txBox="1"/>
             <p:nvPr/>
           </p:nvSpPr>
@@ -10672,20 +9934,14 @@
         </p:sp>
         <p:pic>
           <p:nvPicPr>
-            <p:cNvPr id="75" name="Picture 74">
-              <a:extLst>
-                <a:ext uri="{FF2B5EF4-FFF2-40B4-BE49-F238E27FC236}">
-                  <a16:creationId xmlns:a16="http://schemas.microsoft.com/office/drawing/2014/main" id="{36FD3106-E967-44D6-AB4D-A0DA183F7CC8}"/>
-                </a:ext>
-              </a:extLst>
-            </p:cNvPr>
+            <p:cNvPr id="75" name="Picture 74"/>
             <p:cNvPicPr>
               <a:picLocks noChangeAspect="1"/>
             </p:cNvPicPr>
             <p:nvPr/>
           </p:nvPicPr>
           <p:blipFill>
-            <a:blip r:embed="rId2" cstate="print">
+            <a:blip r:embed="rId1" cstate="print">
               <a:extLst>
                 <a:ext uri="{28A0092B-C50C-407E-A947-70E740481C1C}">
                   <a14:useLocalDpi xmlns:a14="http://schemas.microsoft.com/office/drawing/2010/main" val="0"/>
@@ -10709,13 +9965,7 @@
       </p:grpSp>
       <p:grpSp>
         <p:nvGrpSpPr>
-          <p:cNvPr id="76" name="Group 75">
-            <a:extLst>
-              <a:ext uri="{FF2B5EF4-FFF2-40B4-BE49-F238E27FC236}">
-                <a16:creationId xmlns:a16="http://schemas.microsoft.com/office/drawing/2014/main" id="{3E930874-288B-4537-8AA6-A601044D9580}"/>
-              </a:ext>
-            </a:extLst>
-          </p:cNvPr>
+          <p:cNvPr id="76" name="Group 75"/>
           <p:cNvGrpSpPr/>
           <p:nvPr/>
         </p:nvGrpSpPr>
@@ -10729,13 +9979,7 @@
         </p:grpSpPr>
         <p:sp>
           <p:nvSpPr>
-            <p:cNvPr id="77" name="Rectangle 76">
-              <a:extLst>
-                <a:ext uri="{FF2B5EF4-FFF2-40B4-BE49-F238E27FC236}">
-                  <a16:creationId xmlns:a16="http://schemas.microsoft.com/office/drawing/2014/main" id="{225CDF0F-0FD1-40B0-BD29-F7D200A3A066}"/>
-                </a:ext>
-              </a:extLst>
-            </p:cNvPr>
+            <p:cNvPr id="77" name="Rectangle 76"/>
             <p:cNvSpPr/>
             <p:nvPr/>
           </p:nvSpPr>
@@ -10790,13 +10034,7 @@
         </p:sp>
         <p:sp>
           <p:nvSpPr>
-            <p:cNvPr id="78" name="Freeform: Shape 77">
-              <a:extLst>
-                <a:ext uri="{FF2B5EF4-FFF2-40B4-BE49-F238E27FC236}">
-                  <a16:creationId xmlns:a16="http://schemas.microsoft.com/office/drawing/2014/main" id="{A02216B9-43DC-4135-9F3E-7EFEAD2EB420}"/>
-                </a:ext>
-              </a:extLst>
-            </p:cNvPr>
+            <p:cNvPr id="78" name="Freeform: Shape 77"/>
             <p:cNvSpPr/>
             <p:nvPr/>
           </p:nvSpPr>
@@ -10897,13 +10135,7 @@
         </p:sp>
         <p:sp>
           <p:nvSpPr>
-            <p:cNvPr id="79" name="TextBox 78">
-              <a:extLst>
-                <a:ext uri="{FF2B5EF4-FFF2-40B4-BE49-F238E27FC236}">
-                  <a16:creationId xmlns:a16="http://schemas.microsoft.com/office/drawing/2014/main" id="{37342E0B-2429-4B98-AF6A-1DB087CBDE83}"/>
-                </a:ext>
-              </a:extLst>
-            </p:cNvPr>
+            <p:cNvPr id="79" name="TextBox 78"/>
             <p:cNvSpPr txBox="1"/>
             <p:nvPr/>
           </p:nvSpPr>
@@ -10933,6 +10165,12 @@
                 </a:rPr>
                 <a:t>Ensuring Correctness on NDR</a:t>
               </a:r>
+              <a:endParaRPr lang="en-US" sz="2000" b="1" dirty="0">
+                <a:solidFill>
+                  <a:srgbClr val="F0EEF0"/>
+                </a:solidFill>
+                <a:latin typeface="Tw Cen MT" panose="020B0602020104020603" pitchFamily="34" charset="0"/>
+              </a:endParaRPr>
             </a:p>
             <a:p>
               <a:pPr algn="ctr"/>
@@ -10947,20 +10185,14 @@
         </p:sp>
         <p:pic>
           <p:nvPicPr>
-            <p:cNvPr id="80" name="Picture 79">
-              <a:extLst>
-                <a:ext uri="{FF2B5EF4-FFF2-40B4-BE49-F238E27FC236}">
-                  <a16:creationId xmlns:a16="http://schemas.microsoft.com/office/drawing/2014/main" id="{29879508-5AD7-4FE2-AD55-8AF69ECDBECE}"/>
-                </a:ext>
-              </a:extLst>
-            </p:cNvPr>
+            <p:cNvPr id="80" name="Picture 79"/>
             <p:cNvPicPr>
               <a:picLocks noChangeAspect="1"/>
             </p:cNvPicPr>
             <p:nvPr/>
           </p:nvPicPr>
           <p:blipFill>
-            <a:blip r:embed="rId2" cstate="print">
+            <a:blip r:embed="rId1" cstate="print">
               <a:extLst>
                 <a:ext uri="{28A0092B-C50C-407E-A947-70E740481C1C}">
                   <a14:useLocalDpi xmlns:a14="http://schemas.microsoft.com/office/drawing/2010/main" val="0"/>
@@ -10985,9 +10217,7 @@
       <p:sp>
         <p:nvSpPr>
           <p:cNvPr id="81" name="Content Placeholder 2"/>
-          <p:cNvSpPr txBox="1">
-            <a:spLocks/>
-          </p:cNvSpPr>
+          <p:cNvSpPr txBox="1"/>
           <p:nvPr/>
         </p:nvSpPr>
         <p:spPr>
@@ -11176,6 +10406,7 @@
               <a:rPr lang="en-GB" sz="2400" b="1" dirty="0" smtClean="0"/>
               <a:t>Wrong Regimen Line At Start</a:t>
             </a:r>
+            <a:endParaRPr lang="en-GB" sz="2400" b="1" dirty="0" smtClean="0"/>
           </a:p>
           <a:p>
             <a:pPr>
@@ -11186,6 +10417,7 @@
               <a:rPr lang="en-GB" sz="2400" b="1" dirty="0" smtClean="0"/>
               <a:t>Blank Regimen Information</a:t>
             </a:r>
+            <a:endParaRPr lang="en-GB" sz="2400" b="1" dirty="0" smtClean="0"/>
           </a:p>
           <a:p>
             <a:pPr>
@@ -11196,6 +10428,7 @@
               <a:rPr lang="en-GB" sz="2400" b="1" dirty="0" smtClean="0"/>
               <a:t>Blank Days of Refill</a:t>
             </a:r>
+            <a:endParaRPr lang="en-GB" sz="2400" b="1" dirty="0" smtClean="0"/>
           </a:p>
           <a:p>
             <a:pPr>
@@ -11206,6 +10439,7 @@
               <a:rPr lang="en-GB" sz="2400" b="1" dirty="0" smtClean="0"/>
               <a:t>Wrong ART Start Date</a:t>
             </a:r>
+            <a:endParaRPr lang="en-GB" sz="2400" b="1" dirty="0" smtClean="0"/>
           </a:p>
           <a:p>
             <a:pPr>
@@ -11216,6 +10450,7 @@
               <a:rPr lang="en-GB" sz="2400" b="1" dirty="0" smtClean="0"/>
               <a:t>No Visit date attached to encounter</a:t>
             </a:r>
+            <a:endParaRPr lang="en-GB" sz="2400" b="1" dirty="0" smtClean="0"/>
           </a:p>
           <a:p>
             <a:pPr marL="0" indent="0">
@@ -11241,7 +10476,7 @@
           <p:nvPr/>
         </p:nvPicPr>
         <p:blipFill>
-          <a:blip r:embed="rId3">
+          <a:blip r:embed="rId2">
             <a:extLst>
               <a:ext uri="{28A0092B-C50C-407E-A947-70E740481C1C}">
                 <a14:useLocalDpi xmlns:a14="http://schemas.microsoft.com/office/drawing/2010/main" val="0"/>
@@ -11263,22 +10498,17 @@
         </p:spPr>
       </p:pic>
     </p:spTree>
-    <p:extLst>
-      <p:ext uri="{BB962C8B-B14F-4D97-AF65-F5344CB8AC3E}">
-        <p14:creationId xmlns:p14="http://schemas.microsoft.com/office/powerpoint/2010/main" val="2250535525"/>
-      </p:ext>
-    </p:extLst>
   </p:cSld>
   <p:clrMapOvr>
     <a:masterClrMapping/>
   </p:clrMapOvr>
   <mc:AlternateContent xmlns:mc="http://schemas.openxmlformats.org/markup-compatibility/2006" xmlns:p159="http://schemas.microsoft.com/office/powerpoint/2015/09/main">
     <mc:Choice Requires="p159">
-      <p:transition spd="med">
+      <p:transition xmlns:p14="http://schemas.microsoft.com/office/powerpoint/2010/main" spd="med">
         <p159:morph option="byObject"/>
       </p:transition>
     </mc:Choice>
-    <mc:Fallback xmlns="">
+    <mc:Fallback>
       <p:transition spd="med">
         <p:fade/>
       </p:transition>
@@ -11313,13 +10543,7 @@
       </p:grpSpPr>
       <p:grpSp>
         <p:nvGrpSpPr>
-          <p:cNvPr id="50" name="Group 49">
-            <a:extLst>
-              <a:ext uri="{FF2B5EF4-FFF2-40B4-BE49-F238E27FC236}">
-                <a16:creationId xmlns:a16="http://schemas.microsoft.com/office/drawing/2014/main" id="{10781169-B7A4-446E-BD33-B9650367A7F9}"/>
-              </a:ext>
-            </a:extLst>
-          </p:cNvPr>
+          <p:cNvPr id="50" name="Group 49"/>
           <p:cNvGrpSpPr/>
           <p:nvPr/>
         </p:nvGrpSpPr>
@@ -11333,13 +10557,7 @@
         </p:grpSpPr>
         <p:sp>
           <p:nvSpPr>
-            <p:cNvPr id="51" name="Rectangle 50">
-              <a:extLst>
-                <a:ext uri="{FF2B5EF4-FFF2-40B4-BE49-F238E27FC236}">
-                  <a16:creationId xmlns:a16="http://schemas.microsoft.com/office/drawing/2014/main" id="{CED3AF08-30FC-4AFF-9C5C-99D0A7099514}"/>
-                </a:ext>
-              </a:extLst>
-            </p:cNvPr>
+            <p:cNvPr id="51" name="Rectangle 50"/>
             <p:cNvSpPr/>
             <p:nvPr/>
           </p:nvSpPr>
@@ -11394,13 +10612,7 @@
         </p:sp>
         <p:sp>
           <p:nvSpPr>
-            <p:cNvPr id="52" name="Freeform: Shape 51">
-              <a:extLst>
-                <a:ext uri="{FF2B5EF4-FFF2-40B4-BE49-F238E27FC236}">
-                  <a16:creationId xmlns:a16="http://schemas.microsoft.com/office/drawing/2014/main" id="{99AF1FBA-9557-484A-B305-EE590A192E96}"/>
-                </a:ext>
-              </a:extLst>
-            </p:cNvPr>
+            <p:cNvPr id="52" name="Freeform: Shape 51"/>
             <p:cNvSpPr/>
             <p:nvPr/>
           </p:nvSpPr>
@@ -11501,13 +10713,7 @@
         </p:sp>
         <p:sp>
           <p:nvSpPr>
-            <p:cNvPr id="53" name="TextBox 52">
-              <a:extLst>
-                <a:ext uri="{FF2B5EF4-FFF2-40B4-BE49-F238E27FC236}">
-                  <a16:creationId xmlns:a16="http://schemas.microsoft.com/office/drawing/2014/main" id="{407E3AA2-679E-4924-AC1B-FE6C3A02C251}"/>
-                </a:ext>
-              </a:extLst>
-            </p:cNvPr>
+            <p:cNvPr id="53" name="TextBox 52"/>
             <p:cNvSpPr txBox="1"/>
             <p:nvPr/>
           </p:nvSpPr>
@@ -11555,20 +10761,14 @@
         </p:sp>
         <p:pic>
           <p:nvPicPr>
-            <p:cNvPr id="54" name="Picture 53">
-              <a:extLst>
-                <a:ext uri="{FF2B5EF4-FFF2-40B4-BE49-F238E27FC236}">
-                  <a16:creationId xmlns:a16="http://schemas.microsoft.com/office/drawing/2014/main" id="{CD9846FC-755F-4A0E-BAD3-A5D51C0E1EBE}"/>
-                </a:ext>
-              </a:extLst>
-            </p:cNvPr>
+            <p:cNvPr id="54" name="Picture 53"/>
             <p:cNvPicPr>
               <a:picLocks noChangeAspect="1"/>
             </p:cNvPicPr>
             <p:nvPr/>
           </p:nvPicPr>
           <p:blipFill>
-            <a:blip r:embed="rId2" cstate="print">
+            <a:blip r:embed="rId1" cstate="print">
               <a:extLst>
                 <a:ext uri="{28A0092B-C50C-407E-A947-70E740481C1C}">
                   <a14:useLocalDpi xmlns:a14="http://schemas.microsoft.com/office/drawing/2010/main" val="0"/>
@@ -11592,13 +10792,7 @@
       </p:grpSp>
       <p:grpSp>
         <p:nvGrpSpPr>
-          <p:cNvPr id="55" name="Group 54">
-            <a:extLst>
-              <a:ext uri="{FF2B5EF4-FFF2-40B4-BE49-F238E27FC236}">
-                <a16:creationId xmlns:a16="http://schemas.microsoft.com/office/drawing/2014/main" id="{F00A67C9-4929-4EFF-9CB6-292640CD2738}"/>
-              </a:ext>
-            </a:extLst>
-          </p:cNvPr>
+          <p:cNvPr id="55" name="Group 54"/>
           <p:cNvGrpSpPr/>
           <p:nvPr/>
         </p:nvGrpSpPr>
@@ -11612,13 +10806,7 @@
         </p:grpSpPr>
         <p:sp>
           <p:nvSpPr>
-            <p:cNvPr id="56" name="Rectangle 55">
-              <a:extLst>
-                <a:ext uri="{FF2B5EF4-FFF2-40B4-BE49-F238E27FC236}">
-                  <a16:creationId xmlns:a16="http://schemas.microsoft.com/office/drawing/2014/main" id="{3E8CDB02-4760-4298-BC44-93A18EB02F13}"/>
-                </a:ext>
-              </a:extLst>
-            </p:cNvPr>
+            <p:cNvPr id="56" name="Rectangle 55"/>
             <p:cNvSpPr/>
             <p:nvPr/>
           </p:nvSpPr>
@@ -11673,13 +10861,7 @@
         </p:sp>
         <p:sp>
           <p:nvSpPr>
-            <p:cNvPr id="57" name="Freeform: Shape 56">
-              <a:extLst>
-                <a:ext uri="{FF2B5EF4-FFF2-40B4-BE49-F238E27FC236}">
-                  <a16:creationId xmlns:a16="http://schemas.microsoft.com/office/drawing/2014/main" id="{57C0FD50-5E69-463E-A01B-65E9D864A386}"/>
-                </a:ext>
-              </a:extLst>
-            </p:cNvPr>
+            <p:cNvPr id="57" name="Freeform: Shape 56"/>
             <p:cNvSpPr/>
             <p:nvPr/>
           </p:nvSpPr>
@@ -11780,13 +10962,7 @@
         </p:sp>
         <p:sp>
           <p:nvSpPr>
-            <p:cNvPr id="58" name="TextBox 57">
-              <a:extLst>
-                <a:ext uri="{FF2B5EF4-FFF2-40B4-BE49-F238E27FC236}">
-                  <a16:creationId xmlns:a16="http://schemas.microsoft.com/office/drawing/2014/main" id="{04CBFB1D-37FD-419F-B98C-860BF5217905}"/>
-                </a:ext>
-              </a:extLst>
-            </p:cNvPr>
+            <p:cNvPr id="58" name="TextBox 57"/>
             <p:cNvSpPr txBox="1"/>
             <p:nvPr/>
           </p:nvSpPr>
@@ -11827,20 +11003,14 @@
         </p:sp>
         <p:pic>
           <p:nvPicPr>
-            <p:cNvPr id="59" name="Picture 58">
-              <a:extLst>
-                <a:ext uri="{FF2B5EF4-FFF2-40B4-BE49-F238E27FC236}">
-                  <a16:creationId xmlns:a16="http://schemas.microsoft.com/office/drawing/2014/main" id="{60B383F7-52C5-4FB7-AEC3-35A48D7354A0}"/>
-                </a:ext>
-              </a:extLst>
-            </p:cNvPr>
+            <p:cNvPr id="59" name="Picture 58"/>
             <p:cNvPicPr>
               <a:picLocks noChangeAspect="1"/>
             </p:cNvPicPr>
             <p:nvPr/>
           </p:nvPicPr>
           <p:blipFill>
-            <a:blip r:embed="rId2" cstate="print">
+            <a:blip r:embed="rId1" cstate="print">
               <a:extLst>
                 <a:ext uri="{28A0092B-C50C-407E-A947-70E740481C1C}">
                   <a14:useLocalDpi xmlns:a14="http://schemas.microsoft.com/office/drawing/2010/main" val="0"/>
@@ -11864,13 +11034,7 @@
       </p:grpSp>
       <p:grpSp>
         <p:nvGrpSpPr>
-          <p:cNvPr id="60" name="Group 59">
-            <a:extLst>
-              <a:ext uri="{FF2B5EF4-FFF2-40B4-BE49-F238E27FC236}">
-                <a16:creationId xmlns:a16="http://schemas.microsoft.com/office/drawing/2014/main" id="{6F7667A6-1C16-4F0A-A162-61BD16E6BE6B}"/>
-              </a:ext>
-            </a:extLst>
-          </p:cNvPr>
+          <p:cNvPr id="60" name="Group 59"/>
           <p:cNvGrpSpPr/>
           <p:nvPr/>
         </p:nvGrpSpPr>
@@ -11884,13 +11048,7 @@
         </p:grpSpPr>
         <p:sp>
           <p:nvSpPr>
-            <p:cNvPr id="61" name="Rectangle 60">
-              <a:extLst>
-                <a:ext uri="{FF2B5EF4-FFF2-40B4-BE49-F238E27FC236}">
-                  <a16:creationId xmlns:a16="http://schemas.microsoft.com/office/drawing/2014/main" id="{0E8C29A9-4AAB-442C-A7A4-40DCCE0A9694}"/>
-                </a:ext>
-              </a:extLst>
-            </p:cNvPr>
+            <p:cNvPr id="61" name="Rectangle 60"/>
             <p:cNvSpPr/>
             <p:nvPr/>
           </p:nvSpPr>
@@ -11945,13 +11103,7 @@
         </p:sp>
         <p:sp>
           <p:nvSpPr>
-            <p:cNvPr id="62" name="Freeform: Shape 61">
-              <a:extLst>
-                <a:ext uri="{FF2B5EF4-FFF2-40B4-BE49-F238E27FC236}">
-                  <a16:creationId xmlns:a16="http://schemas.microsoft.com/office/drawing/2014/main" id="{81520FE7-5699-4290-9C3C-51E0C60ECC6B}"/>
-                </a:ext>
-              </a:extLst>
-            </p:cNvPr>
+            <p:cNvPr id="62" name="Freeform: Shape 61"/>
             <p:cNvSpPr/>
             <p:nvPr/>
           </p:nvSpPr>
@@ -12052,13 +11204,7 @@
         </p:sp>
         <p:sp>
           <p:nvSpPr>
-            <p:cNvPr id="63" name="TextBox 62">
-              <a:extLst>
-                <a:ext uri="{FF2B5EF4-FFF2-40B4-BE49-F238E27FC236}">
-                  <a16:creationId xmlns:a16="http://schemas.microsoft.com/office/drawing/2014/main" id="{AFD50D6F-822B-4109-8B0C-BA004A0B7145}"/>
-                </a:ext>
-              </a:extLst>
-            </p:cNvPr>
+            <p:cNvPr id="63" name="TextBox 62"/>
             <p:cNvSpPr txBox="1"/>
             <p:nvPr/>
           </p:nvSpPr>
@@ -12108,20 +11254,14 @@
         </p:sp>
         <p:pic>
           <p:nvPicPr>
-            <p:cNvPr id="64" name="Picture 63">
-              <a:extLst>
-                <a:ext uri="{FF2B5EF4-FFF2-40B4-BE49-F238E27FC236}">
-                  <a16:creationId xmlns:a16="http://schemas.microsoft.com/office/drawing/2014/main" id="{0376C61F-147B-441E-B32E-45D5BC1B66B5}"/>
-                </a:ext>
-              </a:extLst>
-            </p:cNvPr>
+            <p:cNvPr id="64" name="Picture 63"/>
             <p:cNvPicPr>
               <a:picLocks noChangeAspect="1"/>
             </p:cNvPicPr>
             <p:nvPr/>
           </p:nvPicPr>
           <p:blipFill>
-            <a:blip r:embed="rId2" cstate="print">
+            <a:blip r:embed="rId1" cstate="print">
               <a:extLst>
                 <a:ext uri="{28A0092B-C50C-407E-A947-70E740481C1C}">
                   <a14:useLocalDpi xmlns:a14="http://schemas.microsoft.com/office/drawing/2010/main" val="0"/>
@@ -12145,13 +11285,7 @@
       </p:grpSp>
       <p:sp>
         <p:nvSpPr>
-          <p:cNvPr id="70" name="Rectangle 69">
-            <a:extLst>
-              <a:ext uri="{FF2B5EF4-FFF2-40B4-BE49-F238E27FC236}">
-                <a16:creationId xmlns:a16="http://schemas.microsoft.com/office/drawing/2014/main" id="{990CE96C-B0E8-49CB-B717-EBFFECB66027}"/>
-              </a:ext>
-            </a:extLst>
-          </p:cNvPr>
+          <p:cNvPr id="70" name="Rectangle 69"/>
           <p:cNvSpPr/>
           <p:nvPr/>
         </p:nvSpPr>
@@ -12206,13 +11340,7 @@
       </p:sp>
       <p:grpSp>
         <p:nvGrpSpPr>
-          <p:cNvPr id="95" name="Group 94">
-            <a:extLst>
-              <a:ext uri="{FF2B5EF4-FFF2-40B4-BE49-F238E27FC236}">
-                <a16:creationId xmlns:a16="http://schemas.microsoft.com/office/drawing/2014/main" id="{4E70D3F9-D583-4ACD-8480-0F4A65ED3C83}"/>
-              </a:ext>
-            </a:extLst>
-          </p:cNvPr>
+          <p:cNvPr id="95" name="Group 94"/>
           <p:cNvGrpSpPr/>
           <p:nvPr/>
         </p:nvGrpSpPr>
@@ -12226,13 +11354,7 @@
         </p:grpSpPr>
         <p:sp>
           <p:nvSpPr>
-            <p:cNvPr id="96" name="Rectangle 95">
-              <a:extLst>
-                <a:ext uri="{FF2B5EF4-FFF2-40B4-BE49-F238E27FC236}">
-                  <a16:creationId xmlns:a16="http://schemas.microsoft.com/office/drawing/2014/main" id="{321108FC-08B5-45CC-AB47-1104119B25FD}"/>
-                </a:ext>
-              </a:extLst>
-            </p:cNvPr>
+            <p:cNvPr id="96" name="Rectangle 95"/>
             <p:cNvSpPr/>
             <p:nvPr/>
           </p:nvSpPr>
@@ -12287,13 +11409,7 @@
         </p:sp>
         <p:sp>
           <p:nvSpPr>
-            <p:cNvPr id="97" name="Freeform: Shape 96">
-              <a:extLst>
-                <a:ext uri="{FF2B5EF4-FFF2-40B4-BE49-F238E27FC236}">
-                  <a16:creationId xmlns:a16="http://schemas.microsoft.com/office/drawing/2014/main" id="{96A47C8C-7F88-484E-817B-572BEDC2BC69}"/>
-                </a:ext>
-              </a:extLst>
-            </p:cNvPr>
+            <p:cNvPr id="97" name="Freeform: Shape 96"/>
             <p:cNvSpPr/>
             <p:nvPr/>
           </p:nvSpPr>
@@ -12394,13 +11510,7 @@
         </p:sp>
         <p:sp>
           <p:nvSpPr>
-            <p:cNvPr id="98" name="TextBox 97">
-              <a:extLst>
-                <a:ext uri="{FF2B5EF4-FFF2-40B4-BE49-F238E27FC236}">
-                  <a16:creationId xmlns:a16="http://schemas.microsoft.com/office/drawing/2014/main" id="{E3DB5570-AC77-4396-9748-4183DF7C8396}"/>
-                </a:ext>
-              </a:extLst>
-            </p:cNvPr>
+            <p:cNvPr id="98" name="TextBox 97"/>
             <p:cNvSpPr txBox="1"/>
             <p:nvPr/>
           </p:nvSpPr>
@@ -12450,20 +11560,14 @@
         </p:sp>
         <p:pic>
           <p:nvPicPr>
-            <p:cNvPr id="99" name="Picture 98">
-              <a:extLst>
-                <a:ext uri="{FF2B5EF4-FFF2-40B4-BE49-F238E27FC236}">
-                  <a16:creationId xmlns:a16="http://schemas.microsoft.com/office/drawing/2014/main" id="{F6ED4041-CDD9-443D-802E-47D4387906FA}"/>
-                </a:ext>
-              </a:extLst>
-            </p:cNvPr>
+            <p:cNvPr id="99" name="Picture 98"/>
             <p:cNvPicPr>
               <a:picLocks noChangeAspect="1"/>
             </p:cNvPicPr>
             <p:nvPr/>
           </p:nvPicPr>
           <p:blipFill>
-            <a:blip r:embed="rId2" cstate="print">
+            <a:blip r:embed="rId1" cstate="print">
               <a:extLst>
                 <a:ext uri="{28A0092B-C50C-407E-A947-70E740481C1C}">
                   <a14:useLocalDpi xmlns:a14="http://schemas.microsoft.com/office/drawing/2010/main" val="0"/>
@@ -12487,13 +11591,7 @@
       </p:grpSp>
       <p:grpSp>
         <p:nvGrpSpPr>
-          <p:cNvPr id="71" name="Group 70">
-            <a:extLst>
-              <a:ext uri="{FF2B5EF4-FFF2-40B4-BE49-F238E27FC236}">
-                <a16:creationId xmlns:a16="http://schemas.microsoft.com/office/drawing/2014/main" id="{E7044FAB-DB4A-4E59-B111-8CA4168E7FA4}"/>
-              </a:ext>
-            </a:extLst>
-          </p:cNvPr>
+          <p:cNvPr id="71" name="Group 70"/>
           <p:cNvGrpSpPr/>
           <p:nvPr/>
         </p:nvGrpSpPr>
@@ -12507,13 +11605,7 @@
         </p:grpSpPr>
         <p:sp>
           <p:nvSpPr>
-            <p:cNvPr id="72" name="Rectangle 71">
-              <a:extLst>
-                <a:ext uri="{FF2B5EF4-FFF2-40B4-BE49-F238E27FC236}">
-                  <a16:creationId xmlns:a16="http://schemas.microsoft.com/office/drawing/2014/main" id="{824F072A-08CC-4CC6-B5EF-C1833A244FA3}"/>
-                </a:ext>
-              </a:extLst>
-            </p:cNvPr>
+            <p:cNvPr id="72" name="Rectangle 71"/>
             <p:cNvSpPr/>
             <p:nvPr/>
           </p:nvSpPr>
@@ -12568,13 +11660,7 @@
         </p:sp>
         <p:sp>
           <p:nvSpPr>
-            <p:cNvPr id="73" name="Freeform: Shape 72">
-              <a:extLst>
-                <a:ext uri="{FF2B5EF4-FFF2-40B4-BE49-F238E27FC236}">
-                  <a16:creationId xmlns:a16="http://schemas.microsoft.com/office/drawing/2014/main" id="{A3C6C4A9-8B6A-429B-980E-26CD0C3A573E}"/>
-                </a:ext>
-              </a:extLst>
-            </p:cNvPr>
+            <p:cNvPr id="73" name="Freeform: Shape 72"/>
             <p:cNvSpPr/>
             <p:nvPr/>
           </p:nvSpPr>
@@ -12675,13 +11761,7 @@
         </p:sp>
         <p:sp>
           <p:nvSpPr>
-            <p:cNvPr id="74" name="TextBox 73">
-              <a:extLst>
-                <a:ext uri="{FF2B5EF4-FFF2-40B4-BE49-F238E27FC236}">
-                  <a16:creationId xmlns:a16="http://schemas.microsoft.com/office/drawing/2014/main" id="{858AC381-BFD1-4A89-AE49-8ADC853A6849}"/>
-                </a:ext>
-              </a:extLst>
-            </p:cNvPr>
+            <p:cNvPr id="74" name="TextBox 73"/>
             <p:cNvSpPr txBox="1"/>
             <p:nvPr/>
           </p:nvSpPr>
@@ -12711,6 +11791,12 @@
                 </a:rPr>
                 <a:t>Extracting Error Log from NDR</a:t>
               </a:r>
+              <a:endParaRPr lang="en-GB" sz="2000" b="1" dirty="0">
+                <a:solidFill>
+                  <a:srgbClr val="F0EEF0"/>
+                </a:solidFill>
+                <a:latin typeface="Tw Cen MT" panose="020B0602020104020603" pitchFamily="34" charset="0"/>
+              </a:endParaRPr>
             </a:p>
             <a:p>
               <a:pPr algn="ctr"/>
@@ -12725,20 +11811,14 @@
         </p:sp>
         <p:pic>
           <p:nvPicPr>
-            <p:cNvPr id="75" name="Picture 74">
-              <a:extLst>
-                <a:ext uri="{FF2B5EF4-FFF2-40B4-BE49-F238E27FC236}">
-                  <a16:creationId xmlns:a16="http://schemas.microsoft.com/office/drawing/2014/main" id="{9DF2E944-82FA-495B-8A5C-9BDE26355383}"/>
-                </a:ext>
-              </a:extLst>
-            </p:cNvPr>
+            <p:cNvPr id="75" name="Picture 74"/>
             <p:cNvPicPr>
               <a:picLocks noChangeAspect="1"/>
             </p:cNvPicPr>
             <p:nvPr/>
           </p:nvPicPr>
           <p:blipFill>
-            <a:blip r:embed="rId2" cstate="print">
+            <a:blip r:embed="rId1" cstate="print">
               <a:extLst>
                 <a:ext uri="{28A0092B-C50C-407E-A947-70E740481C1C}">
                   <a14:useLocalDpi xmlns:a14="http://schemas.microsoft.com/office/drawing/2010/main" val="0"/>
@@ -12762,13 +11842,7 @@
       </p:grpSp>
       <p:grpSp>
         <p:nvGrpSpPr>
-          <p:cNvPr id="76" name="Group 75">
-            <a:extLst>
-              <a:ext uri="{FF2B5EF4-FFF2-40B4-BE49-F238E27FC236}">
-                <a16:creationId xmlns:a16="http://schemas.microsoft.com/office/drawing/2014/main" id="{60E31D48-090A-4A9C-AF5C-4B0C49C47C7D}"/>
-              </a:ext>
-            </a:extLst>
-          </p:cNvPr>
+          <p:cNvPr id="76" name="Group 75"/>
           <p:cNvGrpSpPr/>
           <p:nvPr/>
         </p:nvGrpSpPr>
@@ -12782,13 +11856,7 @@
         </p:grpSpPr>
         <p:sp>
           <p:nvSpPr>
-            <p:cNvPr id="77" name="Rectangle 76">
-              <a:extLst>
-                <a:ext uri="{FF2B5EF4-FFF2-40B4-BE49-F238E27FC236}">
-                  <a16:creationId xmlns:a16="http://schemas.microsoft.com/office/drawing/2014/main" id="{3A79A714-CB74-4EFD-9BC1-A7F2F993842A}"/>
-                </a:ext>
-              </a:extLst>
-            </p:cNvPr>
+            <p:cNvPr id="77" name="Rectangle 76"/>
             <p:cNvSpPr/>
             <p:nvPr/>
           </p:nvSpPr>
@@ -12843,13 +11911,7 @@
         </p:sp>
         <p:sp>
           <p:nvSpPr>
-            <p:cNvPr id="78" name="Freeform: Shape 77">
-              <a:extLst>
-                <a:ext uri="{FF2B5EF4-FFF2-40B4-BE49-F238E27FC236}">
-                  <a16:creationId xmlns:a16="http://schemas.microsoft.com/office/drawing/2014/main" id="{B006C60A-833A-41C2-A553-8132E7B3A7DB}"/>
-                </a:ext>
-              </a:extLst>
-            </p:cNvPr>
+            <p:cNvPr id="78" name="Freeform: Shape 77"/>
             <p:cNvSpPr/>
             <p:nvPr/>
           </p:nvSpPr>
@@ -12950,13 +12012,7 @@
         </p:sp>
         <p:sp>
           <p:nvSpPr>
-            <p:cNvPr id="79" name="TextBox 78">
-              <a:extLst>
-                <a:ext uri="{FF2B5EF4-FFF2-40B4-BE49-F238E27FC236}">
-                  <a16:creationId xmlns:a16="http://schemas.microsoft.com/office/drawing/2014/main" id="{95AECC6C-A520-4756-9163-08D14835D791}"/>
-                </a:ext>
-              </a:extLst>
-            </p:cNvPr>
+            <p:cNvPr id="79" name="TextBox 78"/>
             <p:cNvSpPr txBox="1"/>
             <p:nvPr/>
           </p:nvSpPr>
@@ -12997,20 +12053,14 @@
         </p:sp>
         <p:pic>
           <p:nvPicPr>
-            <p:cNvPr id="80" name="Picture 79">
-              <a:extLst>
-                <a:ext uri="{FF2B5EF4-FFF2-40B4-BE49-F238E27FC236}">
-                  <a16:creationId xmlns:a16="http://schemas.microsoft.com/office/drawing/2014/main" id="{0F8A56B9-A504-4035-8439-53ED4617B8B4}"/>
-                </a:ext>
-              </a:extLst>
-            </p:cNvPr>
+            <p:cNvPr id="80" name="Picture 79"/>
             <p:cNvPicPr>
               <a:picLocks noChangeAspect="1"/>
             </p:cNvPicPr>
             <p:nvPr/>
           </p:nvPicPr>
           <p:blipFill>
-            <a:blip r:embed="rId2" cstate="print">
+            <a:blip r:embed="rId1" cstate="print">
               <a:extLst>
                 <a:ext uri="{28A0092B-C50C-407E-A947-70E740481C1C}">
                   <a14:useLocalDpi xmlns:a14="http://schemas.microsoft.com/office/drawing/2010/main" val="0"/>
@@ -13034,13 +12084,7 @@
       </p:grpSp>
       <p:sp>
         <p:nvSpPr>
-          <p:cNvPr id="101" name="Oval 100">
-            <a:extLst>
-              <a:ext uri="{FF2B5EF4-FFF2-40B4-BE49-F238E27FC236}">
-                <a16:creationId xmlns:a16="http://schemas.microsoft.com/office/drawing/2014/main" id="{8A4AD62D-BD7E-415D-B725-6AC37487928F}"/>
-              </a:ext>
-            </a:extLst>
-          </p:cNvPr>
+          <p:cNvPr id="101" name="Oval 100"/>
           <p:cNvSpPr/>
           <p:nvPr/>
         </p:nvSpPr>
@@ -13120,6 +12164,7 @@
               <a:rPr lang="en-GB" sz="1600" b="1" dirty="0"/>
               <a:t>Days Of ARV Refill </a:t>
             </a:r>
+            <a:endParaRPr lang="en-GB" sz="1600" b="1" dirty="0"/>
           </a:p>
           <a:p>
             <a:pPr>
@@ -13132,13 +12177,7 @@
       </p:sp>
       <p:sp>
         <p:nvSpPr>
-          <p:cNvPr id="104" name="Oval 103">
-            <a:extLst>
-              <a:ext uri="{FF2B5EF4-FFF2-40B4-BE49-F238E27FC236}">
-                <a16:creationId xmlns:a16="http://schemas.microsoft.com/office/drawing/2014/main" id="{8106C475-63FF-4B88-9037-7D4296DCF408}"/>
-              </a:ext>
-            </a:extLst>
-          </p:cNvPr>
+          <p:cNvPr id="104" name="Oval 103"/>
           <p:cNvSpPr/>
           <p:nvPr/>
         </p:nvSpPr>
@@ -13184,13 +12223,7 @@
       </p:sp>
       <p:grpSp>
         <p:nvGrpSpPr>
-          <p:cNvPr id="109" name="Group 108">
-            <a:extLst>
-              <a:ext uri="{FF2B5EF4-FFF2-40B4-BE49-F238E27FC236}">
-                <a16:creationId xmlns:a16="http://schemas.microsoft.com/office/drawing/2014/main" id="{FFECBB9F-A6DA-4867-8BFF-1EB9CC0E78D3}"/>
-              </a:ext>
-            </a:extLst>
-          </p:cNvPr>
+          <p:cNvPr id="109" name="Group 108"/>
           <p:cNvGrpSpPr/>
           <p:nvPr/>
         </p:nvGrpSpPr>
@@ -13204,13 +12237,7 @@
         </p:grpSpPr>
         <p:sp>
           <p:nvSpPr>
-            <p:cNvPr id="110" name="Oval 109">
-              <a:extLst>
-                <a:ext uri="{FF2B5EF4-FFF2-40B4-BE49-F238E27FC236}">
-                  <a16:creationId xmlns:a16="http://schemas.microsoft.com/office/drawing/2014/main" id="{758FFA05-60D3-49D7-AD33-70C14A462582}"/>
-                </a:ext>
-              </a:extLst>
-            </p:cNvPr>
+            <p:cNvPr id="110" name="Oval 109"/>
             <p:cNvSpPr/>
             <p:nvPr/>
           </p:nvSpPr>
@@ -13256,13 +12283,7 @@
         </p:sp>
         <p:sp>
           <p:nvSpPr>
-            <p:cNvPr id="111" name="TextBox 110">
-              <a:extLst>
-                <a:ext uri="{FF2B5EF4-FFF2-40B4-BE49-F238E27FC236}">
-                  <a16:creationId xmlns:a16="http://schemas.microsoft.com/office/drawing/2014/main" id="{6F674720-AA72-463C-A9F5-CC05A31FD455}"/>
-                </a:ext>
-              </a:extLst>
-            </p:cNvPr>
+            <p:cNvPr id="111" name="TextBox 110"/>
             <p:cNvSpPr txBox="1"/>
             <p:nvPr/>
           </p:nvSpPr>
@@ -13292,19 +12313,19 @@
                 </a:rPr>
                 <a:t>01</a:t>
               </a:r>
+              <a:endParaRPr lang="en-US" b="1" dirty="0">
+                <a:solidFill>
+                  <a:srgbClr val="E6E7E9"/>
+                </a:solidFill>
+                <a:latin typeface="Tw Cen MT" panose="020B0602020104020603" pitchFamily="34" charset="0"/>
+              </a:endParaRPr>
             </a:p>
           </p:txBody>
         </p:sp>
       </p:grpSp>
       <p:grpSp>
         <p:nvGrpSpPr>
-          <p:cNvPr id="112" name="Group 111">
-            <a:extLst>
-              <a:ext uri="{FF2B5EF4-FFF2-40B4-BE49-F238E27FC236}">
-                <a16:creationId xmlns:a16="http://schemas.microsoft.com/office/drawing/2014/main" id="{F148DB69-DF3E-4C33-B538-AF9F73BD860D}"/>
-              </a:ext>
-            </a:extLst>
-          </p:cNvPr>
+          <p:cNvPr id="112" name="Group 111"/>
           <p:cNvGrpSpPr/>
           <p:nvPr/>
         </p:nvGrpSpPr>
@@ -13318,13 +12339,7 @@
         </p:grpSpPr>
         <p:sp>
           <p:nvSpPr>
-            <p:cNvPr id="113" name="Oval 112">
-              <a:extLst>
-                <a:ext uri="{FF2B5EF4-FFF2-40B4-BE49-F238E27FC236}">
-                  <a16:creationId xmlns:a16="http://schemas.microsoft.com/office/drawing/2014/main" id="{AECF5359-B27A-4EA4-9470-E15A636740F1}"/>
-                </a:ext>
-              </a:extLst>
-            </p:cNvPr>
+            <p:cNvPr id="113" name="Oval 112"/>
             <p:cNvSpPr/>
             <p:nvPr/>
           </p:nvSpPr>
@@ -13370,13 +12385,7 @@
         </p:sp>
         <p:sp>
           <p:nvSpPr>
-            <p:cNvPr id="114" name="TextBox 113">
-              <a:extLst>
-                <a:ext uri="{FF2B5EF4-FFF2-40B4-BE49-F238E27FC236}">
-                  <a16:creationId xmlns:a16="http://schemas.microsoft.com/office/drawing/2014/main" id="{45730238-5131-470C-B8FC-1D599D94B747}"/>
-                </a:ext>
-              </a:extLst>
-            </p:cNvPr>
+            <p:cNvPr id="114" name="TextBox 113"/>
             <p:cNvSpPr txBox="1"/>
             <p:nvPr/>
           </p:nvSpPr>
@@ -13406,6 +12415,12 @@
                 </a:rPr>
                 <a:t>02</a:t>
               </a:r>
+              <a:endParaRPr lang="en-US" b="1" dirty="0">
+                <a:solidFill>
+                  <a:srgbClr val="E6E7E9"/>
+                </a:solidFill>
+                <a:latin typeface="Tw Cen MT" panose="020B0602020104020603" pitchFamily="34" charset="0"/>
+              </a:endParaRPr>
             </a:p>
           </p:txBody>
         </p:sp>
@@ -13523,22 +12538,17 @@
         </p:txBody>
       </p:sp>
     </p:spTree>
-    <p:extLst>
-      <p:ext uri="{BB962C8B-B14F-4D97-AF65-F5344CB8AC3E}">
-        <p14:creationId xmlns:p14="http://schemas.microsoft.com/office/powerpoint/2010/main" val="2401694834"/>
-      </p:ext>
-    </p:extLst>
   </p:cSld>
   <p:clrMapOvr>
     <a:masterClrMapping/>
   </p:clrMapOvr>
   <mc:AlternateContent xmlns:mc="http://schemas.openxmlformats.org/markup-compatibility/2006" xmlns:p159="http://schemas.microsoft.com/office/powerpoint/2015/09/main">
     <mc:Choice Requires="p159">
-      <p:transition spd="med">
+      <p:transition xmlns:p14="http://schemas.microsoft.com/office/powerpoint/2010/main" spd="med">
         <p159:morph option="byObject"/>
       </p:transition>
     </mc:Choice>
-    <mc:Fallback xmlns="">
+    <mc:Fallback>
       <p:transition spd="med">
         <p:fade/>
       </p:transition>
@@ -13788,13 +12798,7 @@
       </p:grpSpPr>
       <p:grpSp>
         <p:nvGrpSpPr>
-          <p:cNvPr id="50" name="Group 49">
-            <a:extLst>
-              <a:ext uri="{FF2B5EF4-FFF2-40B4-BE49-F238E27FC236}">
-                <a16:creationId xmlns:a16="http://schemas.microsoft.com/office/drawing/2014/main" id="{10781169-B7A4-446E-BD33-B9650367A7F9}"/>
-              </a:ext>
-            </a:extLst>
-          </p:cNvPr>
+          <p:cNvPr id="50" name="Group 49"/>
           <p:cNvGrpSpPr/>
           <p:nvPr/>
         </p:nvGrpSpPr>
@@ -13808,13 +12812,7 @@
         </p:grpSpPr>
         <p:sp>
           <p:nvSpPr>
-            <p:cNvPr id="51" name="Rectangle 50">
-              <a:extLst>
-                <a:ext uri="{FF2B5EF4-FFF2-40B4-BE49-F238E27FC236}">
-                  <a16:creationId xmlns:a16="http://schemas.microsoft.com/office/drawing/2014/main" id="{CED3AF08-30FC-4AFF-9C5C-99D0A7099514}"/>
-                </a:ext>
-              </a:extLst>
-            </p:cNvPr>
+            <p:cNvPr id="51" name="Rectangle 50"/>
             <p:cNvSpPr/>
             <p:nvPr/>
           </p:nvSpPr>
@@ -13869,13 +12867,7 @@
         </p:sp>
         <p:sp>
           <p:nvSpPr>
-            <p:cNvPr id="52" name="Freeform: Shape 51">
-              <a:extLst>
-                <a:ext uri="{FF2B5EF4-FFF2-40B4-BE49-F238E27FC236}">
-                  <a16:creationId xmlns:a16="http://schemas.microsoft.com/office/drawing/2014/main" id="{99AF1FBA-9557-484A-B305-EE590A192E96}"/>
-                </a:ext>
-              </a:extLst>
-            </p:cNvPr>
+            <p:cNvPr id="52" name="Freeform: Shape 51"/>
             <p:cNvSpPr/>
             <p:nvPr/>
           </p:nvSpPr>
@@ -13976,13 +12968,7 @@
         </p:sp>
         <p:sp>
           <p:nvSpPr>
-            <p:cNvPr id="53" name="TextBox 52">
-              <a:extLst>
-                <a:ext uri="{FF2B5EF4-FFF2-40B4-BE49-F238E27FC236}">
-                  <a16:creationId xmlns:a16="http://schemas.microsoft.com/office/drawing/2014/main" id="{407E3AA2-679E-4924-AC1B-FE6C3A02C251}"/>
-                </a:ext>
-              </a:extLst>
-            </p:cNvPr>
+            <p:cNvPr id="53" name="TextBox 52"/>
             <p:cNvSpPr txBox="1"/>
             <p:nvPr/>
           </p:nvSpPr>
@@ -14030,20 +13016,14 @@
         </p:sp>
         <p:pic>
           <p:nvPicPr>
-            <p:cNvPr id="54" name="Picture 53">
-              <a:extLst>
-                <a:ext uri="{FF2B5EF4-FFF2-40B4-BE49-F238E27FC236}">
-                  <a16:creationId xmlns:a16="http://schemas.microsoft.com/office/drawing/2014/main" id="{CD9846FC-755F-4A0E-BAD3-A5D51C0E1EBE}"/>
-                </a:ext>
-              </a:extLst>
-            </p:cNvPr>
+            <p:cNvPr id="54" name="Picture 53"/>
             <p:cNvPicPr>
               <a:picLocks noChangeAspect="1"/>
             </p:cNvPicPr>
             <p:nvPr/>
           </p:nvPicPr>
           <p:blipFill>
-            <a:blip r:embed="rId2" cstate="print">
+            <a:blip r:embed="rId1" cstate="print">
               <a:extLst>
                 <a:ext uri="{28A0092B-C50C-407E-A947-70E740481C1C}">
                   <a14:useLocalDpi xmlns:a14="http://schemas.microsoft.com/office/drawing/2010/main" val="0"/>
@@ -14067,13 +13047,7 @@
       </p:grpSp>
       <p:grpSp>
         <p:nvGrpSpPr>
-          <p:cNvPr id="55" name="Group 54">
-            <a:extLst>
-              <a:ext uri="{FF2B5EF4-FFF2-40B4-BE49-F238E27FC236}">
-                <a16:creationId xmlns:a16="http://schemas.microsoft.com/office/drawing/2014/main" id="{F00A67C9-4929-4EFF-9CB6-292640CD2738}"/>
-              </a:ext>
-            </a:extLst>
-          </p:cNvPr>
+          <p:cNvPr id="55" name="Group 54"/>
           <p:cNvGrpSpPr/>
           <p:nvPr/>
         </p:nvGrpSpPr>
@@ -14087,13 +13061,7 @@
         </p:grpSpPr>
         <p:sp>
           <p:nvSpPr>
-            <p:cNvPr id="56" name="Rectangle 55">
-              <a:extLst>
-                <a:ext uri="{FF2B5EF4-FFF2-40B4-BE49-F238E27FC236}">
-                  <a16:creationId xmlns:a16="http://schemas.microsoft.com/office/drawing/2014/main" id="{3E8CDB02-4760-4298-BC44-93A18EB02F13}"/>
-                </a:ext>
-              </a:extLst>
-            </p:cNvPr>
+            <p:cNvPr id="56" name="Rectangle 55"/>
             <p:cNvSpPr/>
             <p:nvPr/>
           </p:nvSpPr>
@@ -14148,13 +13116,7 @@
         </p:sp>
         <p:sp>
           <p:nvSpPr>
-            <p:cNvPr id="57" name="Freeform: Shape 56">
-              <a:extLst>
-                <a:ext uri="{FF2B5EF4-FFF2-40B4-BE49-F238E27FC236}">
-                  <a16:creationId xmlns:a16="http://schemas.microsoft.com/office/drawing/2014/main" id="{57C0FD50-5E69-463E-A01B-65E9D864A386}"/>
-                </a:ext>
-              </a:extLst>
-            </p:cNvPr>
+            <p:cNvPr id="57" name="Freeform: Shape 56"/>
             <p:cNvSpPr/>
             <p:nvPr/>
           </p:nvSpPr>
@@ -14255,13 +13217,7 @@
         </p:sp>
         <p:sp>
           <p:nvSpPr>
-            <p:cNvPr id="58" name="TextBox 57">
-              <a:extLst>
-                <a:ext uri="{FF2B5EF4-FFF2-40B4-BE49-F238E27FC236}">
-                  <a16:creationId xmlns:a16="http://schemas.microsoft.com/office/drawing/2014/main" id="{04CBFB1D-37FD-419F-B98C-860BF5217905}"/>
-                </a:ext>
-              </a:extLst>
-            </p:cNvPr>
+            <p:cNvPr id="58" name="TextBox 57"/>
             <p:cNvSpPr txBox="1"/>
             <p:nvPr/>
           </p:nvSpPr>
@@ -14302,20 +13258,14 @@
         </p:sp>
         <p:pic>
           <p:nvPicPr>
-            <p:cNvPr id="59" name="Picture 58">
-              <a:extLst>
-                <a:ext uri="{FF2B5EF4-FFF2-40B4-BE49-F238E27FC236}">
-                  <a16:creationId xmlns:a16="http://schemas.microsoft.com/office/drawing/2014/main" id="{60B383F7-52C5-4FB7-AEC3-35A48D7354A0}"/>
-                </a:ext>
-              </a:extLst>
-            </p:cNvPr>
+            <p:cNvPr id="59" name="Picture 58"/>
             <p:cNvPicPr>
               <a:picLocks noChangeAspect="1"/>
             </p:cNvPicPr>
             <p:nvPr/>
           </p:nvPicPr>
           <p:blipFill>
-            <a:blip r:embed="rId2" cstate="print">
+            <a:blip r:embed="rId1" cstate="print">
               <a:extLst>
                 <a:ext uri="{28A0092B-C50C-407E-A947-70E740481C1C}">
                   <a14:useLocalDpi xmlns:a14="http://schemas.microsoft.com/office/drawing/2010/main" val="0"/>
@@ -14339,13 +13289,7 @@
       </p:grpSp>
       <p:grpSp>
         <p:nvGrpSpPr>
-          <p:cNvPr id="60" name="Group 59">
-            <a:extLst>
-              <a:ext uri="{FF2B5EF4-FFF2-40B4-BE49-F238E27FC236}">
-                <a16:creationId xmlns:a16="http://schemas.microsoft.com/office/drawing/2014/main" id="{6F7667A6-1C16-4F0A-A162-61BD16E6BE6B}"/>
-              </a:ext>
-            </a:extLst>
-          </p:cNvPr>
+          <p:cNvPr id="60" name="Group 59"/>
           <p:cNvGrpSpPr/>
           <p:nvPr/>
         </p:nvGrpSpPr>
@@ -14359,13 +13303,7 @@
         </p:grpSpPr>
         <p:sp>
           <p:nvSpPr>
-            <p:cNvPr id="61" name="Rectangle 60">
-              <a:extLst>
-                <a:ext uri="{FF2B5EF4-FFF2-40B4-BE49-F238E27FC236}">
-                  <a16:creationId xmlns:a16="http://schemas.microsoft.com/office/drawing/2014/main" id="{0E8C29A9-4AAB-442C-A7A4-40DCCE0A9694}"/>
-                </a:ext>
-              </a:extLst>
-            </p:cNvPr>
+            <p:cNvPr id="61" name="Rectangle 60"/>
             <p:cNvSpPr/>
             <p:nvPr/>
           </p:nvSpPr>
@@ -14420,13 +13358,7 @@
         </p:sp>
         <p:sp>
           <p:nvSpPr>
-            <p:cNvPr id="62" name="Freeform: Shape 61">
-              <a:extLst>
-                <a:ext uri="{FF2B5EF4-FFF2-40B4-BE49-F238E27FC236}">
-                  <a16:creationId xmlns:a16="http://schemas.microsoft.com/office/drawing/2014/main" id="{81520FE7-5699-4290-9C3C-51E0C60ECC6B}"/>
-                </a:ext>
-              </a:extLst>
-            </p:cNvPr>
+            <p:cNvPr id="62" name="Freeform: Shape 61"/>
             <p:cNvSpPr/>
             <p:nvPr/>
           </p:nvSpPr>
@@ -14527,13 +13459,7 @@
         </p:sp>
         <p:sp>
           <p:nvSpPr>
-            <p:cNvPr id="63" name="TextBox 62">
-              <a:extLst>
-                <a:ext uri="{FF2B5EF4-FFF2-40B4-BE49-F238E27FC236}">
-                  <a16:creationId xmlns:a16="http://schemas.microsoft.com/office/drawing/2014/main" id="{AFD50D6F-822B-4109-8B0C-BA004A0B7145}"/>
-                </a:ext>
-              </a:extLst>
-            </p:cNvPr>
+            <p:cNvPr id="63" name="TextBox 62"/>
             <p:cNvSpPr txBox="1"/>
             <p:nvPr/>
           </p:nvSpPr>
@@ -14563,6 +13489,12 @@
                 </a:rPr>
                 <a:t>Data Quality Assurance</a:t>
               </a:r>
+              <a:endParaRPr lang="en-US" sz="2400" b="1" dirty="0">
+                <a:solidFill>
+                  <a:srgbClr val="F0EEF0"/>
+                </a:solidFill>
+                <a:latin typeface="Tw Cen MT" panose="020B0602020104020603" pitchFamily="34" charset="0"/>
+              </a:endParaRPr>
             </a:p>
             <a:p>
               <a:pPr algn="ctr"/>
@@ -14577,20 +13509,14 @@
         </p:sp>
         <p:pic>
           <p:nvPicPr>
-            <p:cNvPr id="64" name="Picture 63">
-              <a:extLst>
-                <a:ext uri="{FF2B5EF4-FFF2-40B4-BE49-F238E27FC236}">
-                  <a16:creationId xmlns:a16="http://schemas.microsoft.com/office/drawing/2014/main" id="{0376C61F-147B-441E-B32E-45D5BC1B66B5}"/>
-                </a:ext>
-              </a:extLst>
-            </p:cNvPr>
+            <p:cNvPr id="64" name="Picture 63"/>
             <p:cNvPicPr>
               <a:picLocks noChangeAspect="1"/>
             </p:cNvPicPr>
             <p:nvPr/>
           </p:nvPicPr>
           <p:blipFill>
-            <a:blip r:embed="rId2" cstate="print">
+            <a:blip r:embed="rId1" cstate="print">
               <a:extLst>
                 <a:ext uri="{28A0092B-C50C-407E-A947-70E740481C1C}">
                   <a14:useLocalDpi xmlns:a14="http://schemas.microsoft.com/office/drawing/2010/main" val="0"/>
@@ -14614,13 +13540,7 @@
       </p:grpSp>
       <p:sp>
         <p:nvSpPr>
-          <p:cNvPr id="70" name="Rectangle 69">
-            <a:extLst>
-              <a:ext uri="{FF2B5EF4-FFF2-40B4-BE49-F238E27FC236}">
-                <a16:creationId xmlns:a16="http://schemas.microsoft.com/office/drawing/2014/main" id="{990CE96C-B0E8-49CB-B717-EBFFECB66027}"/>
-              </a:ext>
-            </a:extLst>
-          </p:cNvPr>
+          <p:cNvPr id="70" name="Rectangle 69"/>
           <p:cNvSpPr/>
           <p:nvPr/>
         </p:nvSpPr>
@@ -14675,13 +13595,7 @@
       </p:sp>
       <p:grpSp>
         <p:nvGrpSpPr>
-          <p:cNvPr id="95" name="Group 94">
-            <a:extLst>
-              <a:ext uri="{FF2B5EF4-FFF2-40B4-BE49-F238E27FC236}">
-                <a16:creationId xmlns:a16="http://schemas.microsoft.com/office/drawing/2014/main" id="{4E70D3F9-D583-4ACD-8480-0F4A65ED3C83}"/>
-              </a:ext>
-            </a:extLst>
-          </p:cNvPr>
+          <p:cNvPr id="95" name="Group 94"/>
           <p:cNvGrpSpPr/>
           <p:nvPr/>
         </p:nvGrpSpPr>
@@ -14695,13 +13609,7 @@
         </p:grpSpPr>
         <p:sp>
           <p:nvSpPr>
-            <p:cNvPr id="96" name="Rectangle 95">
-              <a:extLst>
-                <a:ext uri="{FF2B5EF4-FFF2-40B4-BE49-F238E27FC236}">
-                  <a16:creationId xmlns:a16="http://schemas.microsoft.com/office/drawing/2014/main" id="{321108FC-08B5-45CC-AB47-1104119B25FD}"/>
-                </a:ext>
-              </a:extLst>
-            </p:cNvPr>
+            <p:cNvPr id="96" name="Rectangle 95"/>
             <p:cNvSpPr/>
             <p:nvPr/>
           </p:nvSpPr>
@@ -14756,13 +13664,7 @@
         </p:sp>
         <p:sp>
           <p:nvSpPr>
-            <p:cNvPr id="97" name="Freeform: Shape 96">
-              <a:extLst>
-                <a:ext uri="{FF2B5EF4-FFF2-40B4-BE49-F238E27FC236}">
-                  <a16:creationId xmlns:a16="http://schemas.microsoft.com/office/drawing/2014/main" id="{96A47C8C-7F88-484E-817B-572BEDC2BC69}"/>
-                </a:ext>
-              </a:extLst>
-            </p:cNvPr>
+            <p:cNvPr id="97" name="Freeform: Shape 96"/>
             <p:cNvSpPr/>
             <p:nvPr/>
           </p:nvSpPr>
@@ -14863,13 +13765,7 @@
         </p:sp>
         <p:sp>
           <p:nvSpPr>
-            <p:cNvPr id="98" name="TextBox 97">
-              <a:extLst>
-                <a:ext uri="{FF2B5EF4-FFF2-40B4-BE49-F238E27FC236}">
-                  <a16:creationId xmlns:a16="http://schemas.microsoft.com/office/drawing/2014/main" id="{E3DB5570-AC77-4396-9748-4183DF7C8396}"/>
-                </a:ext>
-              </a:extLst>
-            </p:cNvPr>
+            <p:cNvPr id="98" name="TextBox 97"/>
             <p:cNvSpPr txBox="1"/>
             <p:nvPr/>
           </p:nvSpPr>
@@ -14919,20 +13815,14 @@
         </p:sp>
         <p:pic>
           <p:nvPicPr>
-            <p:cNvPr id="99" name="Picture 98">
-              <a:extLst>
-                <a:ext uri="{FF2B5EF4-FFF2-40B4-BE49-F238E27FC236}">
-                  <a16:creationId xmlns:a16="http://schemas.microsoft.com/office/drawing/2014/main" id="{F6ED4041-CDD9-443D-802E-47D4387906FA}"/>
-                </a:ext>
-              </a:extLst>
-            </p:cNvPr>
+            <p:cNvPr id="99" name="Picture 98"/>
             <p:cNvPicPr>
               <a:picLocks noChangeAspect="1"/>
             </p:cNvPicPr>
             <p:nvPr/>
           </p:nvPicPr>
           <p:blipFill>
-            <a:blip r:embed="rId2" cstate="print">
+            <a:blip r:embed="rId1" cstate="print">
               <a:extLst>
                 <a:ext uri="{28A0092B-C50C-407E-A947-70E740481C1C}">
                   <a14:useLocalDpi xmlns:a14="http://schemas.microsoft.com/office/drawing/2010/main" val="0"/>
@@ -14956,13 +13846,7 @@
       </p:grpSp>
       <p:grpSp>
         <p:nvGrpSpPr>
-          <p:cNvPr id="71" name="Group 70">
-            <a:extLst>
-              <a:ext uri="{FF2B5EF4-FFF2-40B4-BE49-F238E27FC236}">
-                <a16:creationId xmlns:a16="http://schemas.microsoft.com/office/drawing/2014/main" id="{E7044FAB-DB4A-4E59-B111-8CA4168E7FA4}"/>
-              </a:ext>
-            </a:extLst>
-          </p:cNvPr>
+          <p:cNvPr id="71" name="Group 70"/>
           <p:cNvGrpSpPr/>
           <p:nvPr/>
         </p:nvGrpSpPr>
@@ -14976,13 +13860,7 @@
         </p:grpSpPr>
         <p:sp>
           <p:nvSpPr>
-            <p:cNvPr id="72" name="Rectangle 71">
-              <a:extLst>
-                <a:ext uri="{FF2B5EF4-FFF2-40B4-BE49-F238E27FC236}">
-                  <a16:creationId xmlns:a16="http://schemas.microsoft.com/office/drawing/2014/main" id="{824F072A-08CC-4CC6-B5EF-C1833A244FA3}"/>
-                </a:ext>
-              </a:extLst>
-            </p:cNvPr>
+            <p:cNvPr id="72" name="Rectangle 71"/>
             <p:cNvSpPr/>
             <p:nvPr/>
           </p:nvSpPr>
@@ -15037,13 +13915,7 @@
         </p:sp>
         <p:sp>
           <p:nvSpPr>
-            <p:cNvPr id="73" name="Freeform: Shape 72">
-              <a:extLst>
-                <a:ext uri="{FF2B5EF4-FFF2-40B4-BE49-F238E27FC236}">
-                  <a16:creationId xmlns:a16="http://schemas.microsoft.com/office/drawing/2014/main" id="{A3C6C4A9-8B6A-429B-980E-26CD0C3A573E}"/>
-                </a:ext>
-              </a:extLst>
-            </p:cNvPr>
+            <p:cNvPr id="73" name="Freeform: Shape 72"/>
             <p:cNvSpPr/>
             <p:nvPr/>
           </p:nvSpPr>
@@ -15144,13 +14016,7 @@
         </p:sp>
         <p:sp>
           <p:nvSpPr>
-            <p:cNvPr id="74" name="TextBox 73">
-              <a:extLst>
-                <a:ext uri="{FF2B5EF4-FFF2-40B4-BE49-F238E27FC236}">
-                  <a16:creationId xmlns:a16="http://schemas.microsoft.com/office/drawing/2014/main" id="{858AC381-BFD1-4A89-AE49-8ADC853A6849}"/>
-                </a:ext>
-              </a:extLst>
-            </p:cNvPr>
+            <p:cNvPr id="74" name="TextBox 73"/>
             <p:cNvSpPr txBox="1"/>
             <p:nvPr/>
           </p:nvSpPr>
@@ -15200,20 +14066,14 @@
         </p:sp>
         <p:pic>
           <p:nvPicPr>
-            <p:cNvPr id="75" name="Picture 74">
-              <a:extLst>
-                <a:ext uri="{FF2B5EF4-FFF2-40B4-BE49-F238E27FC236}">
-                  <a16:creationId xmlns:a16="http://schemas.microsoft.com/office/drawing/2014/main" id="{9DF2E944-82FA-495B-8A5C-9BDE26355383}"/>
-                </a:ext>
-              </a:extLst>
-            </p:cNvPr>
+            <p:cNvPr id="75" name="Picture 74"/>
             <p:cNvPicPr>
               <a:picLocks noChangeAspect="1"/>
             </p:cNvPicPr>
             <p:nvPr/>
           </p:nvPicPr>
           <p:blipFill>
-            <a:blip r:embed="rId2" cstate="print">
+            <a:blip r:embed="rId1" cstate="print">
               <a:extLst>
                 <a:ext uri="{28A0092B-C50C-407E-A947-70E740481C1C}">
                   <a14:useLocalDpi xmlns:a14="http://schemas.microsoft.com/office/drawing/2010/main" val="0"/>
@@ -15237,13 +14097,7 @@
       </p:grpSp>
       <p:grpSp>
         <p:nvGrpSpPr>
-          <p:cNvPr id="76" name="Group 75">
-            <a:extLst>
-              <a:ext uri="{FF2B5EF4-FFF2-40B4-BE49-F238E27FC236}">
-                <a16:creationId xmlns:a16="http://schemas.microsoft.com/office/drawing/2014/main" id="{60E31D48-090A-4A9C-AF5C-4B0C49C47C7D}"/>
-              </a:ext>
-            </a:extLst>
-          </p:cNvPr>
+          <p:cNvPr id="76" name="Group 75"/>
           <p:cNvGrpSpPr/>
           <p:nvPr/>
         </p:nvGrpSpPr>
@@ -15257,13 +14111,7 @@
         </p:grpSpPr>
         <p:sp>
           <p:nvSpPr>
-            <p:cNvPr id="77" name="Rectangle 76">
-              <a:extLst>
-                <a:ext uri="{FF2B5EF4-FFF2-40B4-BE49-F238E27FC236}">
-                  <a16:creationId xmlns:a16="http://schemas.microsoft.com/office/drawing/2014/main" id="{3A79A714-CB74-4EFD-9BC1-A7F2F993842A}"/>
-                </a:ext>
-              </a:extLst>
-            </p:cNvPr>
+            <p:cNvPr id="77" name="Rectangle 76"/>
             <p:cNvSpPr/>
             <p:nvPr/>
           </p:nvSpPr>
@@ -15318,13 +14166,7 @@
         </p:sp>
         <p:sp>
           <p:nvSpPr>
-            <p:cNvPr id="78" name="Freeform: Shape 77">
-              <a:extLst>
-                <a:ext uri="{FF2B5EF4-FFF2-40B4-BE49-F238E27FC236}">
-                  <a16:creationId xmlns:a16="http://schemas.microsoft.com/office/drawing/2014/main" id="{B006C60A-833A-41C2-A553-8132E7B3A7DB}"/>
-                </a:ext>
-              </a:extLst>
-            </p:cNvPr>
+            <p:cNvPr id="78" name="Freeform: Shape 77"/>
             <p:cNvSpPr/>
             <p:nvPr/>
           </p:nvSpPr>
@@ -15425,13 +14267,7 @@
         </p:sp>
         <p:sp>
           <p:nvSpPr>
-            <p:cNvPr id="79" name="TextBox 78">
-              <a:extLst>
-                <a:ext uri="{FF2B5EF4-FFF2-40B4-BE49-F238E27FC236}">
-                  <a16:creationId xmlns:a16="http://schemas.microsoft.com/office/drawing/2014/main" id="{95AECC6C-A520-4756-9163-08D14835D791}"/>
-                </a:ext>
-              </a:extLst>
-            </p:cNvPr>
+            <p:cNvPr id="79" name="TextBox 78"/>
             <p:cNvSpPr txBox="1"/>
             <p:nvPr/>
           </p:nvSpPr>
@@ -15461,6 +14297,12 @@
                 </a:rPr>
                 <a:t>Ensuring Correctness on NDR</a:t>
               </a:r>
+              <a:endParaRPr lang="en-US" b="1" dirty="0">
+                <a:solidFill>
+                  <a:srgbClr val="F0EEF0"/>
+                </a:solidFill>
+                <a:latin typeface="Tw Cen MT" panose="020B0602020104020603" pitchFamily="34" charset="0"/>
+              </a:endParaRPr>
             </a:p>
             <a:p>
               <a:pPr algn="ctr"/>
@@ -15475,20 +14317,14 @@
         </p:sp>
         <p:pic>
           <p:nvPicPr>
-            <p:cNvPr id="80" name="Picture 79">
-              <a:extLst>
-                <a:ext uri="{FF2B5EF4-FFF2-40B4-BE49-F238E27FC236}">
-                  <a16:creationId xmlns:a16="http://schemas.microsoft.com/office/drawing/2014/main" id="{0F8A56B9-A504-4035-8439-53ED4617B8B4}"/>
-                </a:ext>
-              </a:extLst>
-            </p:cNvPr>
+            <p:cNvPr id="80" name="Picture 79"/>
             <p:cNvPicPr>
               <a:picLocks noChangeAspect="1"/>
             </p:cNvPicPr>
             <p:nvPr/>
           </p:nvPicPr>
           <p:blipFill>
-            <a:blip r:embed="rId2" cstate="print">
+            <a:blip r:embed="rId1" cstate="print">
               <a:extLst>
                 <a:ext uri="{28A0092B-C50C-407E-A947-70E740481C1C}">
                   <a14:useLocalDpi xmlns:a14="http://schemas.microsoft.com/office/drawing/2010/main" val="0"/>
@@ -15519,9 +14355,11 @@
           <p:nvPr/>
         </p:nvPicPr>
         <p:blipFill rotWithShape="1">
-          <a:blip r:embed="rId3"/>
+          <a:blip r:embed="rId2"/>
           <a:srcRect l="6666" t="10000" r="6666" b="7037"/>
-          <a:stretch/>
+          <a:stretch>
+            <a:fillRect/>
+          </a:stretch>
         </p:blipFill>
         <p:spPr>
           <a:xfrm>
@@ -15534,22 +14372,17 @@
         </p:spPr>
       </p:pic>
     </p:spTree>
-    <p:extLst>
-      <p:ext uri="{BB962C8B-B14F-4D97-AF65-F5344CB8AC3E}">
-        <p14:creationId xmlns:p14="http://schemas.microsoft.com/office/powerpoint/2010/main" val="889221982"/>
-      </p:ext>
-    </p:extLst>
   </p:cSld>
   <p:clrMapOvr>
     <a:masterClrMapping/>
   </p:clrMapOvr>
   <mc:AlternateContent xmlns:mc="http://schemas.openxmlformats.org/markup-compatibility/2006" xmlns:p159="http://schemas.microsoft.com/office/powerpoint/2015/09/main">
     <mc:Choice Requires="p159">
-      <p:transition spd="med">
+      <p:transition xmlns:p14="http://schemas.microsoft.com/office/powerpoint/2010/main" spd="med">
         <p159:morph option="byObject"/>
       </p:transition>
     </mc:Choice>
-    <mc:Fallback xmlns="">
+    <mc:Fallback>
       <p:transition spd="med">
         <p:fade/>
       </p:transition>
@@ -15571,7 +14404,7 @@
     <p:bg>
       <p:bgPr>
         <a:blipFill dpi="0" rotWithShape="1">
-          <a:blip r:embed="rId3">
+          <a:blip r:embed="rId1">
             <a:lum/>
           </a:blip>
           <a:srcRect/>
@@ -15654,7 +14487,6 @@
           <a:p>
             <a:fld id="{9A173270-0D9D-4CEB-B8EB-3520A381829E}" type="slidenum">
               <a:rPr lang="en-US" smtClean="0"/>
-              <a:t>7</a:t>
             </a:fld>
             <a:endParaRPr lang="en-US"/>
           </a:p>
@@ -15669,9 +14501,11 @@
           <p:nvPr/>
         </p:nvPicPr>
         <p:blipFill rotWithShape="1">
-          <a:blip r:embed="rId4"/>
+          <a:blip r:embed="rId2"/>
           <a:srcRect l="6250" t="11481" r="7084" b="6296"/>
-          <a:stretch/>
+          <a:stretch>
+            <a:fillRect/>
+          </a:stretch>
         </p:blipFill>
         <p:spPr>
           <a:xfrm>
@@ -15684,22 +14518,17 @@
         </p:spPr>
       </p:pic>
     </p:spTree>
-    <p:extLst>
-      <p:ext uri="{BB962C8B-B14F-4D97-AF65-F5344CB8AC3E}">
-        <p14:creationId xmlns:p14="http://schemas.microsoft.com/office/powerpoint/2010/main" val="3989510131"/>
-      </p:ext>
-    </p:extLst>
   </p:cSld>
   <p:clrMapOvr>
     <a:masterClrMapping/>
   </p:clrMapOvr>
-  <mc:AlternateContent xmlns:mc="http://schemas.openxmlformats.org/markup-compatibility/2006" xmlns:p14="http://schemas.microsoft.com/office/powerpoint/2010/main">
-    <mc:Choice Requires="p14">
+  <mc:AlternateContent xmlns:mc="http://schemas.openxmlformats.org/markup-compatibility/2006">
+    <mc:Choice xmlns:p14="http://schemas.microsoft.com/office/powerpoint/2010/main" Requires="p14">
       <p:transition spd="slow" p14:dur="2000">
         <p14:prism isContent="1"/>
       </p:transition>
     </mc:Choice>
-    <mc:Fallback xmlns="">
+    <mc:Fallback>
       <p:transition spd="slow">
         <p:fade/>
       </p:transition>
@@ -15721,7 +14550,7 @@
     <p:bg>
       <p:bgPr>
         <a:blipFill dpi="0" rotWithShape="1">
-          <a:blip r:embed="rId3">
+          <a:blip r:embed="rId1">
             <a:lum/>
           </a:blip>
           <a:srcRect/>
@@ -15804,7 +14633,6 @@
           <a:p>
             <a:fld id="{9A173270-0D9D-4CEB-B8EB-3520A381829E}" type="slidenum">
               <a:rPr lang="en-US" smtClean="0"/>
-              <a:t>8</a:t>
             </a:fld>
             <a:endParaRPr lang="en-US"/>
           </a:p>
@@ -15819,9 +14647,11 @@
           <p:nvPr/>
         </p:nvPicPr>
         <p:blipFill rotWithShape="1">
-          <a:blip r:embed="rId4"/>
+          <a:blip r:embed="rId2"/>
           <a:srcRect l="30602" t="7657" r="18148" b="14565"/>
-          <a:stretch/>
+          <a:stretch>
+            <a:fillRect/>
+          </a:stretch>
         </p:blipFill>
         <p:spPr>
           <a:xfrm>
@@ -15834,22 +14664,17 @@
         </p:spPr>
       </p:pic>
     </p:spTree>
-    <p:extLst>
-      <p:ext uri="{BB962C8B-B14F-4D97-AF65-F5344CB8AC3E}">
-        <p14:creationId xmlns:p14="http://schemas.microsoft.com/office/powerpoint/2010/main" val="3004801905"/>
-      </p:ext>
-    </p:extLst>
   </p:cSld>
   <p:clrMapOvr>
     <a:masterClrMapping/>
   </p:clrMapOvr>
-  <mc:AlternateContent xmlns:mc="http://schemas.openxmlformats.org/markup-compatibility/2006" xmlns:p14="http://schemas.microsoft.com/office/powerpoint/2010/main">
-    <mc:Choice Requires="p14">
+  <mc:AlternateContent xmlns:mc="http://schemas.openxmlformats.org/markup-compatibility/2006">
+    <mc:Choice xmlns:p14="http://schemas.microsoft.com/office/powerpoint/2010/main" Requires="p14">
       <p:transition spd="slow" p14:dur="2000">
         <p14:prism isContent="1"/>
       </p:transition>
     </mc:Choice>
-    <mc:Fallback xmlns="">
+    <mc:Fallback>
       <p:transition spd="slow">
         <p:fade/>
       </p:transition>
@@ -15884,13 +14709,7 @@
       </p:grpSpPr>
       <p:grpSp>
         <p:nvGrpSpPr>
-          <p:cNvPr id="50" name="Group 49">
-            <a:extLst>
-              <a:ext uri="{FF2B5EF4-FFF2-40B4-BE49-F238E27FC236}">
-                <a16:creationId xmlns:a16="http://schemas.microsoft.com/office/drawing/2014/main" id="{10781169-B7A4-446E-BD33-B9650367A7F9}"/>
-              </a:ext>
-            </a:extLst>
-          </p:cNvPr>
+          <p:cNvPr id="50" name="Group 49"/>
           <p:cNvGrpSpPr/>
           <p:nvPr/>
         </p:nvGrpSpPr>
@@ -15904,13 +14723,7 @@
         </p:grpSpPr>
         <p:sp>
           <p:nvSpPr>
-            <p:cNvPr id="51" name="Rectangle 50">
-              <a:extLst>
-                <a:ext uri="{FF2B5EF4-FFF2-40B4-BE49-F238E27FC236}">
-                  <a16:creationId xmlns:a16="http://schemas.microsoft.com/office/drawing/2014/main" id="{CED3AF08-30FC-4AFF-9C5C-99D0A7099514}"/>
-                </a:ext>
-              </a:extLst>
-            </p:cNvPr>
+            <p:cNvPr id="51" name="Rectangle 50"/>
             <p:cNvSpPr/>
             <p:nvPr/>
           </p:nvSpPr>
@@ -15965,13 +14778,7 @@
         </p:sp>
         <p:sp>
           <p:nvSpPr>
-            <p:cNvPr id="52" name="Freeform: Shape 51">
-              <a:extLst>
-                <a:ext uri="{FF2B5EF4-FFF2-40B4-BE49-F238E27FC236}">
-                  <a16:creationId xmlns:a16="http://schemas.microsoft.com/office/drawing/2014/main" id="{99AF1FBA-9557-484A-B305-EE590A192E96}"/>
-                </a:ext>
-              </a:extLst>
-            </p:cNvPr>
+            <p:cNvPr id="52" name="Freeform: Shape 51"/>
             <p:cNvSpPr/>
             <p:nvPr/>
           </p:nvSpPr>
@@ -16072,13 +14879,7 @@
         </p:sp>
         <p:sp>
           <p:nvSpPr>
-            <p:cNvPr id="53" name="TextBox 52">
-              <a:extLst>
-                <a:ext uri="{FF2B5EF4-FFF2-40B4-BE49-F238E27FC236}">
-                  <a16:creationId xmlns:a16="http://schemas.microsoft.com/office/drawing/2014/main" id="{407E3AA2-679E-4924-AC1B-FE6C3A02C251}"/>
-                </a:ext>
-              </a:extLst>
-            </p:cNvPr>
+            <p:cNvPr id="53" name="TextBox 52"/>
             <p:cNvSpPr txBox="1"/>
             <p:nvPr/>
           </p:nvSpPr>
@@ -16126,20 +14927,14 @@
         </p:sp>
         <p:pic>
           <p:nvPicPr>
-            <p:cNvPr id="54" name="Picture 53">
-              <a:extLst>
-                <a:ext uri="{FF2B5EF4-FFF2-40B4-BE49-F238E27FC236}">
-                  <a16:creationId xmlns:a16="http://schemas.microsoft.com/office/drawing/2014/main" id="{CD9846FC-755F-4A0E-BAD3-A5D51C0E1EBE}"/>
-                </a:ext>
-              </a:extLst>
-            </p:cNvPr>
+            <p:cNvPr id="54" name="Picture 53"/>
             <p:cNvPicPr>
               <a:picLocks noChangeAspect="1"/>
             </p:cNvPicPr>
             <p:nvPr/>
           </p:nvPicPr>
           <p:blipFill>
-            <a:blip r:embed="rId2" cstate="print">
+            <a:blip r:embed="rId1" cstate="print">
               <a:extLst>
                 <a:ext uri="{28A0092B-C50C-407E-A947-70E740481C1C}">
                   <a14:useLocalDpi xmlns:a14="http://schemas.microsoft.com/office/drawing/2010/main" val="0"/>
@@ -16163,13 +14958,7 @@
       </p:grpSp>
       <p:grpSp>
         <p:nvGrpSpPr>
-          <p:cNvPr id="55" name="Group 54">
-            <a:extLst>
-              <a:ext uri="{FF2B5EF4-FFF2-40B4-BE49-F238E27FC236}">
-                <a16:creationId xmlns:a16="http://schemas.microsoft.com/office/drawing/2014/main" id="{F00A67C9-4929-4EFF-9CB6-292640CD2738}"/>
-              </a:ext>
-            </a:extLst>
-          </p:cNvPr>
+          <p:cNvPr id="55" name="Group 54"/>
           <p:cNvGrpSpPr/>
           <p:nvPr/>
         </p:nvGrpSpPr>
@@ -16183,13 +14972,7 @@
         </p:grpSpPr>
         <p:sp>
           <p:nvSpPr>
-            <p:cNvPr id="56" name="Rectangle 55">
-              <a:extLst>
-                <a:ext uri="{FF2B5EF4-FFF2-40B4-BE49-F238E27FC236}">
-                  <a16:creationId xmlns:a16="http://schemas.microsoft.com/office/drawing/2014/main" id="{3E8CDB02-4760-4298-BC44-93A18EB02F13}"/>
-                </a:ext>
-              </a:extLst>
-            </p:cNvPr>
+            <p:cNvPr id="56" name="Rectangle 55"/>
             <p:cNvSpPr/>
             <p:nvPr/>
           </p:nvSpPr>
@@ -16244,13 +15027,7 @@
         </p:sp>
         <p:sp>
           <p:nvSpPr>
-            <p:cNvPr id="57" name="Freeform: Shape 56">
-              <a:extLst>
-                <a:ext uri="{FF2B5EF4-FFF2-40B4-BE49-F238E27FC236}">
-                  <a16:creationId xmlns:a16="http://schemas.microsoft.com/office/drawing/2014/main" id="{57C0FD50-5E69-463E-A01B-65E9D864A386}"/>
-                </a:ext>
-              </a:extLst>
-            </p:cNvPr>
+            <p:cNvPr id="57" name="Freeform: Shape 56"/>
             <p:cNvSpPr/>
             <p:nvPr/>
           </p:nvSpPr>
@@ -16351,13 +15128,7 @@
         </p:sp>
         <p:sp>
           <p:nvSpPr>
-            <p:cNvPr id="58" name="TextBox 57">
-              <a:extLst>
-                <a:ext uri="{FF2B5EF4-FFF2-40B4-BE49-F238E27FC236}">
-                  <a16:creationId xmlns:a16="http://schemas.microsoft.com/office/drawing/2014/main" id="{04CBFB1D-37FD-419F-B98C-860BF5217905}"/>
-                </a:ext>
-              </a:extLst>
-            </p:cNvPr>
+            <p:cNvPr id="58" name="TextBox 57"/>
             <p:cNvSpPr txBox="1"/>
             <p:nvPr/>
           </p:nvSpPr>
@@ -16398,20 +15169,14 @@
         </p:sp>
         <p:pic>
           <p:nvPicPr>
-            <p:cNvPr id="59" name="Picture 58">
-              <a:extLst>
-                <a:ext uri="{FF2B5EF4-FFF2-40B4-BE49-F238E27FC236}">
-                  <a16:creationId xmlns:a16="http://schemas.microsoft.com/office/drawing/2014/main" id="{60B383F7-52C5-4FB7-AEC3-35A48D7354A0}"/>
-                </a:ext>
-              </a:extLst>
-            </p:cNvPr>
+            <p:cNvPr id="59" name="Picture 58"/>
             <p:cNvPicPr>
               <a:picLocks noChangeAspect="1"/>
             </p:cNvPicPr>
             <p:nvPr/>
           </p:nvPicPr>
           <p:blipFill>
-            <a:blip r:embed="rId2" cstate="print">
+            <a:blip r:embed="rId1" cstate="print">
               <a:extLst>
                 <a:ext uri="{28A0092B-C50C-407E-A947-70E740481C1C}">
                   <a14:useLocalDpi xmlns:a14="http://schemas.microsoft.com/office/drawing/2010/main" val="0"/>
@@ -16435,13 +15200,7 @@
       </p:grpSp>
       <p:grpSp>
         <p:nvGrpSpPr>
-          <p:cNvPr id="60" name="Group 59">
-            <a:extLst>
-              <a:ext uri="{FF2B5EF4-FFF2-40B4-BE49-F238E27FC236}">
-                <a16:creationId xmlns:a16="http://schemas.microsoft.com/office/drawing/2014/main" id="{6F7667A6-1C16-4F0A-A162-61BD16E6BE6B}"/>
-              </a:ext>
-            </a:extLst>
-          </p:cNvPr>
+          <p:cNvPr id="60" name="Group 59"/>
           <p:cNvGrpSpPr/>
           <p:nvPr/>
         </p:nvGrpSpPr>
@@ -16455,13 +15214,7 @@
         </p:grpSpPr>
         <p:sp>
           <p:nvSpPr>
-            <p:cNvPr id="61" name="Rectangle 60">
-              <a:extLst>
-                <a:ext uri="{FF2B5EF4-FFF2-40B4-BE49-F238E27FC236}">
-                  <a16:creationId xmlns:a16="http://schemas.microsoft.com/office/drawing/2014/main" id="{0E8C29A9-4AAB-442C-A7A4-40DCCE0A9694}"/>
-                </a:ext>
-              </a:extLst>
-            </p:cNvPr>
+            <p:cNvPr id="61" name="Rectangle 60"/>
             <p:cNvSpPr/>
             <p:nvPr/>
           </p:nvSpPr>
@@ -16516,13 +15269,7 @@
         </p:sp>
         <p:sp>
           <p:nvSpPr>
-            <p:cNvPr id="62" name="Freeform: Shape 61">
-              <a:extLst>
-                <a:ext uri="{FF2B5EF4-FFF2-40B4-BE49-F238E27FC236}">
-                  <a16:creationId xmlns:a16="http://schemas.microsoft.com/office/drawing/2014/main" id="{81520FE7-5699-4290-9C3C-51E0C60ECC6B}"/>
-                </a:ext>
-              </a:extLst>
-            </p:cNvPr>
+            <p:cNvPr id="62" name="Freeform: Shape 61"/>
             <p:cNvSpPr/>
             <p:nvPr/>
           </p:nvSpPr>
@@ -16623,13 +15370,7 @@
         </p:sp>
         <p:sp>
           <p:nvSpPr>
-            <p:cNvPr id="63" name="TextBox 62">
-              <a:extLst>
-                <a:ext uri="{FF2B5EF4-FFF2-40B4-BE49-F238E27FC236}">
-                  <a16:creationId xmlns:a16="http://schemas.microsoft.com/office/drawing/2014/main" id="{AFD50D6F-822B-4109-8B0C-BA004A0B7145}"/>
-                </a:ext>
-              </a:extLst>
-            </p:cNvPr>
+            <p:cNvPr id="63" name="TextBox 62"/>
             <p:cNvSpPr txBox="1"/>
             <p:nvPr/>
           </p:nvSpPr>
@@ -16679,20 +15420,14 @@
         </p:sp>
         <p:pic>
           <p:nvPicPr>
-            <p:cNvPr id="64" name="Picture 63">
-              <a:extLst>
-                <a:ext uri="{FF2B5EF4-FFF2-40B4-BE49-F238E27FC236}">
-                  <a16:creationId xmlns:a16="http://schemas.microsoft.com/office/drawing/2014/main" id="{0376C61F-147B-441E-B32E-45D5BC1B66B5}"/>
-                </a:ext>
-              </a:extLst>
-            </p:cNvPr>
+            <p:cNvPr id="64" name="Picture 63"/>
             <p:cNvPicPr>
               <a:picLocks noChangeAspect="1"/>
             </p:cNvPicPr>
             <p:nvPr/>
           </p:nvPicPr>
           <p:blipFill>
-            <a:blip r:embed="rId2" cstate="print">
+            <a:blip r:embed="rId1" cstate="print">
               <a:extLst>
                 <a:ext uri="{28A0092B-C50C-407E-A947-70E740481C1C}">
                   <a14:useLocalDpi xmlns:a14="http://schemas.microsoft.com/office/drawing/2010/main" val="0"/>
@@ -16716,13 +15451,7 @@
       </p:grpSp>
       <p:grpSp>
         <p:nvGrpSpPr>
-          <p:cNvPr id="95" name="Group 94">
-            <a:extLst>
-              <a:ext uri="{FF2B5EF4-FFF2-40B4-BE49-F238E27FC236}">
-                <a16:creationId xmlns:a16="http://schemas.microsoft.com/office/drawing/2014/main" id="{4E70D3F9-D583-4ACD-8480-0F4A65ED3C83}"/>
-              </a:ext>
-            </a:extLst>
-          </p:cNvPr>
+          <p:cNvPr id="95" name="Group 94"/>
           <p:cNvGrpSpPr/>
           <p:nvPr/>
         </p:nvGrpSpPr>
@@ -16736,13 +15465,7 @@
         </p:grpSpPr>
         <p:sp>
           <p:nvSpPr>
-            <p:cNvPr id="96" name="Rectangle 95">
-              <a:extLst>
-                <a:ext uri="{FF2B5EF4-FFF2-40B4-BE49-F238E27FC236}">
-                  <a16:creationId xmlns:a16="http://schemas.microsoft.com/office/drawing/2014/main" id="{321108FC-08B5-45CC-AB47-1104119B25FD}"/>
-                </a:ext>
-              </a:extLst>
-            </p:cNvPr>
+            <p:cNvPr id="96" name="Rectangle 95"/>
             <p:cNvSpPr/>
             <p:nvPr/>
           </p:nvSpPr>
@@ -16797,13 +15520,7 @@
         </p:sp>
         <p:sp>
           <p:nvSpPr>
-            <p:cNvPr id="97" name="Freeform: Shape 96">
-              <a:extLst>
-                <a:ext uri="{FF2B5EF4-FFF2-40B4-BE49-F238E27FC236}">
-                  <a16:creationId xmlns:a16="http://schemas.microsoft.com/office/drawing/2014/main" id="{96A47C8C-7F88-484E-817B-572BEDC2BC69}"/>
-                </a:ext>
-              </a:extLst>
-            </p:cNvPr>
+            <p:cNvPr id="97" name="Freeform: Shape 96"/>
             <p:cNvSpPr/>
             <p:nvPr/>
           </p:nvSpPr>
@@ -16904,13 +15621,7 @@
         </p:sp>
         <p:sp>
           <p:nvSpPr>
-            <p:cNvPr id="98" name="TextBox 97">
-              <a:extLst>
-                <a:ext uri="{FF2B5EF4-FFF2-40B4-BE49-F238E27FC236}">
-                  <a16:creationId xmlns:a16="http://schemas.microsoft.com/office/drawing/2014/main" id="{E3DB5570-AC77-4396-9748-4183DF7C8396}"/>
-                </a:ext>
-              </a:extLst>
-            </p:cNvPr>
+            <p:cNvPr id="98" name="TextBox 97"/>
             <p:cNvSpPr txBox="1"/>
             <p:nvPr/>
           </p:nvSpPr>
@@ -16960,20 +15671,14 @@
         </p:sp>
         <p:pic>
           <p:nvPicPr>
-            <p:cNvPr id="99" name="Picture 98">
-              <a:extLst>
-                <a:ext uri="{FF2B5EF4-FFF2-40B4-BE49-F238E27FC236}">
-                  <a16:creationId xmlns:a16="http://schemas.microsoft.com/office/drawing/2014/main" id="{F6ED4041-CDD9-443D-802E-47D4387906FA}"/>
-                </a:ext>
-              </a:extLst>
-            </p:cNvPr>
+            <p:cNvPr id="99" name="Picture 98"/>
             <p:cNvPicPr>
               <a:picLocks noChangeAspect="1"/>
             </p:cNvPicPr>
             <p:nvPr/>
           </p:nvPicPr>
           <p:blipFill>
-            <a:blip r:embed="rId2" cstate="print">
+            <a:blip r:embed="rId1" cstate="print">
               <a:extLst>
                 <a:ext uri="{28A0092B-C50C-407E-A947-70E740481C1C}">
                   <a14:useLocalDpi xmlns:a14="http://schemas.microsoft.com/office/drawing/2010/main" val="0"/>
@@ -16997,13 +15702,7 @@
       </p:grpSp>
       <p:grpSp>
         <p:nvGrpSpPr>
-          <p:cNvPr id="71" name="Group 70">
-            <a:extLst>
-              <a:ext uri="{FF2B5EF4-FFF2-40B4-BE49-F238E27FC236}">
-                <a16:creationId xmlns:a16="http://schemas.microsoft.com/office/drawing/2014/main" id="{E7044FAB-DB4A-4E59-B111-8CA4168E7FA4}"/>
-              </a:ext>
-            </a:extLst>
-          </p:cNvPr>
+          <p:cNvPr id="71" name="Group 70"/>
           <p:cNvGrpSpPr/>
           <p:nvPr/>
         </p:nvGrpSpPr>
@@ -17017,13 +15716,7 @@
         </p:grpSpPr>
         <p:sp>
           <p:nvSpPr>
-            <p:cNvPr id="72" name="Rectangle 71">
-              <a:extLst>
-                <a:ext uri="{FF2B5EF4-FFF2-40B4-BE49-F238E27FC236}">
-                  <a16:creationId xmlns:a16="http://schemas.microsoft.com/office/drawing/2014/main" id="{824F072A-08CC-4CC6-B5EF-C1833A244FA3}"/>
-                </a:ext>
-              </a:extLst>
-            </p:cNvPr>
+            <p:cNvPr id="72" name="Rectangle 71"/>
             <p:cNvSpPr/>
             <p:nvPr/>
           </p:nvSpPr>
@@ -17078,13 +15771,7 @@
         </p:sp>
         <p:sp>
           <p:nvSpPr>
-            <p:cNvPr id="73" name="Freeform: Shape 72">
-              <a:extLst>
-                <a:ext uri="{FF2B5EF4-FFF2-40B4-BE49-F238E27FC236}">
-                  <a16:creationId xmlns:a16="http://schemas.microsoft.com/office/drawing/2014/main" id="{A3C6C4A9-8B6A-429B-980E-26CD0C3A573E}"/>
-                </a:ext>
-              </a:extLst>
-            </p:cNvPr>
+            <p:cNvPr id="73" name="Freeform: Shape 72"/>
             <p:cNvSpPr/>
             <p:nvPr/>
           </p:nvSpPr>
@@ -17185,13 +15872,7 @@
         </p:sp>
         <p:sp>
           <p:nvSpPr>
-            <p:cNvPr id="74" name="TextBox 73">
-              <a:extLst>
-                <a:ext uri="{FF2B5EF4-FFF2-40B4-BE49-F238E27FC236}">
-                  <a16:creationId xmlns:a16="http://schemas.microsoft.com/office/drawing/2014/main" id="{858AC381-BFD1-4A89-AE49-8ADC853A6849}"/>
-                </a:ext>
-              </a:extLst>
-            </p:cNvPr>
+            <p:cNvPr id="74" name="TextBox 73"/>
             <p:cNvSpPr txBox="1"/>
             <p:nvPr/>
           </p:nvSpPr>
@@ -17241,20 +15922,14 @@
         </p:sp>
         <p:pic>
           <p:nvPicPr>
-            <p:cNvPr id="75" name="Picture 74">
-              <a:extLst>
-                <a:ext uri="{FF2B5EF4-FFF2-40B4-BE49-F238E27FC236}">
-                  <a16:creationId xmlns:a16="http://schemas.microsoft.com/office/drawing/2014/main" id="{9DF2E944-82FA-495B-8A5C-9BDE26355383}"/>
-                </a:ext>
-              </a:extLst>
-            </p:cNvPr>
+            <p:cNvPr id="75" name="Picture 74"/>
             <p:cNvPicPr>
               <a:picLocks noChangeAspect="1"/>
             </p:cNvPicPr>
             <p:nvPr/>
           </p:nvPicPr>
           <p:blipFill>
-            <a:blip r:embed="rId2" cstate="print">
+            <a:blip r:embed="rId1" cstate="print">
               <a:extLst>
                 <a:ext uri="{28A0092B-C50C-407E-A947-70E740481C1C}">
                   <a14:useLocalDpi xmlns:a14="http://schemas.microsoft.com/office/drawing/2010/main" val="0"/>
@@ -17278,13 +15953,7 @@
       </p:grpSp>
       <p:grpSp>
         <p:nvGrpSpPr>
-          <p:cNvPr id="76" name="Group 75">
-            <a:extLst>
-              <a:ext uri="{FF2B5EF4-FFF2-40B4-BE49-F238E27FC236}">
-                <a16:creationId xmlns:a16="http://schemas.microsoft.com/office/drawing/2014/main" id="{60E31D48-090A-4A9C-AF5C-4B0C49C47C7D}"/>
-              </a:ext>
-            </a:extLst>
-          </p:cNvPr>
+          <p:cNvPr id="76" name="Group 75"/>
           <p:cNvGrpSpPr/>
           <p:nvPr/>
         </p:nvGrpSpPr>
@@ -17298,13 +15967,7 @@
         </p:grpSpPr>
         <p:sp>
           <p:nvSpPr>
-            <p:cNvPr id="77" name="Rectangle 76">
-              <a:extLst>
-                <a:ext uri="{FF2B5EF4-FFF2-40B4-BE49-F238E27FC236}">
-                  <a16:creationId xmlns:a16="http://schemas.microsoft.com/office/drawing/2014/main" id="{3A79A714-CB74-4EFD-9BC1-A7F2F993842A}"/>
-                </a:ext>
-              </a:extLst>
-            </p:cNvPr>
+            <p:cNvPr id="77" name="Rectangle 76"/>
             <p:cNvSpPr/>
             <p:nvPr/>
           </p:nvSpPr>
@@ -17359,13 +16022,7 @@
         </p:sp>
         <p:sp>
           <p:nvSpPr>
-            <p:cNvPr id="78" name="Freeform: Shape 77">
-              <a:extLst>
-                <a:ext uri="{FF2B5EF4-FFF2-40B4-BE49-F238E27FC236}">
-                  <a16:creationId xmlns:a16="http://schemas.microsoft.com/office/drawing/2014/main" id="{B006C60A-833A-41C2-A553-8132E7B3A7DB}"/>
-                </a:ext>
-              </a:extLst>
-            </p:cNvPr>
+            <p:cNvPr id="78" name="Freeform: Shape 77"/>
             <p:cNvSpPr/>
             <p:nvPr/>
           </p:nvSpPr>
@@ -17466,13 +16123,7 @@
         </p:sp>
         <p:sp>
           <p:nvSpPr>
-            <p:cNvPr id="79" name="TextBox 78">
-              <a:extLst>
-                <a:ext uri="{FF2B5EF4-FFF2-40B4-BE49-F238E27FC236}">
-                  <a16:creationId xmlns:a16="http://schemas.microsoft.com/office/drawing/2014/main" id="{95AECC6C-A520-4756-9163-08D14835D791}"/>
-                </a:ext>
-              </a:extLst>
-            </p:cNvPr>
+            <p:cNvPr id="79" name="TextBox 78"/>
             <p:cNvSpPr txBox="1"/>
             <p:nvPr/>
           </p:nvSpPr>
@@ -17522,20 +16173,14 @@
         </p:sp>
         <p:pic>
           <p:nvPicPr>
-            <p:cNvPr id="80" name="Picture 79">
-              <a:extLst>
-                <a:ext uri="{FF2B5EF4-FFF2-40B4-BE49-F238E27FC236}">
-                  <a16:creationId xmlns:a16="http://schemas.microsoft.com/office/drawing/2014/main" id="{0F8A56B9-A504-4035-8439-53ED4617B8B4}"/>
-                </a:ext>
-              </a:extLst>
-            </p:cNvPr>
+            <p:cNvPr id="80" name="Picture 79"/>
             <p:cNvPicPr>
               <a:picLocks noChangeAspect="1"/>
             </p:cNvPicPr>
             <p:nvPr/>
           </p:nvPicPr>
           <p:blipFill>
-            <a:blip r:embed="rId2" cstate="print">
+            <a:blip r:embed="rId1" cstate="print">
               <a:extLst>
                 <a:ext uri="{28A0092B-C50C-407E-A947-70E740481C1C}">
                   <a14:useLocalDpi xmlns:a14="http://schemas.microsoft.com/office/drawing/2010/main" val="0"/>
@@ -17566,9 +16211,11 @@
           <p:nvPr/>
         </p:nvPicPr>
         <p:blipFill rotWithShape="1">
-          <a:blip r:embed="rId3"/>
+          <a:blip r:embed="rId2"/>
           <a:srcRect l="-980" t="6293" r="980" b="5882"/>
-          <a:stretch/>
+          <a:stretch>
+            <a:fillRect/>
+          </a:stretch>
         </p:blipFill>
         <p:spPr>
           <a:xfrm>
@@ -17581,22 +16228,17 @@
         </p:spPr>
       </p:pic>
     </p:spTree>
-    <p:extLst>
-      <p:ext uri="{BB962C8B-B14F-4D97-AF65-F5344CB8AC3E}">
-        <p14:creationId xmlns:p14="http://schemas.microsoft.com/office/powerpoint/2010/main" val="1995417635"/>
-      </p:ext>
-    </p:extLst>
   </p:cSld>
   <p:clrMapOvr>
     <a:masterClrMapping/>
   </p:clrMapOvr>
   <mc:AlternateContent xmlns:mc="http://schemas.openxmlformats.org/markup-compatibility/2006" xmlns:p159="http://schemas.microsoft.com/office/powerpoint/2015/09/main">
     <mc:Choice Requires="p159">
-      <p:transition spd="med">
+      <p:transition xmlns:p14="http://schemas.microsoft.com/office/powerpoint/2010/main" spd="med">
         <p159:morph option="byObject"/>
       </p:transition>
     </mc:Choice>
-    <mc:Fallback xmlns="">
+    <mc:Fallback>
       <p:transition spd="med">
         <p:fade/>
       </p:transition>
@@ -17655,7 +16297,7 @@
     </a:clrScheme>
     <a:fontScheme name="Office">
       <a:majorFont>
-        <a:latin typeface="Calibri Light" panose="020F0302020204030204"/>
+        <a:latin typeface="Calibri Light"/>
         <a:ea typeface=""/>
         <a:cs typeface=""/>
         <a:font script="Jpan" typeface="ＭＳ Ｐゴシック"/>
@@ -17690,7 +16332,7 @@
         <a:font script="Geor" typeface="Sylfaen"/>
       </a:majorFont>
       <a:minorFont>
-        <a:latin typeface="Calibri" panose="020F0502020204030204"/>
+        <a:latin typeface="Calibri"/>
         <a:ea typeface=""/>
         <a:cs typeface=""/>
         <a:font script="Jpan" typeface="ＭＳ Ｐゴシック"/>
@@ -17863,8 +16505,6 @@
       </a:bgFillStyleLst>
     </a:fmtScheme>
   </a:themeElements>
-  <a:objectDefaults/>
-  <a:extraClrSchemeLst/>
   <a:extLst>
     <a:ext uri="{05A4C25C-085E-4340-85A3-A5531E510DB2}">
       <thm15:themeFamily xmlns:thm15="http://schemas.microsoft.com/office/thememl/2012/main" name="Office Theme" id="{62F939B6-93AF-4DB8-9C6B-D6C7DFDC589F}" vid="{4A3C46E8-61CC-4603-A589-7422A47A8E4A}"/>
@@ -17916,7 +16556,7 @@
     </a:clrScheme>
     <a:fontScheme name="Office">
       <a:majorFont>
-        <a:latin typeface="Calibri Light" panose="020F0302020204030204"/>
+        <a:latin typeface="Calibri Light"/>
         <a:ea typeface=""/>
         <a:cs typeface=""/>
         <a:font script="Jpan" typeface="Yu Gothic Light"/>
@@ -17951,7 +16591,7 @@
         <a:font script="Geor" typeface="Sylfaen"/>
       </a:majorFont>
       <a:minorFont>
-        <a:latin typeface="Calibri" panose="020F0502020204030204"/>
+        <a:latin typeface="Calibri"/>
         <a:ea typeface=""/>
         <a:cs typeface=""/>
         <a:font script="Jpan" typeface="Yu Gothic"/>
@@ -18124,8 +16764,6 @@
       </a:bgFillStyleLst>
     </a:fmtScheme>
   </a:themeElements>
-  <a:objectDefaults/>
-  <a:extraClrSchemeLst/>
   <a:extLst>
     <a:ext uri="{05A4C25C-085E-4340-85A3-A5531E510DB2}">
       <thm15:themeFamily xmlns:thm15="http://schemas.microsoft.com/office/thememl/2012/main" name="Office Theme" id="{62F939B6-93AF-4DB8-9C6B-D6C7DFDC589F}" vid="{4A3C46E8-61CC-4603-A589-7422A47A8E4A}"/>
@@ -18177,7 +16815,7 @@
     </a:clrScheme>
     <a:fontScheme name="Office">
       <a:majorFont>
-        <a:latin typeface="Calibri Light" panose="020F0302020204030204"/>
+        <a:latin typeface="Calibri Light"/>
         <a:ea typeface=""/>
         <a:cs typeface=""/>
         <a:font script="Jpan" typeface="ＭＳ Ｐゴシック"/>
@@ -18212,7 +16850,7 @@
         <a:font script="Geor" typeface="Sylfaen"/>
       </a:majorFont>
       <a:minorFont>
-        <a:latin typeface="Calibri" panose="020F0502020204030204"/>
+        <a:latin typeface="Calibri"/>
         <a:ea typeface=""/>
         <a:cs typeface=""/>
         <a:font script="Jpan" typeface="ＭＳ Ｐゴシック"/>
@@ -18385,8 +17023,6 @@
       </a:bgFillStyleLst>
     </a:fmtScheme>
   </a:themeElements>
-  <a:objectDefaults/>
-  <a:extraClrSchemeLst/>
   <a:extLst>
     <a:ext uri="{05A4C25C-085E-4340-85A3-A5531E510DB2}">
       <thm15:themeFamily xmlns:thm15="http://schemas.microsoft.com/office/thememl/2012/main" name="Office Theme" id="{62F939B6-93AF-4DB8-9C6B-D6C7DFDC589F}" vid="{4A3C46E8-61CC-4603-A589-7422A47A8E4A}"/>
